--- a/documents/DPR-ins-prem-pred.pptx
+++ b/documents/DPR-ins-prem-pred.pptx
@@ -5,44 +5,45 @@
     <p:sldMasterId id="2147483690" r:id="rId1"/>
   </p:sldMasterIdLst>
   <p:notesMasterIdLst>
-    <p:notesMasterId r:id="rId16"/>
+    <p:notesMasterId r:id="rId17"/>
   </p:notesMasterIdLst>
   <p:sldIdLst>
     <p:sldId id="256" r:id="rId2"/>
     <p:sldId id="257" r:id="rId3"/>
     <p:sldId id="269" r:id="rId4"/>
     <p:sldId id="270" r:id="rId5"/>
-    <p:sldId id="271" r:id="rId6"/>
-    <p:sldId id="272" r:id="rId7"/>
-    <p:sldId id="273" r:id="rId8"/>
-    <p:sldId id="274" r:id="rId9"/>
-    <p:sldId id="275" r:id="rId10"/>
-    <p:sldId id="276" r:id="rId11"/>
-    <p:sldId id="277" r:id="rId12"/>
-    <p:sldId id="278" r:id="rId13"/>
-    <p:sldId id="279" r:id="rId14"/>
-    <p:sldId id="280" r:id="rId15"/>
+    <p:sldId id="281" r:id="rId6"/>
+    <p:sldId id="271" r:id="rId7"/>
+    <p:sldId id="272" r:id="rId8"/>
+    <p:sldId id="273" r:id="rId9"/>
+    <p:sldId id="274" r:id="rId10"/>
+    <p:sldId id="275" r:id="rId11"/>
+    <p:sldId id="276" r:id="rId12"/>
+    <p:sldId id="277" r:id="rId13"/>
+    <p:sldId id="278" r:id="rId14"/>
+    <p:sldId id="279" r:id="rId15"/>
+    <p:sldId id="280" r:id="rId16"/>
   </p:sldIdLst>
   <p:sldSz cx="12192000" cy="6858000"/>
   <p:notesSz cx="6858000" cy="9144000"/>
   <p:embeddedFontLst>
     <p:embeddedFont>
       <p:font typeface="Wingdings 2" pitchFamily="18" charset="2"/>
-      <p:regular r:id="rId17"/>
+      <p:regular r:id="rId18"/>
     </p:embeddedFont>
     <p:embeddedFont>
       <p:font typeface="Calibri" pitchFamily="34" charset="0"/>
-      <p:regular r:id="rId18"/>
-      <p:bold r:id="rId19"/>
-      <p:italic r:id="rId20"/>
-      <p:boldItalic r:id="rId21"/>
+      <p:regular r:id="rId19"/>
+      <p:bold r:id="rId20"/>
+      <p:italic r:id="rId21"/>
+      <p:boldItalic r:id="rId22"/>
     </p:embeddedFont>
     <p:embeddedFont>
       <p:font typeface="Constantia" pitchFamily="18" charset="0"/>
-      <p:regular r:id="rId22"/>
-      <p:bold r:id="rId23"/>
-      <p:italic r:id="rId24"/>
-      <p:boldItalic r:id="rId25"/>
+      <p:regular r:id="rId23"/>
+      <p:bold r:id="rId24"/>
+      <p:italic r:id="rId25"/>
+      <p:boldItalic r:id="rId26"/>
     </p:embeddedFont>
   </p:embeddedFontLst>
   <p:defaultTextStyle>
@@ -276,7 +277,7 @@
   </p:defaultTextStyle>
   <p:extLst>
     <p:ext uri="http://customooxmlschemas.google.com/">
-      <go:slidesCustomData xmlns:go="http://customooxmlschemas.google.com/" xmlns:ahyp="http://schemas.microsoft.com/office/drawing/2018/hyperlinkcolor" xmlns:p15="http://schemas.microsoft.com/office/powerpoint/2012/main" xmlns:p14="http://schemas.microsoft.com/office/powerpoint/2010/main" xmlns:com="http://schemas.openxmlformats.org/drawingml/2006/compatibility" xmlns:pvml="urn:schemas-microsoft-com:office:powerpoint" xmlns:v="urn:schemas-microsoft-com:vml" xmlns:o="urn:schemas-microsoft-com:office:office" xmlns:dgm="http://schemas.openxmlformats.org/drawingml/2006/diagram" xmlns:c="http://schemas.openxmlformats.org/drawingml/2006/chart" xmlns:mv="urn:schemas-microsoft-com:mac:vml" xmlns:mc="http://schemas.openxmlformats.org/markup-compatibility/2006" xmlns="" r:id="rId26" roundtripDataSignature="AMtx7mja1iNMUlAlqX4iV31sKtFy/FYFrw=="/>
+      <go:slidesCustomData xmlns="" xmlns:mc="http://schemas.openxmlformats.org/markup-compatibility/2006" xmlns:mv="urn:schemas-microsoft-com:mac:vml" xmlns:c="http://schemas.openxmlformats.org/drawingml/2006/chart" xmlns:dgm="http://schemas.openxmlformats.org/drawingml/2006/diagram" xmlns:o="urn:schemas-microsoft-com:office:office" xmlns:v="urn:schemas-microsoft-com:vml" xmlns:pvml="urn:schemas-microsoft-com:office:powerpoint" xmlns:com="http://schemas.openxmlformats.org/drawingml/2006/compatibility" xmlns:p14="http://schemas.microsoft.com/office/powerpoint/2010/main" xmlns:p15="http://schemas.microsoft.com/office/powerpoint/2012/main" xmlns:ahyp="http://schemas.microsoft.com/office/drawing/2018/hyperlinkcolor" xmlns:go="http://customooxmlschemas.google.com/" r:id="rId27" roundtripDataSignature="AMtx7mja1iNMUlAlqX4iV31sKtFy/FYFrw=="/>
     </p:ext>
   </p:extLst>
 </p:presentation>
@@ -1244,6 +1245,110 @@
 </file>
 
 <file path=ppt/notesSlides/notesSlide14.xml><?xml version="1.0" encoding="utf-8"?>
+<p:notes xmlns:a="http://schemas.openxmlformats.org/drawingml/2006/main" xmlns:r="http://schemas.openxmlformats.org/officeDocument/2006/relationships" xmlns:p="http://schemas.openxmlformats.org/presentationml/2006/main" showMasterSp="0" showMasterPhAnim="0">
+  <p:cSld>
+    <p:spTree>
+      <p:nvGrpSpPr>
+        <p:cNvPr id="1" name="Shape 140"/>
+        <p:cNvGrpSpPr/>
+        <p:nvPr/>
+      </p:nvGrpSpPr>
+      <p:grpSpPr>
+        <a:xfrm>
+          <a:off x="0" y="0"/>
+          <a:ext cx="0" cy="0"/>
+          <a:chOff x="0" y="0"/>
+          <a:chExt cx="0" cy="0"/>
+        </a:xfrm>
+      </p:grpSpPr>
+      <p:sp>
+        <p:nvSpPr>
+          <p:cNvPr id="141" name="Google Shape;141;p2:notes"/>
+          <p:cNvSpPr txBox="1">
+            <a:spLocks noGrp="1"/>
+          </p:cNvSpPr>
+          <p:nvPr>
+            <p:ph type="body" idx="1"/>
+          </p:nvPr>
+        </p:nvSpPr>
+        <p:spPr>
+          <a:xfrm>
+            <a:off x="685800" y="4343400"/>
+            <a:ext cx="5486400" cy="4114800"/>
+          </a:xfrm>
+          <a:prstGeom prst="rect">
+            <a:avLst/>
+          </a:prstGeom>
+        </p:spPr>
+        <p:txBody>
+          <a:bodyPr spcFirstLastPara="1" wrap="square" lIns="91425" tIns="91425" rIns="91425" bIns="91425" anchor="t" anchorCtr="0">
+            <a:noAutofit/>
+          </a:bodyPr>
+          <a:lstStyle/>
+          <a:p>
+            <a:pPr marL="0" lvl="0" indent="0" algn="l" rtl="0">
+              <a:spcBef>
+                <a:spcPts val="0"/>
+              </a:spcBef>
+              <a:spcAft>
+                <a:spcPts val="0"/>
+              </a:spcAft>
+              <a:buNone/>
+            </a:pPr>
+            <a:endParaRPr/>
+          </a:p>
+        </p:txBody>
+      </p:sp>
+      <p:sp>
+        <p:nvSpPr>
+          <p:cNvPr id="142" name="Google Shape;142;p2:notes"/>
+          <p:cNvSpPr>
+            <a:spLocks noGrp="1" noRot="1" noChangeAspect="1"/>
+          </p:cNvSpPr>
+          <p:nvPr>
+            <p:ph type="sldImg" idx="2"/>
+          </p:nvPr>
+        </p:nvSpPr>
+        <p:spPr>
+          <a:xfrm>
+            <a:off x="381000" y="685800"/>
+            <a:ext cx="6096000" cy="3429000"/>
+          </a:xfrm>
+          <a:custGeom>
+            <a:avLst/>
+            <a:gdLst/>
+            <a:ahLst/>
+            <a:cxnLst/>
+            <a:rect l="l" t="t" r="r" b="b"/>
+            <a:pathLst>
+              <a:path w="120000" h="120000" extrusionOk="0">
+                <a:moveTo>
+                  <a:pt x="0" y="0"/>
+                </a:moveTo>
+                <a:lnTo>
+                  <a:pt x="120000" y="0"/>
+                </a:lnTo>
+                <a:lnTo>
+                  <a:pt x="120000" y="120000"/>
+                </a:lnTo>
+                <a:lnTo>
+                  <a:pt x="0" y="120000"/>
+                </a:lnTo>
+                <a:close/>
+              </a:path>
+            </a:pathLst>
+          </a:custGeom>
+        </p:spPr>
+      </p:sp>
+    </p:spTree>
+  </p:cSld>
+  <p:clrMapOvr>
+    <a:masterClrMapping/>
+  </p:clrMapOvr>
+</p:notes>
+</file>
+
+<file path=ppt/notesSlides/notesSlide15.xml><?xml version="1.0" encoding="utf-8"?>
 <p:notes xmlns:a="http://schemas.openxmlformats.org/drawingml/2006/main" xmlns:r="http://schemas.openxmlformats.org/officeDocument/2006/relationships" xmlns:p="http://schemas.openxmlformats.org/presentationml/2006/main" showMasterSp="0" showMasterPhAnim="0">
   <p:cSld>
     <p:spTree>
@@ -6171,15 +6276,42 @@
               <a:buSzPts val="1680"/>
               <a:buNone/>
             </a:pPr>
-            <a:endParaRPr lang="en-US" sz="3000" dirty="0" smtClean="0">
-              <a:solidFill>
-                <a:schemeClr val="tx1"/>
-              </a:solidFill>
-              <a:latin typeface="Times New Roman"/>
-              <a:ea typeface="Times New Roman"/>
-              <a:cs typeface="Times New Roman"/>
-              <a:sym typeface="Times New Roman"/>
-            </a:endParaRPr>
+            <a:r>
+              <a:rPr lang="en-US" sz="5400" b="1" dirty="0" smtClean="0">
+                <a:solidFill>
+                  <a:schemeClr val="tx1"/>
+                </a:solidFill>
+                <a:latin typeface="Times New Roman"/>
+                <a:ea typeface="Times New Roman"/>
+                <a:cs typeface="Times New Roman"/>
+                <a:sym typeface="Times New Roman"/>
+              </a:rPr>
+              <a:t>Insurance </a:t>
+            </a:r>
+            <a:r>
+              <a:rPr lang="en-US" sz="5400" b="1" dirty="0" smtClean="0">
+                <a:solidFill>
+                  <a:schemeClr val="tx1"/>
+                </a:solidFill>
+                <a:latin typeface="Times New Roman"/>
+                <a:ea typeface="Times New Roman"/>
+                <a:cs typeface="Times New Roman"/>
+                <a:sym typeface="Times New Roman"/>
+              </a:rPr>
+              <a:t>Premium </a:t>
+            </a:r>
+            <a:r>
+              <a:rPr lang="en-US" sz="5400" b="1" dirty="0" smtClean="0">
+                <a:solidFill>
+                  <a:schemeClr val="tx1"/>
+                </a:solidFill>
+                <a:latin typeface="Times New Roman"/>
+                <a:ea typeface="Times New Roman"/>
+                <a:cs typeface="Times New Roman"/>
+                <a:sym typeface="Times New Roman"/>
+              </a:rPr>
+              <a:t>Prediction</a:t>
+            </a:r>
           </a:p>
           <a:p>
             <a:pPr marL="0" lvl="0" indent="0" algn="ctr" rtl="0">
@@ -6192,7 +6324,7 @@
               <a:buSzPts val="1680"/>
               <a:buNone/>
             </a:pPr>
-            <a:endParaRPr lang="en-US" sz="3000" dirty="0" smtClean="0">
+            <a:endParaRPr lang="en-US" sz="5400" b="1" dirty="0" smtClean="0">
               <a:solidFill>
                 <a:schemeClr val="tx1"/>
               </a:solidFill>
@@ -6213,29 +6345,8 @@
               <a:buSzPts val="1680"/>
               <a:buNone/>
             </a:pPr>
-            <a:endParaRPr lang="en-US" sz="3000" dirty="0" smtClean="0">
-              <a:solidFill>
-                <a:schemeClr val="tx1"/>
-              </a:solidFill>
-              <a:latin typeface="Times New Roman"/>
-              <a:ea typeface="Times New Roman"/>
-              <a:cs typeface="Times New Roman"/>
-              <a:sym typeface="Times New Roman"/>
-            </a:endParaRPr>
-          </a:p>
-          <a:p>
-            <a:pPr marL="0" lvl="0" indent="0" algn="ctr" rtl="0">
-              <a:spcBef>
-                <a:spcPts val="0"/>
-              </a:spcBef>
-              <a:spcAft>
-                <a:spcPts val="0"/>
-              </a:spcAft>
-              <a:buSzPts val="1680"/>
-              <a:buNone/>
-            </a:pPr>
-            <a:r>
-              <a:rPr lang="en-US" sz="5400" b="1" dirty="0" smtClean="0">
+            <a:r>
+              <a:rPr lang="en-IN" sz="4000" b="1" dirty="0" smtClean="0">
                 <a:solidFill>
                   <a:schemeClr val="tx1"/>
                 </a:solidFill>
@@ -6244,9 +6355,45 @@
                 <a:cs typeface="Times New Roman"/>
                 <a:sym typeface="Times New Roman"/>
               </a:rPr>
-              <a:t>Insurance Premium Prediction</a:t>
-            </a:r>
-            <a:endParaRPr sz="5400" b="1">
+              <a:t>By-</a:t>
+            </a:r>
+            <a:r>
+              <a:rPr lang="en-IN" sz="4000" b="1" dirty="0" err="1" smtClean="0">
+                <a:solidFill>
+                  <a:schemeClr val="tx1"/>
+                </a:solidFill>
+                <a:latin typeface="Times New Roman"/>
+                <a:ea typeface="Times New Roman"/>
+                <a:cs typeface="Times New Roman"/>
+                <a:sym typeface="Times New Roman"/>
+              </a:rPr>
+              <a:t>Aniket</a:t>
+            </a:r>
+            <a:r>
+              <a:rPr lang="en-IN" sz="4000" b="1" dirty="0" smtClean="0">
+                <a:solidFill>
+                  <a:schemeClr val="tx1"/>
+                </a:solidFill>
+                <a:latin typeface="Times New Roman"/>
+                <a:ea typeface="Times New Roman"/>
+                <a:cs typeface="Times New Roman"/>
+                <a:sym typeface="Times New Roman"/>
+              </a:rPr>
+              <a:t> </a:t>
+            </a:r>
+            <a:r>
+              <a:rPr lang="en-IN" sz="4000" b="1" dirty="0" err="1" smtClean="0">
+                <a:solidFill>
+                  <a:schemeClr val="tx1"/>
+                </a:solidFill>
+                <a:latin typeface="Times New Roman"/>
+                <a:ea typeface="Times New Roman"/>
+                <a:cs typeface="Times New Roman"/>
+                <a:sym typeface="Times New Roman"/>
+              </a:rPr>
+              <a:t>Dumbre</a:t>
+            </a:r>
+            <a:endParaRPr sz="4000" b="1">
               <a:solidFill>
                 <a:schemeClr val="tx1"/>
               </a:solidFill>
@@ -6331,7 +6478,7 @@
                 <a:cs typeface="Calibri" pitchFamily="34" charset="0"/>
                 <a:sym typeface="Times New Roman"/>
               </a:rPr>
-              <a:t>Prediction Pipeline</a:t>
+              <a:t>Training Pipeline</a:t>
             </a:r>
             <a:endParaRPr lang="en-US" sz="2800" b="1" dirty="0" smtClean="0">
               <a:solidFill>
@@ -6352,7 +6499,7 @@
         <p:spPr>
           <a:xfrm>
             <a:off x="738150" y="1214422"/>
-            <a:ext cx="10787138" cy="1815882"/>
+            <a:ext cx="10787138" cy="1661993"/>
           </a:xfrm>
           <a:prstGeom prst="rect">
             <a:avLst/>
@@ -6368,69 +6515,42 @@
             <a:pPr lvl="2"/>
             <a:r>
               <a:rPr lang="en-US" sz="2400" b="1" dirty="0" smtClean="0">
-                <a:latin typeface="Calibri" pitchFamily="34" charset="0"/>
-                <a:cs typeface="Calibri" pitchFamily="34" charset="0"/>
-              </a:rPr>
-              <a:t>1.  Data Ingestion</a:t>
-            </a:r>
+                <a:solidFill>
+                  <a:schemeClr val="tx1"/>
+                </a:solidFill>
+                <a:latin typeface="Calibri" pitchFamily="34" charset="0"/>
+                <a:cs typeface="Calibri" pitchFamily="34" charset="0"/>
+              </a:rPr>
+              <a:t>5. </a:t>
+            </a:r>
+            <a:r>
+              <a:rPr lang="en-US" sz="2400" b="1" dirty="0" smtClean="0">
+                <a:latin typeface="Calibri" pitchFamily="34" charset="0"/>
+                <a:cs typeface="Calibri" pitchFamily="34" charset="0"/>
+              </a:rPr>
+              <a:t>Model Evaluation</a:t>
+            </a:r>
+          </a:p>
+          <a:p>
+            <a:pPr lvl="2"/>
             <a:endParaRPr lang="en-US" sz="2400" dirty="0" smtClean="0">
               <a:latin typeface="Calibri" pitchFamily="34" charset="0"/>
               <a:cs typeface="Calibri" pitchFamily="34" charset="0"/>
             </a:endParaRPr>
           </a:p>
           <a:p>
-            <a:pPr lvl="2">
-              <a:buFont typeface="Arial" pitchFamily="34" charset="0"/>
-              <a:buChar char="•"/>
-            </a:pPr>
             <a:r>
               <a:rPr lang="en-US" sz="2000" dirty="0" smtClean="0">
                 <a:latin typeface="Calibri" pitchFamily="34" charset="0"/>
                 <a:cs typeface="Calibri" pitchFamily="34" charset="0"/>
               </a:rPr>
-              <a:t>   Import </a:t>
-            </a:r>
-            <a:r>
-              <a:rPr lang="en-US" sz="2000" dirty="0" smtClean="0">
-                <a:latin typeface="Calibri" pitchFamily="34" charset="0"/>
-                <a:cs typeface="Calibri" pitchFamily="34" charset="0"/>
-              </a:rPr>
-              <a:t>data frame file from db storage.</a:t>
-            </a:r>
-          </a:p>
-          <a:p>
-            <a:pPr lvl="2">
-              <a:buFont typeface="Arial" pitchFamily="34" charset="0"/>
-              <a:buChar char="•"/>
-            </a:pPr>
-            <a:r>
-              <a:rPr lang="en-US" sz="2000" dirty="0" smtClean="0">
-                <a:latin typeface="Calibri" pitchFamily="34" charset="0"/>
-                <a:cs typeface="Calibri" pitchFamily="34" charset="0"/>
-              </a:rPr>
-              <a:t>   Replace </a:t>
-            </a:r>
-            <a:r>
-              <a:rPr lang="en-US" sz="2000" dirty="0" err="1" smtClean="0">
-                <a:latin typeface="Calibri" pitchFamily="34" charset="0"/>
-                <a:cs typeface="Calibri" pitchFamily="34" charset="0"/>
-              </a:rPr>
-              <a:t>na</a:t>
-            </a:r>
-            <a:r>
-              <a:rPr lang="en-US" sz="2000" dirty="0" smtClean="0">
-                <a:latin typeface="Calibri" pitchFamily="34" charset="0"/>
-                <a:cs typeface="Calibri" pitchFamily="34" charset="0"/>
-              </a:rPr>
-              <a:t> values with NAN if present in dataset.</a:t>
-            </a:r>
-          </a:p>
-          <a:p>
-            <a:r>
-              <a:rPr lang="en-US" b="1" dirty="0" smtClean="0"/>
-              <a:t> </a:t>
-            </a:r>
-            <a:endParaRPr lang="en-US" sz="1050" dirty="0" smtClean="0"/>
+              <a:t>While re-training check whether current model performance with previous model</a:t>
+            </a:r>
+            <a:r>
+              <a:rPr lang="en-US" dirty="0" smtClean="0"/>
+              <a:t>.</a:t>
+            </a:r>
+            <a:endParaRPr lang="en-US" sz="1100" dirty="0" smtClean="0"/>
           </a:p>
           <a:p>
             <a:pPr lvl="0"/>
@@ -6452,8 +6572,8 @@
         </p:nvSpPr>
         <p:spPr>
           <a:xfrm>
-            <a:off x="738150" y="2714620"/>
-            <a:ext cx="10787138" cy="3447098"/>
+            <a:off x="738150" y="3052891"/>
+            <a:ext cx="10787138" cy="2185214"/>
           </a:xfrm>
           <a:prstGeom prst="rect">
             <a:avLst/>
@@ -6469,181 +6589,58 @@
             <a:pPr lvl="2"/>
             <a:r>
               <a:rPr lang="en-US" sz="2400" b="1" dirty="0" smtClean="0">
-                <a:latin typeface="Calibri" pitchFamily="34" charset="0"/>
-                <a:cs typeface="Calibri" pitchFamily="34" charset="0"/>
-              </a:rPr>
-              <a:t>2.  Data </a:t>
+                <a:solidFill>
+                  <a:schemeClr val="tx1"/>
+                </a:solidFill>
+                <a:latin typeface="Calibri" pitchFamily="34" charset="0"/>
+                <a:cs typeface="Calibri" pitchFamily="34" charset="0"/>
+              </a:rPr>
+              <a:t>6. </a:t>
             </a:r>
             <a:r>
               <a:rPr lang="en-US" sz="2400" b="1" dirty="0" smtClean="0">
                 <a:latin typeface="Calibri" pitchFamily="34" charset="0"/>
                 <a:cs typeface="Calibri" pitchFamily="34" charset="0"/>
               </a:rPr>
-              <a:t>Validation</a:t>
-            </a:r>
+              <a:t>Model Pusher</a:t>
+            </a:r>
+          </a:p>
+          <a:p>
+            <a:pPr lvl="2"/>
             <a:endParaRPr lang="en-US" sz="2400" dirty="0" smtClean="0">
               <a:latin typeface="Calibri" pitchFamily="34" charset="0"/>
               <a:cs typeface="Calibri" pitchFamily="34" charset="0"/>
             </a:endParaRPr>
           </a:p>
           <a:p>
-            <a:pPr lvl="0">
-              <a:buFont typeface="Arial" pitchFamily="34" charset="0"/>
-              <a:buChar char="•"/>
-            </a:pPr>
-            <a:r>
-              <a:rPr lang="en-US" sz="2000" b="1" dirty="0" smtClean="0">
-                <a:latin typeface="Calibri" pitchFamily="34" charset="0"/>
-                <a:cs typeface="Calibri" pitchFamily="34" charset="0"/>
-              </a:rPr>
-              <a:t>   Null </a:t>
-            </a:r>
-            <a:r>
-              <a:rPr lang="en-US" sz="2000" b="1" dirty="0" smtClean="0">
-                <a:latin typeface="Calibri" pitchFamily="34" charset="0"/>
-                <a:cs typeface="Calibri" pitchFamily="34" charset="0"/>
-              </a:rPr>
-              <a:t>values- </a:t>
-            </a:r>
             <a:r>
               <a:rPr lang="en-US" sz="2000" dirty="0" smtClean="0">
                 <a:latin typeface="Calibri" pitchFamily="34" charset="0"/>
                 <a:cs typeface="Calibri" pitchFamily="34" charset="0"/>
               </a:rPr>
-              <a:t>Drop the columns which have missing values more than specified threshold</a:t>
+              <a:t>Save trained model and transformed feature files in </a:t>
+            </a:r>
+            <a:r>
+              <a:rPr lang="en-US" sz="2000" dirty="0" err="1" smtClean="0">
+                <a:latin typeface="Calibri" pitchFamily="34" charset="0"/>
+                <a:cs typeface="Calibri" pitchFamily="34" charset="0"/>
+              </a:rPr>
+              <a:t>saved_models</a:t>
             </a:r>
             <a:r>
               <a:rPr lang="en-US" sz="2000" dirty="0" smtClean="0">
                 <a:latin typeface="Calibri" pitchFamily="34" charset="0"/>
                 <a:cs typeface="Calibri" pitchFamily="34" charset="0"/>
               </a:rPr>
+              <a:t> directory which will used during model evaluation.</a:t>
+            </a:r>
+          </a:p>
+          <a:p>
+            <a:r>
+              <a:rPr lang="en-US" dirty="0" smtClean="0"/>
               <a:t>.</a:t>
             </a:r>
-          </a:p>
-          <a:p>
-            <a:pPr lvl="0">
-              <a:buFont typeface="Arial" pitchFamily="34" charset="0"/>
-              <a:buChar char="•"/>
-            </a:pPr>
-            <a:endParaRPr lang="en-US" sz="2000" dirty="0" smtClean="0">
-              <a:latin typeface="Calibri" pitchFamily="34" charset="0"/>
-              <a:cs typeface="Calibri" pitchFamily="34" charset="0"/>
-            </a:endParaRPr>
-          </a:p>
-          <a:p>
-            <a:pPr lvl="0">
-              <a:buFont typeface="Arial" pitchFamily="34" charset="0"/>
-              <a:buChar char="•"/>
-            </a:pPr>
-            <a:r>
-              <a:rPr lang="en-US" sz="2000" b="1" dirty="0" smtClean="0">
-                <a:latin typeface="Calibri" pitchFamily="34" charset="0"/>
-                <a:cs typeface="Calibri" pitchFamily="34" charset="0"/>
-              </a:rPr>
-              <a:t>   Data-type </a:t>
-            </a:r>
-            <a:r>
-              <a:rPr lang="en-US" sz="2000" b="1" dirty="0" smtClean="0">
-                <a:latin typeface="Calibri" pitchFamily="34" charset="0"/>
-                <a:cs typeface="Calibri" pitchFamily="34" charset="0"/>
-              </a:rPr>
-              <a:t>–</a:t>
-            </a:r>
-            <a:r>
-              <a:rPr lang="en-US" sz="2000" dirty="0" smtClean="0">
-                <a:latin typeface="Calibri" pitchFamily="34" charset="0"/>
-                <a:cs typeface="Calibri" pitchFamily="34" charset="0"/>
-              </a:rPr>
-              <a:t> If required change data type of columns</a:t>
-            </a:r>
-            <a:r>
-              <a:rPr lang="en-US" sz="2000" dirty="0" smtClean="0">
-                <a:latin typeface="Calibri" pitchFamily="34" charset="0"/>
-                <a:cs typeface="Calibri" pitchFamily="34" charset="0"/>
-              </a:rPr>
-              <a:t>.</a:t>
-            </a:r>
-          </a:p>
-          <a:p>
-            <a:pPr lvl="0">
-              <a:buFont typeface="Arial" pitchFamily="34" charset="0"/>
-              <a:buChar char="•"/>
-            </a:pPr>
-            <a:endParaRPr lang="en-US" sz="2000" dirty="0" smtClean="0">
-              <a:latin typeface="Calibri" pitchFamily="34" charset="0"/>
-              <a:cs typeface="Calibri" pitchFamily="34" charset="0"/>
-            </a:endParaRPr>
-          </a:p>
-          <a:p>
-            <a:pPr lvl="0">
-              <a:buFont typeface="Arial" pitchFamily="34" charset="0"/>
-              <a:buChar char="•"/>
-            </a:pPr>
-            <a:r>
-              <a:rPr lang="en-US" sz="2000" b="1" dirty="0" smtClean="0">
-                <a:latin typeface="Calibri" pitchFamily="34" charset="0"/>
-                <a:cs typeface="Calibri" pitchFamily="34" charset="0"/>
-              </a:rPr>
-              <a:t>   No </a:t>
-            </a:r>
-            <a:r>
-              <a:rPr lang="en-US" sz="2000" b="1" dirty="0" smtClean="0">
-                <a:latin typeface="Calibri" pitchFamily="34" charset="0"/>
-                <a:cs typeface="Calibri" pitchFamily="34" charset="0"/>
-              </a:rPr>
-              <a:t>of columns</a:t>
-            </a:r>
-            <a:r>
-              <a:rPr lang="en-US" sz="2000" dirty="0" smtClean="0">
-                <a:latin typeface="Calibri" pitchFamily="34" charset="0"/>
-                <a:cs typeface="Calibri" pitchFamily="34" charset="0"/>
-              </a:rPr>
-              <a:t> -Validate the number of columns present in the files</a:t>
-            </a:r>
-            <a:r>
-              <a:rPr lang="en-US" sz="2000" dirty="0" smtClean="0">
-                <a:latin typeface="Calibri" pitchFamily="34" charset="0"/>
-                <a:cs typeface="Calibri" pitchFamily="34" charset="0"/>
-              </a:rPr>
-              <a:t>.</a:t>
-            </a:r>
-          </a:p>
-          <a:p>
-            <a:pPr lvl="0">
-              <a:buFont typeface="Arial" pitchFamily="34" charset="0"/>
-              <a:buChar char="•"/>
-            </a:pPr>
-            <a:endParaRPr lang="en-US" sz="2000" dirty="0" smtClean="0">
-              <a:latin typeface="Calibri" pitchFamily="34" charset="0"/>
-              <a:cs typeface="Calibri" pitchFamily="34" charset="0"/>
-            </a:endParaRPr>
-          </a:p>
-          <a:p>
-            <a:pPr lvl="0">
-              <a:buFont typeface="Arial" pitchFamily="34" charset="0"/>
-              <a:buChar char="•"/>
-            </a:pPr>
-            <a:r>
-              <a:rPr lang="en-US" sz="2000" b="1" dirty="0" smtClean="0">
-                <a:latin typeface="Calibri" pitchFamily="34" charset="0"/>
-                <a:cs typeface="Calibri" pitchFamily="34" charset="0"/>
-              </a:rPr>
-              <a:t>   Data </a:t>
-            </a:r>
-            <a:r>
-              <a:rPr lang="en-US" sz="2000" b="1" dirty="0" smtClean="0">
-                <a:latin typeface="Calibri" pitchFamily="34" charset="0"/>
-                <a:cs typeface="Calibri" pitchFamily="34" charset="0"/>
-              </a:rPr>
-              <a:t>Drift-</a:t>
-            </a:r>
-            <a:r>
-              <a:rPr lang="en-US" sz="2000" dirty="0" smtClean="0">
-                <a:latin typeface="Calibri" pitchFamily="34" charset="0"/>
-                <a:cs typeface="Calibri" pitchFamily="34" charset="0"/>
-              </a:rPr>
-              <a:t>Check whether new dataset is having major data drift or not. Save the report.yml in artifact folder.</a:t>
-            </a:r>
+            <a:endParaRPr lang="en-US" sz="1100" dirty="0" smtClean="0"/>
           </a:p>
           <a:p>
             <a:pPr lvl="0"/>
@@ -6758,7 +6755,7 @@
         <p:spPr>
           <a:xfrm>
             <a:off x="738150" y="1214422"/>
-            <a:ext cx="10787138" cy="1292662"/>
+            <a:ext cx="10787138" cy="1815882"/>
           </a:xfrm>
           <a:prstGeom prst="rect">
             <a:avLst/>
@@ -6777,21 +6774,14 @@
                 <a:latin typeface="Calibri" pitchFamily="34" charset="0"/>
                 <a:cs typeface="Calibri" pitchFamily="34" charset="0"/>
               </a:rPr>
-              <a:t>3</a:t>
+              <a:t>1</a:t>
             </a:r>
             <a:r>
               <a:rPr lang="en-US" sz="2400" b="1" dirty="0" smtClean="0">
                 <a:latin typeface="Calibri" pitchFamily="34" charset="0"/>
                 <a:cs typeface="Calibri" pitchFamily="34" charset="0"/>
               </a:rPr>
-              <a:t>.  Data </a:t>
-            </a:r>
-            <a:r>
-              <a:rPr lang="en-US" sz="2400" b="1" dirty="0" smtClean="0">
-                <a:latin typeface="Calibri" pitchFamily="34" charset="0"/>
-                <a:cs typeface="Calibri" pitchFamily="34" charset="0"/>
-              </a:rPr>
-              <a:t>Transformation</a:t>
+              <a:t>.  Data Ingestion</a:t>
             </a:r>
             <a:endParaRPr lang="en-US" sz="2400" dirty="0" smtClean="0">
               <a:latin typeface="Calibri" pitchFamily="34" charset="0"/>
@@ -6799,13 +6789,51 @@
             </a:endParaRPr>
           </a:p>
           <a:p>
+            <a:pPr lvl="2">
+              <a:buFont typeface="Arial" pitchFamily="34" charset="0"/>
+              <a:buChar char="•"/>
+            </a:pPr>
             <a:r>
               <a:rPr lang="en-US" sz="2000" dirty="0" smtClean="0">
                 <a:latin typeface="Calibri" pitchFamily="34" charset="0"/>
                 <a:cs typeface="Calibri" pitchFamily="34" charset="0"/>
               </a:rPr>
-              <a:t>Use saved transformation pipeline for data transformation</a:t>
-            </a:r>
+              <a:t>   Import data frame file from db storage.</a:t>
+            </a:r>
+          </a:p>
+          <a:p>
+            <a:pPr lvl="2">
+              <a:buFont typeface="Arial" pitchFamily="34" charset="0"/>
+              <a:buChar char="•"/>
+            </a:pPr>
+            <a:r>
+              <a:rPr lang="en-US" sz="2000" dirty="0" smtClean="0">
+                <a:latin typeface="Calibri" pitchFamily="34" charset="0"/>
+                <a:cs typeface="Calibri" pitchFamily="34" charset="0"/>
+              </a:rPr>
+              <a:t>   Replace </a:t>
+            </a:r>
+            <a:r>
+              <a:rPr lang="en-US" sz="2000" dirty="0" err="1" smtClean="0">
+                <a:latin typeface="Calibri" pitchFamily="34" charset="0"/>
+                <a:cs typeface="Calibri" pitchFamily="34" charset="0"/>
+              </a:rPr>
+              <a:t>na</a:t>
+            </a:r>
+            <a:r>
+              <a:rPr lang="en-US" sz="2000" dirty="0" smtClean="0">
+                <a:latin typeface="Calibri" pitchFamily="34" charset="0"/>
+                <a:cs typeface="Calibri" pitchFamily="34" charset="0"/>
+              </a:rPr>
+              <a:t> values with NAN if present in dataset.</a:t>
+            </a:r>
+          </a:p>
+          <a:p>
+            <a:r>
+              <a:rPr lang="en-US" b="1" dirty="0" smtClean="0"/>
+              <a:t> </a:t>
+            </a:r>
+            <a:endParaRPr lang="en-US" sz="1050" dirty="0" smtClean="0"/>
           </a:p>
           <a:p>
             <a:pPr lvl="0"/>
@@ -6828,7 +6856,7 @@
         <p:spPr>
           <a:xfrm>
             <a:off x="738150" y="2714620"/>
-            <a:ext cx="10787138" cy="1292662"/>
+            <a:ext cx="10787138" cy="3447098"/>
           </a:xfrm>
           <a:prstGeom prst="rect">
             <a:avLst/>
@@ -6847,7 +6875,7 @@
                 <a:latin typeface="Calibri" pitchFamily="34" charset="0"/>
                 <a:cs typeface="Calibri" pitchFamily="34" charset="0"/>
               </a:rPr>
-              <a:t>4.  Prediction</a:t>
+              <a:t>2.  Data Validation</a:t>
             </a:r>
             <a:endParaRPr lang="en-US" sz="2400" dirty="0" smtClean="0">
               <a:latin typeface="Calibri" pitchFamily="34" charset="0"/>
@@ -6855,26 +6883,113 @@
             </a:endParaRPr>
           </a:p>
           <a:p>
+            <a:pPr lvl="0">
+              <a:buFont typeface="Arial" pitchFamily="34" charset="0"/>
+              <a:buChar char="•"/>
+            </a:pPr>
+            <a:r>
+              <a:rPr lang="en-US" sz="2000" b="1" dirty="0" smtClean="0">
+                <a:latin typeface="Calibri" pitchFamily="34" charset="0"/>
+                <a:cs typeface="Calibri" pitchFamily="34" charset="0"/>
+              </a:rPr>
+              <a:t>   Null values- </a:t>
+            </a:r>
             <a:r>
               <a:rPr lang="en-US" sz="2000" dirty="0" smtClean="0">
                 <a:latin typeface="Calibri" pitchFamily="34" charset="0"/>
                 <a:cs typeface="Calibri" pitchFamily="34" charset="0"/>
               </a:rPr>
-              <a:t>Predict the target feature and saved it in directory in .</a:t>
-            </a:r>
-            <a:r>
-              <a:rPr lang="en-US" sz="2000" dirty="0" err="1" smtClean="0">
-                <a:latin typeface="Calibri" pitchFamily="34" charset="0"/>
-                <a:cs typeface="Calibri" pitchFamily="34" charset="0"/>
-              </a:rPr>
-              <a:t>csv</a:t>
+              <a:t>Drop the columns which have missing values more than specified threshold.</a:t>
+            </a:r>
+          </a:p>
+          <a:p>
+            <a:pPr lvl="0">
+              <a:buFont typeface="Arial" pitchFamily="34" charset="0"/>
+              <a:buChar char="•"/>
+            </a:pPr>
+            <a:endParaRPr lang="en-US" sz="2000" dirty="0" smtClean="0">
+              <a:latin typeface="Calibri" pitchFamily="34" charset="0"/>
+              <a:cs typeface="Calibri" pitchFamily="34" charset="0"/>
+            </a:endParaRPr>
+          </a:p>
+          <a:p>
+            <a:pPr lvl="0">
+              <a:buFont typeface="Arial" pitchFamily="34" charset="0"/>
+              <a:buChar char="•"/>
+            </a:pPr>
+            <a:r>
+              <a:rPr lang="en-US" sz="2000" b="1" dirty="0" smtClean="0">
+                <a:latin typeface="Calibri" pitchFamily="34" charset="0"/>
+                <a:cs typeface="Calibri" pitchFamily="34" charset="0"/>
+              </a:rPr>
+              <a:t>   Data-type –</a:t>
             </a:r>
             <a:r>
               <a:rPr lang="en-US" sz="2000" dirty="0" smtClean="0">
                 <a:latin typeface="Calibri" pitchFamily="34" charset="0"/>
                 <a:cs typeface="Calibri" pitchFamily="34" charset="0"/>
               </a:rPr>
-              <a:t> format.</a:t>
+              <a:t> If required change data type of columns.</a:t>
+            </a:r>
+          </a:p>
+          <a:p>
+            <a:pPr lvl="0">
+              <a:buFont typeface="Arial" pitchFamily="34" charset="0"/>
+              <a:buChar char="•"/>
+            </a:pPr>
+            <a:endParaRPr lang="en-US" sz="2000" dirty="0" smtClean="0">
+              <a:latin typeface="Calibri" pitchFamily="34" charset="0"/>
+              <a:cs typeface="Calibri" pitchFamily="34" charset="0"/>
+            </a:endParaRPr>
+          </a:p>
+          <a:p>
+            <a:pPr lvl="0">
+              <a:buFont typeface="Arial" pitchFamily="34" charset="0"/>
+              <a:buChar char="•"/>
+            </a:pPr>
+            <a:r>
+              <a:rPr lang="en-US" sz="2000" b="1" dirty="0" smtClean="0">
+                <a:latin typeface="Calibri" pitchFamily="34" charset="0"/>
+                <a:cs typeface="Calibri" pitchFamily="34" charset="0"/>
+              </a:rPr>
+              <a:t>   No of columns</a:t>
+            </a:r>
+            <a:r>
+              <a:rPr lang="en-US" sz="2000" dirty="0" smtClean="0">
+                <a:latin typeface="Calibri" pitchFamily="34" charset="0"/>
+                <a:cs typeface="Calibri" pitchFamily="34" charset="0"/>
+              </a:rPr>
+              <a:t> -Validate the number of columns present in the files.</a:t>
+            </a:r>
+          </a:p>
+          <a:p>
+            <a:pPr lvl="0">
+              <a:buFont typeface="Arial" pitchFamily="34" charset="0"/>
+              <a:buChar char="•"/>
+            </a:pPr>
+            <a:endParaRPr lang="en-US" sz="2000" dirty="0" smtClean="0">
+              <a:latin typeface="Calibri" pitchFamily="34" charset="0"/>
+              <a:cs typeface="Calibri" pitchFamily="34" charset="0"/>
+            </a:endParaRPr>
+          </a:p>
+          <a:p>
+            <a:pPr lvl="0">
+              <a:buFont typeface="Arial" pitchFamily="34" charset="0"/>
+              <a:buChar char="•"/>
+            </a:pPr>
+            <a:r>
+              <a:rPr lang="en-US" sz="2000" b="1" dirty="0" smtClean="0">
+                <a:latin typeface="Calibri" pitchFamily="34" charset="0"/>
+                <a:cs typeface="Calibri" pitchFamily="34" charset="0"/>
+              </a:rPr>
+              <a:t>   Data Drift-</a:t>
+            </a:r>
+            <a:r>
+              <a:rPr lang="en-US" sz="2000" dirty="0" smtClean="0">
+                <a:latin typeface="Calibri" pitchFamily="34" charset="0"/>
+                <a:cs typeface="Calibri" pitchFamily="34" charset="0"/>
+              </a:rPr>
+              <a:t>Check whether new dataset is having major data drift or not. Save the report.yml in artifact folder.</a:t>
             </a:r>
           </a:p>
           <a:p>
@@ -6929,7 +7044,7 @@
         </p:nvSpPr>
         <p:spPr>
           <a:xfrm>
-            <a:off x="452398" y="642918"/>
+            <a:off x="595274" y="642918"/>
             <a:ext cx="6429420" cy="523220"/>
           </a:xfrm>
           <a:prstGeom prst="rect">
@@ -6950,6 +7065,18 @@
             <a:r>
               <a:rPr lang="en-US" sz="2800" b="1" dirty="0" smtClean="0">
                 <a:solidFill>
+                  <a:schemeClr val="lt1"/>
+                </a:solidFill>
+                <a:latin typeface="Calibri" pitchFamily="34" charset="0"/>
+                <a:ea typeface="Times New Roman"/>
+                <a:cs typeface="Calibri" pitchFamily="34" charset="0"/>
+                <a:sym typeface="Times New Roman"/>
+              </a:rPr>
+              <a:t> </a:t>
+            </a:r>
+            <a:r>
+              <a:rPr lang="en-IN" sz="2800" b="1" dirty="0" smtClean="0">
+                <a:solidFill>
                   <a:schemeClr val="tx1"/>
                 </a:solidFill>
                 <a:latin typeface="Calibri" pitchFamily="34" charset="0"/>
@@ -6957,19 +7084,7 @@
                 <a:cs typeface="Calibri" pitchFamily="34" charset="0"/>
                 <a:sym typeface="Times New Roman"/>
               </a:rPr>
-              <a:t> </a:t>
-            </a:r>
-            <a:r>
-              <a:rPr lang="en-US" sz="2800" dirty="0" smtClean="0">
-                <a:solidFill>
-                  <a:schemeClr val="tx1"/>
-                </a:solidFill>
-                <a:latin typeface="Calibri" pitchFamily="34" charset="0"/>
-                <a:ea typeface="Times New Roman"/>
-                <a:cs typeface="Calibri" pitchFamily="34" charset="0"/>
-                <a:sym typeface="Times New Roman"/>
-              </a:rPr>
-              <a:t>Q &amp; A:</a:t>
+              <a:t>Prediction Pipeline</a:t>
             </a:r>
             <a:endParaRPr lang="en-US" sz="2800" b="1" dirty="0" smtClean="0">
               <a:solidFill>
@@ -6983,511 +7098,127 @@
       </p:sp>
       <p:sp>
         <p:nvSpPr>
-          <p:cNvPr id="6" name="Google Shape;185;p10"/>
-          <p:cNvSpPr txBox="1">
-            <a:spLocks noGrp="1"/>
-          </p:cNvSpPr>
-          <p:nvPr>
-            <p:ph idx="1"/>
-          </p:nvPr>
+          <p:cNvPr id="4" name="TextBox 3"/>
+          <p:cNvSpPr txBox="1"/>
+          <p:nvPr/>
         </p:nvSpPr>
         <p:spPr>
           <a:xfrm>
-            <a:off x="684212" y="1000108"/>
-            <a:ext cx="10520408" cy="5104478"/>
+            <a:off x="738150" y="1214422"/>
+            <a:ext cx="10787138" cy="1292662"/>
           </a:xfrm>
           <a:prstGeom prst="rect">
             <a:avLst/>
           </a:prstGeom>
           <a:noFill/>
-          <a:ln>
-            <a:noFill/>
-          </a:ln>
         </p:spPr>
         <p:txBody>
-          <a:bodyPr spcFirstLastPara="1" wrap="square" lIns="91425" tIns="45700" rIns="91425" bIns="45700" anchor="ctr" anchorCtr="0">
-            <a:noAutofit/>
+          <a:bodyPr wrap="square" rtlCol="0">
+            <a:spAutoFit/>
           </a:bodyPr>
           <a:lstStyle/>
           <a:p>
-            <a:pPr marL="0" lvl="0" indent="0" algn="l" rtl="0">
-              <a:spcBef>
-                <a:spcPts val="0"/>
-              </a:spcBef>
-              <a:spcAft>
-                <a:spcPts val="0"/>
-              </a:spcAft>
-              <a:buSzPts val="1600"/>
-              <a:buNone/>
-            </a:pPr>
-            <a:r>
-              <a:rPr lang="en-US" dirty="0" smtClean="0">
-                <a:solidFill>
-                  <a:schemeClr val="tx1"/>
-                </a:solidFill>
-                <a:latin typeface="Calibri" pitchFamily="34" charset="0"/>
-                <a:ea typeface="Times New Roman"/>
-                <a:cs typeface="Calibri" pitchFamily="34" charset="0"/>
-                <a:sym typeface="Times New Roman"/>
-              </a:rPr>
-              <a:t>Q1</a:t>
-            </a:r>
-            <a:r>
-              <a:rPr lang="en-US" dirty="0">
-                <a:solidFill>
-                  <a:schemeClr val="tx1"/>
-                </a:solidFill>
-                <a:latin typeface="Calibri" pitchFamily="34" charset="0"/>
-                <a:ea typeface="Times New Roman"/>
-                <a:cs typeface="Calibri" pitchFamily="34" charset="0"/>
-                <a:sym typeface="Times New Roman"/>
-              </a:rPr>
-              <a:t>) What’s the source of data?</a:t>
-            </a:r>
-            <a:endParaRPr>
-              <a:solidFill>
-                <a:schemeClr val="tx1"/>
-              </a:solidFill>
+            <a:pPr lvl="2"/>
+            <a:r>
+              <a:rPr lang="en-US" sz="2400" b="1" dirty="0" smtClean="0">
+                <a:latin typeface="Calibri" pitchFamily="34" charset="0"/>
+                <a:cs typeface="Calibri" pitchFamily="34" charset="0"/>
+              </a:rPr>
+              <a:t>3.  Data Transformation</a:t>
+            </a:r>
+            <a:endParaRPr lang="en-US" sz="2400" dirty="0" smtClean="0">
               <a:latin typeface="Calibri" pitchFamily="34" charset="0"/>
               <a:cs typeface="Calibri" pitchFamily="34" charset="0"/>
             </a:endParaRPr>
           </a:p>
           <a:p>
-            <a:pPr marL="457200" lvl="1" indent="0" algn="l" rtl="0">
-              <a:spcBef>
-                <a:spcPts val="960"/>
-              </a:spcBef>
-              <a:spcAft>
-                <a:spcPts val="0"/>
-              </a:spcAft>
-              <a:buSzPts val="1440"/>
-              <a:buNone/>
-            </a:pPr>
-            <a:r>
-              <a:rPr lang="en-US" sz="2000" dirty="0">
-                <a:solidFill>
-                  <a:schemeClr val="tx1"/>
-                </a:solidFill>
-                <a:latin typeface="Calibri" pitchFamily="34" charset="0"/>
-                <a:ea typeface="Times New Roman"/>
-                <a:cs typeface="Calibri" pitchFamily="34" charset="0"/>
-                <a:sym typeface="Times New Roman"/>
-              </a:rPr>
-              <a:t>The data  for training is provided by the client </a:t>
-            </a:r>
             <a:r>
               <a:rPr lang="en-US" sz="2000" dirty="0" smtClean="0">
-                <a:solidFill>
-                  <a:schemeClr val="tx1"/>
-                </a:solidFill>
-                <a:latin typeface="Calibri" pitchFamily="34" charset="0"/>
-                <a:ea typeface="Times New Roman"/>
-                <a:cs typeface="Calibri" pitchFamily="34" charset="0"/>
-                <a:sym typeface="Times New Roman"/>
-              </a:rPr>
-              <a:t>in </a:t>
-            </a:r>
-            <a:r>
-              <a:rPr lang="en-US" sz="2000" dirty="0" err="1" smtClean="0">
-                <a:solidFill>
-                  <a:schemeClr val="tx1"/>
-                </a:solidFill>
-                <a:latin typeface="Calibri" pitchFamily="34" charset="0"/>
-                <a:ea typeface="Times New Roman"/>
-                <a:cs typeface="Calibri" pitchFamily="34" charset="0"/>
-                <a:sym typeface="Times New Roman"/>
-              </a:rPr>
-              <a:t>csv</a:t>
-            </a:r>
-            <a:r>
-              <a:rPr lang="en-US" sz="2000" dirty="0" smtClean="0">
-                <a:solidFill>
-                  <a:schemeClr val="tx1"/>
-                </a:solidFill>
-                <a:latin typeface="Calibri" pitchFamily="34" charset="0"/>
-                <a:ea typeface="Times New Roman"/>
-                <a:cs typeface="Calibri" pitchFamily="34" charset="0"/>
-                <a:sym typeface="Times New Roman"/>
-              </a:rPr>
-              <a:t> file.</a:t>
-            </a:r>
-            <a:endParaRPr sz="2000">
-              <a:solidFill>
-                <a:schemeClr val="tx1"/>
-              </a:solidFill>
+                <a:latin typeface="Calibri" pitchFamily="34" charset="0"/>
+                <a:cs typeface="Calibri" pitchFamily="34" charset="0"/>
+              </a:rPr>
+              <a:t>Use saved transformation pipeline for data transformation</a:t>
+            </a:r>
+          </a:p>
+          <a:p>
+            <a:pPr lvl="0"/>
+            <a:endParaRPr lang="en-US" sz="2000" dirty="0" smtClean="0">
               <a:latin typeface="Calibri" pitchFamily="34" charset="0"/>
               <a:cs typeface="Calibri" pitchFamily="34" charset="0"/>
             </a:endParaRPr>
           </a:p>
           <a:p>
-            <a:pPr marL="0" lvl="1" indent="0" algn="l" rtl="0">
-              <a:spcBef>
-                <a:spcPts val="960"/>
-              </a:spcBef>
-              <a:spcAft>
-                <a:spcPts val="0"/>
-              </a:spcAft>
-              <a:buSzPts val="1440"/>
-              <a:buNone/>
-            </a:pPr>
-            <a:r>
-              <a:rPr lang="en-US" sz="2000" dirty="0">
-                <a:solidFill>
-                  <a:schemeClr val="tx1"/>
-                </a:solidFill>
-                <a:latin typeface="Calibri" pitchFamily="34" charset="0"/>
-                <a:ea typeface="Times New Roman"/>
-                <a:cs typeface="Calibri" pitchFamily="34" charset="0"/>
-                <a:sym typeface="Times New Roman"/>
-              </a:rPr>
-              <a:t>Q 2) What was the type of data?</a:t>
-            </a:r>
-            <a:endParaRPr sz="2000">
-              <a:solidFill>
-                <a:schemeClr val="tx1"/>
-              </a:solidFill>
+            <a:endParaRPr lang="en-US" dirty="0"/>
+          </a:p>
+        </p:txBody>
+      </p:sp>
+      <p:sp>
+        <p:nvSpPr>
+          <p:cNvPr id="5" name="TextBox 4"/>
+          <p:cNvSpPr txBox="1"/>
+          <p:nvPr/>
+        </p:nvSpPr>
+        <p:spPr>
+          <a:xfrm>
+            <a:off x="738150" y="2714620"/>
+            <a:ext cx="10787138" cy="1292662"/>
+          </a:xfrm>
+          <a:prstGeom prst="rect">
+            <a:avLst/>
+          </a:prstGeom>
+          <a:noFill/>
+        </p:spPr>
+        <p:txBody>
+          <a:bodyPr wrap="square" rtlCol="0">
+            <a:spAutoFit/>
+          </a:bodyPr>
+          <a:lstStyle/>
+          <a:p>
+            <a:pPr lvl="2"/>
+            <a:r>
+              <a:rPr lang="en-US" sz="2400" b="1" dirty="0" smtClean="0">
+                <a:latin typeface="Calibri" pitchFamily="34" charset="0"/>
+                <a:cs typeface="Calibri" pitchFamily="34" charset="0"/>
+              </a:rPr>
+              <a:t>4.  Prediction</a:t>
+            </a:r>
+            <a:endParaRPr lang="en-US" sz="2400" dirty="0" smtClean="0">
               <a:latin typeface="Calibri" pitchFamily="34" charset="0"/>
               <a:cs typeface="Calibri" pitchFamily="34" charset="0"/>
             </a:endParaRPr>
           </a:p>
           <a:p>
-            <a:pPr marL="0" lvl="1" indent="0" algn="l" rtl="0">
-              <a:spcBef>
-                <a:spcPts val="960"/>
-              </a:spcBef>
-              <a:spcAft>
-                <a:spcPts val="0"/>
-              </a:spcAft>
-              <a:buSzPts val="1440"/>
-              <a:buNone/>
-            </a:pPr>
-            <a:r>
-              <a:rPr lang="en-US" sz="2000" dirty="0">
-                <a:solidFill>
-                  <a:schemeClr val="tx1"/>
-                </a:solidFill>
-                <a:latin typeface="Calibri" pitchFamily="34" charset="0"/>
-                <a:ea typeface="Times New Roman"/>
-                <a:cs typeface="Calibri" pitchFamily="34" charset="0"/>
-                <a:sym typeface="Times New Roman"/>
-              </a:rPr>
-              <a:t>	The data was the combination of numerical and Categorical values.</a:t>
-            </a:r>
-            <a:endParaRPr sz="2000">
-              <a:solidFill>
-                <a:schemeClr val="tx1"/>
-              </a:solidFill>
+            <a:r>
+              <a:rPr lang="en-US" sz="2000" dirty="0" smtClean="0">
+                <a:latin typeface="Calibri" pitchFamily="34" charset="0"/>
+                <a:cs typeface="Calibri" pitchFamily="34" charset="0"/>
+              </a:rPr>
+              <a:t>Predict the target feature and saved it in directory in .</a:t>
+            </a:r>
+            <a:r>
+              <a:rPr lang="en-US" sz="2000" dirty="0" err="1" smtClean="0">
+                <a:latin typeface="Calibri" pitchFamily="34" charset="0"/>
+                <a:cs typeface="Calibri" pitchFamily="34" charset="0"/>
+              </a:rPr>
+              <a:t>csv</a:t>
+            </a:r>
+            <a:r>
+              <a:rPr lang="en-US" sz="2000" dirty="0" smtClean="0">
+                <a:latin typeface="Calibri" pitchFamily="34" charset="0"/>
+                <a:cs typeface="Calibri" pitchFamily="34" charset="0"/>
+              </a:rPr>
+              <a:t> format.</a:t>
+            </a:r>
+          </a:p>
+          <a:p>
+            <a:pPr lvl="0"/>
+            <a:endParaRPr lang="en-US" sz="2000" dirty="0" smtClean="0">
               <a:latin typeface="Calibri" pitchFamily="34" charset="0"/>
               <a:cs typeface="Calibri" pitchFamily="34" charset="0"/>
             </a:endParaRPr>
           </a:p>
           <a:p>
-            <a:pPr marL="0" lvl="1" indent="0" algn="l" rtl="0">
-              <a:spcBef>
-                <a:spcPts val="960"/>
-              </a:spcBef>
-              <a:spcAft>
-                <a:spcPts val="0"/>
-              </a:spcAft>
-              <a:buSzPts val="1440"/>
-              <a:buNone/>
-            </a:pPr>
-            <a:r>
-              <a:rPr lang="en-US" sz="2000" dirty="0">
-                <a:solidFill>
-                  <a:schemeClr val="tx1"/>
-                </a:solidFill>
-                <a:latin typeface="Calibri" pitchFamily="34" charset="0"/>
-                <a:ea typeface="Times New Roman"/>
-                <a:cs typeface="Calibri" pitchFamily="34" charset="0"/>
-                <a:sym typeface="Times New Roman"/>
-              </a:rPr>
-              <a:t>Q 3) What’s the complete flow you followed in this Project?</a:t>
-            </a:r>
-            <a:endParaRPr sz="2000">
-              <a:solidFill>
-                <a:schemeClr val="tx1"/>
-              </a:solidFill>
-              <a:latin typeface="Calibri" pitchFamily="34" charset="0"/>
-              <a:cs typeface="Calibri" pitchFamily="34" charset="0"/>
-            </a:endParaRPr>
-          </a:p>
-          <a:p>
-            <a:pPr marL="0" lvl="1" indent="0" algn="l" rtl="0">
-              <a:spcBef>
-                <a:spcPts val="960"/>
-              </a:spcBef>
-              <a:spcAft>
-                <a:spcPts val="0"/>
-              </a:spcAft>
-              <a:buSzPts val="1440"/>
-              <a:buNone/>
-            </a:pPr>
-            <a:r>
-              <a:rPr lang="en-US" sz="2000" dirty="0">
-                <a:solidFill>
-                  <a:schemeClr val="tx1"/>
-                </a:solidFill>
-                <a:latin typeface="Calibri" pitchFamily="34" charset="0"/>
-                <a:ea typeface="Times New Roman"/>
-                <a:cs typeface="Calibri" pitchFamily="34" charset="0"/>
-                <a:sym typeface="Times New Roman"/>
-              </a:rPr>
-              <a:t>	Refer slide </a:t>
-            </a:r>
-            <a:r>
-              <a:rPr lang="en-US" sz="2000" dirty="0" smtClean="0">
-                <a:solidFill>
-                  <a:schemeClr val="tx1"/>
-                </a:solidFill>
-                <a:latin typeface="Calibri" pitchFamily="34" charset="0"/>
-                <a:ea typeface="Times New Roman"/>
-                <a:cs typeface="Calibri" pitchFamily="34" charset="0"/>
-                <a:sym typeface="Times New Roman"/>
-              </a:rPr>
-              <a:t>4</a:t>
-            </a:r>
-            <a:r>
-              <a:rPr lang="en-US" sz="2000" baseline="30000" dirty="0" smtClean="0">
-                <a:solidFill>
-                  <a:schemeClr val="tx1"/>
-                </a:solidFill>
-                <a:latin typeface="Calibri" pitchFamily="34" charset="0"/>
-                <a:ea typeface="Times New Roman"/>
-                <a:cs typeface="Calibri" pitchFamily="34" charset="0"/>
-                <a:sym typeface="Times New Roman"/>
-              </a:rPr>
-              <a:t>th</a:t>
-            </a:r>
-            <a:r>
-              <a:rPr lang="en-US" sz="2000" dirty="0" smtClean="0">
-                <a:solidFill>
-                  <a:schemeClr val="tx1"/>
-                </a:solidFill>
-                <a:latin typeface="Calibri" pitchFamily="34" charset="0"/>
-                <a:ea typeface="Times New Roman"/>
-                <a:cs typeface="Calibri" pitchFamily="34" charset="0"/>
-                <a:sym typeface="Times New Roman"/>
-              </a:rPr>
-              <a:t> </a:t>
-            </a:r>
-            <a:r>
-              <a:rPr lang="en-US" sz="2000" dirty="0">
-                <a:solidFill>
-                  <a:schemeClr val="tx1"/>
-                </a:solidFill>
-                <a:latin typeface="Calibri" pitchFamily="34" charset="0"/>
-                <a:ea typeface="Times New Roman"/>
-                <a:cs typeface="Calibri" pitchFamily="34" charset="0"/>
-                <a:sym typeface="Times New Roman"/>
-              </a:rPr>
-              <a:t>for better Understanding </a:t>
-            </a:r>
-            <a:endParaRPr sz="2000">
-              <a:solidFill>
-                <a:schemeClr val="tx1"/>
-              </a:solidFill>
-              <a:latin typeface="Calibri" pitchFamily="34" charset="0"/>
-              <a:cs typeface="Calibri" pitchFamily="34" charset="0"/>
-            </a:endParaRPr>
-          </a:p>
-          <a:p>
-            <a:pPr marL="0" lvl="1" indent="0" algn="l" rtl="0">
-              <a:spcBef>
-                <a:spcPts val="960"/>
-              </a:spcBef>
-              <a:spcAft>
-                <a:spcPts val="0"/>
-              </a:spcAft>
-              <a:buSzPts val="1440"/>
-              <a:buNone/>
-            </a:pPr>
-            <a:r>
-              <a:rPr lang="en-US" sz="2000" dirty="0">
-                <a:solidFill>
-                  <a:schemeClr val="tx1"/>
-                </a:solidFill>
-                <a:latin typeface="Calibri" pitchFamily="34" charset="0"/>
-                <a:ea typeface="Times New Roman"/>
-                <a:cs typeface="Calibri" pitchFamily="34" charset="0"/>
-                <a:sym typeface="Times New Roman"/>
-              </a:rPr>
-              <a:t>Q 4) After the File validation what you do with incompatible file or files which didn’t pass the validation?</a:t>
-            </a:r>
-            <a:endParaRPr sz="2000">
-              <a:solidFill>
-                <a:schemeClr val="tx1"/>
-              </a:solidFill>
-              <a:latin typeface="Calibri" pitchFamily="34" charset="0"/>
-              <a:cs typeface="Calibri" pitchFamily="34" charset="0"/>
-            </a:endParaRPr>
-          </a:p>
-          <a:p>
-            <a:pPr marL="0" lvl="1" indent="0" algn="l" rtl="0">
-              <a:spcBef>
-                <a:spcPts val="960"/>
-              </a:spcBef>
-              <a:spcAft>
-                <a:spcPts val="0"/>
-              </a:spcAft>
-              <a:buSzPts val="1440"/>
-              <a:buNone/>
-            </a:pPr>
-            <a:r>
-              <a:rPr lang="en-US" sz="2000" dirty="0" smtClean="0">
-                <a:solidFill>
-                  <a:schemeClr val="tx1"/>
-                </a:solidFill>
-                <a:latin typeface="Calibri" pitchFamily="34" charset="0"/>
-                <a:ea typeface="Times New Roman"/>
-                <a:cs typeface="Calibri" pitchFamily="34" charset="0"/>
-                <a:sym typeface="Times New Roman"/>
-              </a:rPr>
-              <a:t>                Files </a:t>
-            </a:r>
-            <a:r>
-              <a:rPr lang="en-US" sz="2000" dirty="0">
-                <a:solidFill>
-                  <a:schemeClr val="tx1"/>
-                </a:solidFill>
-                <a:latin typeface="Calibri" pitchFamily="34" charset="0"/>
-                <a:ea typeface="Times New Roman"/>
-                <a:cs typeface="Calibri" pitchFamily="34" charset="0"/>
-                <a:sym typeface="Times New Roman"/>
-              </a:rPr>
-              <a:t>like these are moved to the </a:t>
-            </a:r>
-            <a:r>
-              <a:rPr lang="en-US" sz="2000" dirty="0" smtClean="0">
-                <a:solidFill>
-                  <a:schemeClr val="tx1"/>
-                </a:solidFill>
-                <a:latin typeface="Calibri" pitchFamily="34" charset="0"/>
-                <a:ea typeface="Times New Roman"/>
-                <a:cs typeface="Calibri" pitchFamily="34" charset="0"/>
-                <a:sym typeface="Times New Roman"/>
-              </a:rPr>
-              <a:t>artifact </a:t>
-            </a:r>
-            <a:r>
-              <a:rPr lang="en-US" sz="2000" dirty="0" smtClean="0">
-                <a:solidFill>
-                  <a:schemeClr val="tx1"/>
-                </a:solidFill>
-                <a:latin typeface="Calibri" pitchFamily="34" charset="0"/>
-                <a:ea typeface="Times New Roman"/>
-                <a:cs typeface="Calibri" pitchFamily="34" charset="0"/>
-                <a:sym typeface="Times New Roman"/>
-              </a:rPr>
-              <a:t>f</a:t>
-            </a:r>
-            <a:r>
-              <a:rPr lang="en-US" sz="2000" dirty="0" smtClean="0">
-                <a:solidFill>
-                  <a:schemeClr val="tx1"/>
-                </a:solidFill>
-                <a:latin typeface="Calibri" pitchFamily="34" charset="0"/>
-                <a:ea typeface="Times New Roman"/>
-                <a:cs typeface="Calibri" pitchFamily="34" charset="0"/>
-                <a:sym typeface="Times New Roman"/>
-              </a:rPr>
-              <a:t>older </a:t>
-            </a:r>
-            <a:r>
-              <a:rPr lang="en-US" sz="2000" dirty="0">
-                <a:solidFill>
-                  <a:schemeClr val="tx1"/>
-                </a:solidFill>
-                <a:latin typeface="Calibri" pitchFamily="34" charset="0"/>
-                <a:ea typeface="Times New Roman"/>
-                <a:cs typeface="Calibri" pitchFamily="34" charset="0"/>
-                <a:sym typeface="Times New Roman"/>
-              </a:rPr>
-              <a:t>and a list of these files has been   </a:t>
-            </a:r>
-            <a:endParaRPr sz="2000">
-              <a:solidFill>
-                <a:schemeClr val="tx1"/>
-              </a:solidFill>
-              <a:latin typeface="Calibri" pitchFamily="34" charset="0"/>
-              <a:cs typeface="Calibri" pitchFamily="34" charset="0"/>
-            </a:endParaRPr>
-          </a:p>
-          <a:p>
-            <a:pPr marL="0" lvl="1" indent="0" algn="l" rtl="0">
-              <a:spcBef>
-                <a:spcPts val="960"/>
-              </a:spcBef>
-              <a:spcAft>
-                <a:spcPts val="0"/>
-              </a:spcAft>
-              <a:buSzPts val="1440"/>
-              <a:buNone/>
-            </a:pPr>
-            <a:r>
-              <a:rPr lang="en-US" sz="2000" dirty="0" smtClean="0">
-                <a:solidFill>
-                  <a:schemeClr val="tx1"/>
-                </a:solidFill>
-                <a:latin typeface="Calibri" pitchFamily="34" charset="0"/>
-                <a:ea typeface="Times New Roman"/>
-                <a:cs typeface="Calibri" pitchFamily="34" charset="0"/>
-                <a:sym typeface="Times New Roman"/>
-              </a:rPr>
-              <a:t>                shared </a:t>
-            </a:r>
-            <a:r>
-              <a:rPr lang="en-US" sz="2000" dirty="0">
-                <a:solidFill>
-                  <a:schemeClr val="tx1"/>
-                </a:solidFill>
-                <a:latin typeface="Calibri" pitchFamily="34" charset="0"/>
-                <a:ea typeface="Times New Roman"/>
-                <a:cs typeface="Calibri" pitchFamily="34" charset="0"/>
-                <a:sym typeface="Times New Roman"/>
-              </a:rPr>
-              <a:t>with the </a:t>
-            </a:r>
-            <a:r>
-              <a:rPr lang="en-US" sz="2000" dirty="0" smtClean="0">
-                <a:solidFill>
-                  <a:schemeClr val="tx1"/>
-                </a:solidFill>
-                <a:latin typeface="Calibri" pitchFamily="34" charset="0"/>
-                <a:ea typeface="Times New Roman"/>
-                <a:cs typeface="Calibri" pitchFamily="34" charset="0"/>
-                <a:sym typeface="Times New Roman"/>
-              </a:rPr>
-              <a:t>client.</a:t>
-            </a:r>
-            <a:endParaRPr sz="2000">
-              <a:solidFill>
-                <a:schemeClr val="tx1"/>
-              </a:solidFill>
-              <a:latin typeface="Calibri" pitchFamily="34" charset="0"/>
-              <a:cs typeface="Calibri" pitchFamily="34" charset="0"/>
-            </a:endParaRPr>
-          </a:p>
-          <a:p>
-            <a:pPr marL="0" lvl="1" indent="0" algn="l" rtl="0">
-              <a:spcBef>
-                <a:spcPts val="1000"/>
-              </a:spcBef>
-              <a:spcAft>
-                <a:spcPts val="0"/>
-              </a:spcAft>
-              <a:buSzPts val="1600"/>
-              <a:buNone/>
-            </a:pPr>
-            <a:endParaRPr sz="2000">
-              <a:solidFill>
-                <a:schemeClr val="tx1"/>
-              </a:solidFill>
-              <a:latin typeface="Calibri" pitchFamily="34" charset="0"/>
-              <a:ea typeface="Times New Roman"/>
-              <a:cs typeface="Calibri" pitchFamily="34" charset="0"/>
-              <a:sym typeface="Times New Roman"/>
-            </a:endParaRPr>
+            <a:endParaRPr lang="en-US" dirty="0"/>
           </a:p>
         </p:txBody>
       </p:sp>
@@ -7585,7 +7316,7 @@
       </p:sp>
       <p:sp>
         <p:nvSpPr>
-          <p:cNvPr id="5" name="Google Shape;190;p11"/>
+          <p:cNvPr id="6" name="Google Shape;185;p10"/>
           <p:cNvSpPr txBox="1">
             <a:spLocks noGrp="1"/>
           </p:cNvSpPr>
@@ -7595,8 +7326,8 @@
         </p:nvSpPr>
         <p:spPr>
           <a:xfrm>
-            <a:off x="684211" y="1071546"/>
-            <a:ext cx="11074199" cy="5500726"/>
+            <a:off x="684212" y="1000108"/>
+            <a:ext cx="10520408" cy="5104478"/>
           </a:xfrm>
           <a:prstGeom prst="rect">
             <a:avLst/>
@@ -7622,50 +7353,8 @@
               <a:buSzPts val="1600"/>
               <a:buNone/>
             </a:pPr>
-            <a:endParaRPr lang="en-US" dirty="0" smtClean="0">
-              <a:solidFill>
-                <a:schemeClr val="tx1"/>
-              </a:solidFill>
-              <a:latin typeface="Calibri" pitchFamily="34" charset="0"/>
-              <a:ea typeface="Times New Roman"/>
-              <a:cs typeface="Calibri" pitchFamily="34" charset="0"/>
-              <a:sym typeface="Times New Roman"/>
-            </a:endParaRPr>
-          </a:p>
-          <a:p>
-            <a:pPr marL="0" lvl="0" indent="0" algn="l" rtl="0">
-              <a:spcBef>
-                <a:spcPts val="0"/>
-              </a:spcBef>
-              <a:spcAft>
-                <a:spcPts val="0"/>
-              </a:spcAft>
-              <a:buSzPts val="1600"/>
-              <a:buNone/>
-            </a:pPr>
-            <a:endParaRPr lang="en-US" dirty="0" smtClean="0">
-              <a:solidFill>
-                <a:schemeClr val="tx1"/>
-              </a:solidFill>
-              <a:latin typeface="Calibri" pitchFamily="34" charset="0"/>
-              <a:ea typeface="Times New Roman"/>
-              <a:cs typeface="Calibri" pitchFamily="34" charset="0"/>
-              <a:sym typeface="Times New Roman"/>
-            </a:endParaRPr>
-          </a:p>
-          <a:p>
-            <a:pPr marL="0" lvl="0" indent="0" algn="l" rtl="0">
-              <a:spcBef>
-                <a:spcPts val="0"/>
-              </a:spcBef>
-              <a:spcAft>
-                <a:spcPts val="0"/>
-              </a:spcAft>
-              <a:buSzPts val="1600"/>
-              <a:buNone/>
-            </a:pPr>
-            <a:r>
-              <a:rPr lang="en-US" dirty="0" smtClean="0">
+            <a:r>
+              <a:rPr lang="en-US" sz="2000" dirty="0" smtClean="0">
                 <a:solidFill>
                   <a:schemeClr val="tx1"/>
                 </a:solidFill>
@@ -7674,10 +7363,10 @@
                 <a:cs typeface="Calibri" pitchFamily="34" charset="0"/>
                 <a:sym typeface="Times New Roman"/>
               </a:rPr>
-              <a:t>Q </a:t>
-            </a:r>
-            <a:r>
-              <a:rPr lang="en-US" dirty="0">
+              <a:t>Q1</a:t>
+            </a:r>
+            <a:r>
+              <a:rPr lang="en-US" sz="2000" dirty="0">
                 <a:solidFill>
                   <a:schemeClr val="tx1"/>
                 </a:solidFill>
@@ -7686,9 +7375,9 @@
                 <a:cs typeface="Calibri" pitchFamily="34" charset="0"/>
                 <a:sym typeface="Times New Roman"/>
               </a:rPr>
-              <a:t>5) How logs are managed?</a:t>
-            </a:r>
-            <a:endParaRPr>
+              <a:t>) What’s the source of data?</a:t>
+            </a:r>
+            <a:endParaRPr sz="2000">
               <a:solidFill>
                 <a:schemeClr val="tx1"/>
               </a:solidFill>
@@ -7697,7 +7386,7 @@
             </a:endParaRPr>
           </a:p>
           <a:p>
-            <a:pPr marL="0" lvl="0" indent="0" algn="l" rtl="0">
+            <a:pPr marL="457200" lvl="1" indent="0" algn="l" rtl="0">
               <a:spcBef>
                 <a:spcPts val="960"/>
               </a:spcBef>
@@ -7708,7 +7397,7 @@
               <a:buNone/>
             </a:pPr>
             <a:r>
-              <a:rPr lang="en-US" dirty="0">
+              <a:rPr lang="en-US" sz="2000" dirty="0">
                 <a:solidFill>
                   <a:schemeClr val="tx1"/>
                 </a:solidFill>
@@ -7717,9 +7406,45 @@
                 <a:cs typeface="Calibri" pitchFamily="34" charset="0"/>
                 <a:sym typeface="Times New Roman"/>
               </a:rPr>
-              <a:t>	We are using different logs as per the steps that we follow in   validation and  </a:t>
-            </a:r>
-            <a:endParaRPr>
+              <a:t>The data  for training is provided by the client </a:t>
+            </a:r>
+            <a:r>
+              <a:rPr lang="en-US" sz="2000" dirty="0" smtClean="0">
+                <a:solidFill>
+                  <a:schemeClr val="tx1"/>
+                </a:solidFill>
+                <a:latin typeface="Calibri" pitchFamily="34" charset="0"/>
+                <a:ea typeface="Times New Roman"/>
+                <a:cs typeface="Calibri" pitchFamily="34" charset="0"/>
+                <a:sym typeface="Times New Roman"/>
+              </a:rPr>
+              <a:t>in </a:t>
+            </a:r>
+            <a:r>
+              <a:rPr lang="en-US" sz="2000" dirty="0" err="1" smtClean="0">
+                <a:solidFill>
+                  <a:schemeClr val="tx1"/>
+                </a:solidFill>
+                <a:latin typeface="Calibri" pitchFamily="34" charset="0"/>
+                <a:ea typeface="Times New Roman"/>
+                <a:cs typeface="Calibri" pitchFamily="34" charset="0"/>
+                <a:sym typeface="Times New Roman"/>
+              </a:rPr>
+              <a:t>csv</a:t>
+            </a:r>
+            <a:r>
+              <a:rPr lang="en-US" sz="2000" dirty="0" smtClean="0">
+                <a:solidFill>
+                  <a:schemeClr val="tx1"/>
+                </a:solidFill>
+                <a:latin typeface="Calibri" pitchFamily="34" charset="0"/>
+                <a:ea typeface="Times New Roman"/>
+                <a:cs typeface="Calibri" pitchFamily="34" charset="0"/>
+                <a:sym typeface="Times New Roman"/>
+              </a:rPr>
+              <a:t> file.</a:t>
+            </a:r>
+            <a:endParaRPr sz="2000">
               <a:solidFill>
                 <a:schemeClr val="tx1"/>
               </a:solidFill>
@@ -7728,7 +7453,7 @@
             </a:endParaRPr>
           </a:p>
           <a:p>
-            <a:pPr marL="0" lvl="0" indent="0" algn="l" rtl="0">
+            <a:pPr marL="0" lvl="1" indent="0" algn="l" rtl="0">
               <a:spcBef>
                 <a:spcPts val="960"/>
               </a:spcBef>
@@ -7739,7 +7464,7 @@
               <a:buNone/>
             </a:pPr>
             <a:r>
-              <a:rPr lang="en-US" dirty="0">
+              <a:rPr lang="en-US" sz="2000" dirty="0">
                 <a:solidFill>
                   <a:schemeClr val="tx1"/>
                 </a:solidFill>
@@ -7748,45 +7473,9 @@
                 <a:cs typeface="Calibri" pitchFamily="34" charset="0"/>
                 <a:sym typeface="Times New Roman"/>
               </a:rPr>
-              <a:t>       </a:t>
-            </a:r>
-            <a:r>
-              <a:rPr lang="en-US" dirty="0" smtClean="0">
-                <a:solidFill>
-                  <a:schemeClr val="tx1"/>
-                </a:solidFill>
-                <a:latin typeface="Calibri" pitchFamily="34" charset="0"/>
-                <a:ea typeface="Times New Roman"/>
-                <a:cs typeface="Calibri" pitchFamily="34" charset="0"/>
-                <a:sym typeface="Times New Roman"/>
-              </a:rPr>
-              <a:t>         modeling </a:t>
-            </a:r>
-            <a:r>
-              <a:rPr lang="en-US" dirty="0">
-                <a:solidFill>
-                  <a:schemeClr val="tx1"/>
-                </a:solidFill>
-                <a:latin typeface="Calibri" pitchFamily="34" charset="0"/>
-                <a:ea typeface="Times New Roman"/>
-                <a:cs typeface="Calibri" pitchFamily="34" charset="0"/>
-                <a:sym typeface="Times New Roman"/>
-              </a:rPr>
-              <a:t>like File validation log , Data Insertion ,Model Training log , prediction log </a:t>
-            </a:r>
-            <a:r>
-              <a:rPr lang="en-US" dirty="0" smtClean="0">
-                <a:solidFill>
-                  <a:schemeClr val="tx1"/>
-                </a:solidFill>
-                <a:latin typeface="Calibri" pitchFamily="34" charset="0"/>
-                <a:ea typeface="Times New Roman"/>
-                <a:cs typeface="Calibri" pitchFamily="34" charset="0"/>
-                <a:sym typeface="Times New Roman"/>
-              </a:rPr>
-              <a:t>etc.</a:t>
-            </a:r>
-            <a:endParaRPr>
+              <a:t>Q 2) What was the type of data?</a:t>
+            </a:r>
+            <a:endParaRPr sz="2000">
               <a:solidFill>
                 <a:schemeClr val="tx1"/>
               </a:solidFill>
@@ -7795,7 +7484,7 @@
             </a:endParaRPr>
           </a:p>
           <a:p>
-            <a:pPr marL="0" lvl="0" indent="0" algn="l" rtl="0">
+            <a:pPr marL="0" lvl="1" indent="0" algn="l" rtl="0">
               <a:spcBef>
                 <a:spcPts val="960"/>
               </a:spcBef>
@@ -7806,7 +7495,7 @@
               <a:buNone/>
             </a:pPr>
             <a:r>
-              <a:rPr lang="en-US" dirty="0">
+              <a:rPr lang="en-US" sz="2000" dirty="0">
                 <a:solidFill>
                   <a:schemeClr val="tx1"/>
                 </a:solidFill>
@@ -7815,152 +7504,7 @@
                 <a:cs typeface="Calibri" pitchFamily="34" charset="0"/>
                 <a:sym typeface="Times New Roman"/>
               </a:rPr>
-              <a:t>Q 6) What techniques were you using for data </a:t>
-            </a:r>
-            <a:r>
-              <a:rPr lang="en-US" dirty="0" smtClean="0">
-                <a:solidFill>
-                  <a:schemeClr val="tx1"/>
-                </a:solidFill>
-                <a:latin typeface="Calibri" pitchFamily="34" charset="0"/>
-                <a:ea typeface="Times New Roman"/>
-                <a:cs typeface="Calibri" pitchFamily="34" charset="0"/>
-                <a:sym typeface="Times New Roman"/>
-              </a:rPr>
-              <a:t>pre-processing?</a:t>
-            </a:r>
-            <a:endParaRPr lang="en-US" dirty="0">
-              <a:solidFill>
-                <a:schemeClr val="tx1"/>
-              </a:solidFill>
-              <a:latin typeface="Calibri" pitchFamily="34" charset="0"/>
-              <a:ea typeface="Times New Roman"/>
-              <a:cs typeface="Calibri" pitchFamily="34" charset="0"/>
-              <a:sym typeface="Times New Roman"/>
-            </a:endParaRPr>
-          </a:p>
-          <a:p>
-            <a:pPr marL="0" indent="0">
-              <a:spcBef>
-                <a:spcPts val="960"/>
-              </a:spcBef>
-              <a:buNone/>
-            </a:pPr>
-            <a:r>
-              <a:rPr lang="en-US" dirty="0" smtClean="0">
-                <a:solidFill>
-                  <a:schemeClr val="tx1"/>
-                </a:solidFill>
-                <a:latin typeface="Calibri" pitchFamily="34" charset="0"/>
-                <a:ea typeface="Times New Roman"/>
-                <a:cs typeface="Calibri" pitchFamily="34" charset="0"/>
-                <a:sym typeface="Times New Roman"/>
-              </a:rPr>
-              <a:t>        1.Removing </a:t>
-            </a:r>
-            <a:r>
-              <a:rPr lang="en-US" dirty="0">
-                <a:solidFill>
-                  <a:schemeClr val="tx1"/>
-                </a:solidFill>
-                <a:latin typeface="Calibri" pitchFamily="34" charset="0"/>
-                <a:ea typeface="Times New Roman"/>
-                <a:cs typeface="Calibri" pitchFamily="34" charset="0"/>
-                <a:sym typeface="Times New Roman"/>
-              </a:rPr>
-              <a:t>unwanted </a:t>
-            </a:r>
-            <a:r>
-              <a:rPr lang="en-US" dirty="0" smtClean="0">
-                <a:solidFill>
-                  <a:schemeClr val="tx1"/>
-                </a:solidFill>
-                <a:latin typeface="Calibri" pitchFamily="34" charset="0"/>
-                <a:ea typeface="Times New Roman"/>
-                <a:cs typeface="Calibri" pitchFamily="34" charset="0"/>
-                <a:sym typeface="Times New Roman"/>
-              </a:rPr>
-              <a:t>attributes</a:t>
-            </a:r>
-            <a:endParaRPr lang="en-US" dirty="0">
-              <a:solidFill>
-                <a:schemeClr val="tx1"/>
-              </a:solidFill>
-              <a:latin typeface="Calibri" pitchFamily="34" charset="0"/>
-              <a:ea typeface="Times New Roman"/>
-              <a:cs typeface="Calibri" pitchFamily="34" charset="0"/>
-              <a:sym typeface="Times New Roman"/>
-            </a:endParaRPr>
-          </a:p>
-          <a:p>
-            <a:pPr marL="0" indent="0">
-              <a:spcBef>
-                <a:spcPts val="960"/>
-              </a:spcBef>
-              <a:buNone/>
-            </a:pPr>
-            <a:r>
-              <a:rPr lang="en-US" dirty="0" smtClean="0">
-                <a:solidFill>
-                  <a:schemeClr val="tx1"/>
-                </a:solidFill>
-                <a:latin typeface="Calibri" pitchFamily="34" charset="0"/>
-                <a:ea typeface="Times New Roman"/>
-                <a:cs typeface="Calibri" pitchFamily="34" charset="0"/>
-                <a:sym typeface="Times New Roman"/>
-              </a:rPr>
-              <a:t>        2.Visualizing  </a:t>
-            </a:r>
-            <a:r>
-              <a:rPr lang="en-US" dirty="0">
-                <a:solidFill>
-                  <a:schemeClr val="tx1"/>
-                </a:solidFill>
-                <a:latin typeface="Calibri" pitchFamily="34" charset="0"/>
-                <a:ea typeface="Times New Roman"/>
-                <a:cs typeface="Calibri" pitchFamily="34" charset="0"/>
-                <a:sym typeface="Times New Roman"/>
-              </a:rPr>
-              <a:t>relation of independent variables with each other and output variables</a:t>
-            </a:r>
-            <a:endParaRPr>
-              <a:solidFill>
-                <a:schemeClr val="tx1"/>
-              </a:solidFill>
-              <a:latin typeface="Calibri" pitchFamily="34" charset="0"/>
-              <a:cs typeface="Calibri" pitchFamily="34" charset="0"/>
-            </a:endParaRPr>
-          </a:p>
-          <a:p>
-            <a:pPr marL="742950" lvl="1" indent="-285750">
-              <a:spcBef>
-                <a:spcPts val="960"/>
-              </a:spcBef>
-              <a:buNone/>
-            </a:pPr>
-            <a:r>
-              <a:rPr lang="en-US" sz="2000" dirty="0" smtClean="0">
-                <a:solidFill>
-                  <a:schemeClr val="tx1"/>
-                </a:solidFill>
-                <a:latin typeface="Calibri" pitchFamily="34" charset="0"/>
-                <a:ea typeface="Times New Roman"/>
-                <a:cs typeface="Calibri" pitchFamily="34" charset="0"/>
-                <a:sym typeface="Times New Roman"/>
-              </a:rPr>
-              <a:t>3.Checking </a:t>
-            </a:r>
-            <a:r>
-              <a:rPr lang="en-US" sz="2000" dirty="0">
-                <a:solidFill>
-                  <a:schemeClr val="tx1"/>
-                </a:solidFill>
-                <a:latin typeface="Calibri" pitchFamily="34" charset="0"/>
-                <a:ea typeface="Times New Roman"/>
-                <a:cs typeface="Calibri" pitchFamily="34" charset="0"/>
-                <a:sym typeface="Times New Roman"/>
-              </a:rPr>
-              <a:t>and changing Distribution of continuous values</a:t>
+              <a:t>	The data was the combination of numerical and Categorical values.</a:t>
             </a:r>
             <a:endParaRPr sz="2000">
               <a:solidFill>
@@ -7971,163 +7515,7 @@
             </a:endParaRPr>
           </a:p>
           <a:p>
-            <a:pPr marL="742950" lvl="1" indent="-285750">
-              <a:spcBef>
-                <a:spcPts val="960"/>
-              </a:spcBef>
-              <a:buNone/>
-            </a:pPr>
-            <a:r>
-              <a:rPr lang="en-US" sz="2000" dirty="0" smtClean="0">
-                <a:solidFill>
-                  <a:schemeClr val="tx1"/>
-                </a:solidFill>
-                <a:latin typeface="Calibri" pitchFamily="34" charset="0"/>
-                <a:ea typeface="Times New Roman"/>
-                <a:cs typeface="Calibri" pitchFamily="34" charset="0"/>
-                <a:sym typeface="Times New Roman"/>
-              </a:rPr>
-              <a:t>4.Removing </a:t>
-            </a:r>
-            <a:r>
-              <a:rPr lang="en-US" sz="2000" dirty="0">
-                <a:solidFill>
-                  <a:schemeClr val="tx1"/>
-                </a:solidFill>
-                <a:latin typeface="Calibri" pitchFamily="34" charset="0"/>
-                <a:ea typeface="Times New Roman"/>
-                <a:cs typeface="Calibri" pitchFamily="34" charset="0"/>
-                <a:sym typeface="Times New Roman"/>
-              </a:rPr>
-              <a:t>outliers</a:t>
-            </a:r>
-            <a:endParaRPr sz="2000">
-              <a:solidFill>
-                <a:schemeClr val="tx1"/>
-              </a:solidFill>
-              <a:latin typeface="Calibri" pitchFamily="34" charset="0"/>
-              <a:cs typeface="Calibri" pitchFamily="34" charset="0"/>
-            </a:endParaRPr>
-          </a:p>
-          <a:p>
-            <a:pPr marL="742950" lvl="1" indent="-285750">
-              <a:spcBef>
-                <a:spcPts val="960"/>
-              </a:spcBef>
-              <a:buNone/>
-            </a:pPr>
-            <a:r>
-              <a:rPr lang="en-US" sz="2000" dirty="0" smtClean="0">
-                <a:solidFill>
-                  <a:schemeClr val="tx1"/>
-                </a:solidFill>
-                <a:latin typeface="Calibri" pitchFamily="34" charset="0"/>
-                <a:ea typeface="Times New Roman"/>
-                <a:cs typeface="Calibri" pitchFamily="34" charset="0"/>
-                <a:sym typeface="Times New Roman"/>
-              </a:rPr>
-              <a:t>5.Cleaning </a:t>
-            </a:r>
-            <a:r>
-              <a:rPr lang="en-US" sz="2000" dirty="0">
-                <a:solidFill>
-                  <a:schemeClr val="tx1"/>
-                </a:solidFill>
-                <a:latin typeface="Calibri" pitchFamily="34" charset="0"/>
-                <a:ea typeface="Times New Roman"/>
-                <a:cs typeface="Calibri" pitchFamily="34" charset="0"/>
-                <a:sym typeface="Times New Roman"/>
-              </a:rPr>
-              <a:t>data and imputing if null values are present. </a:t>
-            </a:r>
-            <a:endParaRPr sz="2000">
-              <a:solidFill>
-                <a:schemeClr val="tx1"/>
-              </a:solidFill>
-              <a:latin typeface="Calibri" pitchFamily="34" charset="0"/>
-              <a:cs typeface="Calibri" pitchFamily="34" charset="0"/>
-            </a:endParaRPr>
-          </a:p>
-          <a:p>
-            <a:pPr marL="742950" lvl="1" indent="-285750">
-              <a:spcBef>
-                <a:spcPts val="960"/>
-              </a:spcBef>
-              <a:buNone/>
-            </a:pPr>
-            <a:r>
-              <a:rPr lang="en-US" sz="2000" dirty="0" smtClean="0">
-                <a:solidFill>
-                  <a:schemeClr val="tx1"/>
-                </a:solidFill>
-                <a:latin typeface="Calibri" pitchFamily="34" charset="0"/>
-                <a:ea typeface="Times New Roman"/>
-                <a:cs typeface="Calibri" pitchFamily="34" charset="0"/>
-                <a:sym typeface="Times New Roman"/>
-              </a:rPr>
-              <a:t>6.Converting </a:t>
-            </a:r>
-            <a:r>
-              <a:rPr lang="en-US" sz="2000" dirty="0">
-                <a:solidFill>
-                  <a:schemeClr val="tx1"/>
-                </a:solidFill>
-                <a:latin typeface="Calibri" pitchFamily="34" charset="0"/>
-                <a:ea typeface="Times New Roman"/>
-                <a:cs typeface="Calibri" pitchFamily="34" charset="0"/>
-                <a:sym typeface="Times New Roman"/>
-              </a:rPr>
-              <a:t>categorical data into numeric values.</a:t>
-            </a:r>
-            <a:endParaRPr sz="2000">
-              <a:solidFill>
-                <a:schemeClr val="tx1"/>
-              </a:solidFill>
-              <a:latin typeface="Calibri" pitchFamily="34" charset="0"/>
-              <a:cs typeface="Calibri" pitchFamily="34" charset="0"/>
-            </a:endParaRPr>
-          </a:p>
-          <a:p>
-            <a:pPr marL="742950" lvl="1" indent="-285750">
-              <a:spcBef>
-                <a:spcPts val="960"/>
-              </a:spcBef>
-              <a:buNone/>
-            </a:pPr>
-            <a:r>
-              <a:rPr lang="en-US" sz="2000" dirty="0" smtClean="0">
-                <a:solidFill>
-                  <a:schemeClr val="tx1"/>
-                </a:solidFill>
-                <a:latin typeface="Calibri" pitchFamily="34" charset="0"/>
-                <a:ea typeface="Times New Roman"/>
-                <a:cs typeface="Calibri" pitchFamily="34" charset="0"/>
-                <a:sym typeface="Times New Roman"/>
-              </a:rPr>
-              <a:t>7.Scaling </a:t>
-            </a:r>
-            <a:r>
-              <a:rPr lang="en-US" sz="2000" dirty="0">
-                <a:solidFill>
-                  <a:schemeClr val="tx1"/>
-                </a:solidFill>
-                <a:latin typeface="Calibri" pitchFamily="34" charset="0"/>
-                <a:ea typeface="Times New Roman"/>
-                <a:cs typeface="Calibri" pitchFamily="34" charset="0"/>
-                <a:sym typeface="Times New Roman"/>
-              </a:rPr>
-              <a:t>the data</a:t>
-            </a:r>
-            <a:endParaRPr sz="2000">
-              <a:solidFill>
-                <a:schemeClr val="tx1"/>
-              </a:solidFill>
-              <a:latin typeface="Calibri" pitchFamily="34" charset="0"/>
-              <a:cs typeface="Calibri" pitchFamily="34" charset="0"/>
-            </a:endParaRPr>
-          </a:p>
-          <a:p>
-            <a:pPr marL="742950" lvl="1" indent="-194309" algn="l" rtl="0">
+            <a:pPr marL="0" lvl="1" indent="0" algn="l" rtl="0">
               <a:spcBef>
                 <a:spcPts val="960"/>
               </a:spcBef>
@@ -8137,18 +7525,260 @@
               <a:buSzPts val="1440"/>
               <a:buNone/>
             </a:pPr>
+            <a:r>
+              <a:rPr lang="en-US" sz="2000" dirty="0">
+                <a:solidFill>
+                  <a:schemeClr val="tx1"/>
+                </a:solidFill>
+                <a:latin typeface="Calibri" pitchFamily="34" charset="0"/>
+                <a:ea typeface="Times New Roman"/>
+                <a:cs typeface="Calibri" pitchFamily="34" charset="0"/>
+                <a:sym typeface="Times New Roman"/>
+              </a:rPr>
+              <a:t>Q 3) What’s the complete flow you followed in this Project?</a:t>
+            </a:r>
             <a:endParaRPr sz="2000">
               <a:solidFill>
-                <a:schemeClr val="lt1"/>
+                <a:schemeClr val="tx1"/>
               </a:solidFill>
               <a:latin typeface="Calibri" pitchFamily="34" charset="0"/>
-              <a:ea typeface="Times New Roman"/>
               <a:cs typeface="Calibri" pitchFamily="34" charset="0"/>
-              <a:sym typeface="Times New Roman"/>
             </a:endParaRPr>
           </a:p>
           <a:p>
-            <a:pPr marL="0" lvl="0" indent="0" algn="l" rtl="0">
+            <a:pPr marL="0" lvl="1" indent="0" algn="l" rtl="0">
+              <a:spcBef>
+                <a:spcPts val="960"/>
+              </a:spcBef>
+              <a:spcAft>
+                <a:spcPts val="0"/>
+              </a:spcAft>
+              <a:buSzPts val="1440"/>
+              <a:buNone/>
+            </a:pPr>
+            <a:r>
+              <a:rPr lang="en-US" sz="2000" dirty="0">
+                <a:solidFill>
+                  <a:schemeClr val="tx1"/>
+                </a:solidFill>
+                <a:latin typeface="Calibri" pitchFamily="34" charset="0"/>
+                <a:ea typeface="Times New Roman"/>
+                <a:cs typeface="Calibri" pitchFamily="34" charset="0"/>
+                <a:sym typeface="Times New Roman"/>
+              </a:rPr>
+              <a:t>	Refer slide </a:t>
+            </a:r>
+            <a:r>
+              <a:rPr lang="en-US" sz="2000" dirty="0" smtClean="0">
+                <a:solidFill>
+                  <a:schemeClr val="tx1"/>
+                </a:solidFill>
+                <a:latin typeface="Calibri" pitchFamily="34" charset="0"/>
+                <a:ea typeface="Times New Roman"/>
+                <a:cs typeface="Calibri" pitchFamily="34" charset="0"/>
+                <a:sym typeface="Times New Roman"/>
+              </a:rPr>
+              <a:t>4</a:t>
+            </a:r>
+            <a:r>
+              <a:rPr lang="en-US" sz="2000" baseline="30000" dirty="0" smtClean="0">
+                <a:solidFill>
+                  <a:schemeClr val="tx1"/>
+                </a:solidFill>
+                <a:latin typeface="Calibri" pitchFamily="34" charset="0"/>
+                <a:ea typeface="Times New Roman"/>
+                <a:cs typeface="Calibri" pitchFamily="34" charset="0"/>
+                <a:sym typeface="Times New Roman"/>
+              </a:rPr>
+              <a:t>th</a:t>
+            </a:r>
+            <a:r>
+              <a:rPr lang="en-US" sz="2000" dirty="0" smtClean="0">
+                <a:solidFill>
+                  <a:schemeClr val="tx1"/>
+                </a:solidFill>
+                <a:latin typeface="Calibri" pitchFamily="34" charset="0"/>
+                <a:ea typeface="Times New Roman"/>
+                <a:cs typeface="Calibri" pitchFamily="34" charset="0"/>
+                <a:sym typeface="Times New Roman"/>
+              </a:rPr>
+              <a:t> </a:t>
+            </a:r>
+            <a:r>
+              <a:rPr lang="en-US" sz="2000" dirty="0">
+                <a:solidFill>
+                  <a:schemeClr val="tx1"/>
+                </a:solidFill>
+                <a:latin typeface="Calibri" pitchFamily="34" charset="0"/>
+                <a:ea typeface="Times New Roman"/>
+                <a:cs typeface="Calibri" pitchFamily="34" charset="0"/>
+                <a:sym typeface="Times New Roman"/>
+              </a:rPr>
+              <a:t>for better Understanding </a:t>
+            </a:r>
+            <a:endParaRPr sz="2000">
+              <a:solidFill>
+                <a:schemeClr val="tx1"/>
+              </a:solidFill>
+              <a:latin typeface="Calibri" pitchFamily="34" charset="0"/>
+              <a:cs typeface="Calibri" pitchFamily="34" charset="0"/>
+            </a:endParaRPr>
+          </a:p>
+          <a:p>
+            <a:pPr marL="0" lvl="1" indent="0" algn="l" rtl="0">
+              <a:spcBef>
+                <a:spcPts val="960"/>
+              </a:spcBef>
+              <a:spcAft>
+                <a:spcPts val="0"/>
+              </a:spcAft>
+              <a:buSzPts val="1440"/>
+              <a:buNone/>
+            </a:pPr>
+            <a:r>
+              <a:rPr lang="en-US" sz="2000" dirty="0">
+                <a:solidFill>
+                  <a:schemeClr val="tx1"/>
+                </a:solidFill>
+                <a:latin typeface="Calibri" pitchFamily="34" charset="0"/>
+                <a:ea typeface="Times New Roman"/>
+                <a:cs typeface="Calibri" pitchFamily="34" charset="0"/>
+                <a:sym typeface="Times New Roman"/>
+              </a:rPr>
+              <a:t>Q 4) After the File validation what you do with incompatible file or files which didn’t pass the validation?</a:t>
+            </a:r>
+            <a:endParaRPr sz="2000">
+              <a:solidFill>
+                <a:schemeClr val="tx1"/>
+              </a:solidFill>
+              <a:latin typeface="Calibri" pitchFamily="34" charset="0"/>
+              <a:cs typeface="Calibri" pitchFamily="34" charset="0"/>
+            </a:endParaRPr>
+          </a:p>
+          <a:p>
+            <a:pPr marL="0" lvl="1" indent="0" algn="l" rtl="0">
+              <a:spcBef>
+                <a:spcPts val="960"/>
+              </a:spcBef>
+              <a:spcAft>
+                <a:spcPts val="0"/>
+              </a:spcAft>
+              <a:buSzPts val="1440"/>
+              <a:buNone/>
+            </a:pPr>
+            <a:r>
+              <a:rPr lang="en-US" sz="2000" dirty="0" smtClean="0">
+                <a:solidFill>
+                  <a:schemeClr val="tx1"/>
+                </a:solidFill>
+                <a:latin typeface="Calibri" pitchFamily="34" charset="0"/>
+                <a:ea typeface="Times New Roman"/>
+                <a:cs typeface="Calibri" pitchFamily="34" charset="0"/>
+                <a:sym typeface="Times New Roman"/>
+              </a:rPr>
+              <a:t>                Files </a:t>
+            </a:r>
+            <a:r>
+              <a:rPr lang="en-US" sz="2000" dirty="0">
+                <a:solidFill>
+                  <a:schemeClr val="tx1"/>
+                </a:solidFill>
+                <a:latin typeface="Calibri" pitchFamily="34" charset="0"/>
+                <a:ea typeface="Times New Roman"/>
+                <a:cs typeface="Calibri" pitchFamily="34" charset="0"/>
+                <a:sym typeface="Times New Roman"/>
+              </a:rPr>
+              <a:t>like these are moved to the </a:t>
+            </a:r>
+            <a:r>
+              <a:rPr lang="en-US" sz="2000" dirty="0" smtClean="0">
+                <a:solidFill>
+                  <a:schemeClr val="tx1"/>
+                </a:solidFill>
+                <a:latin typeface="Calibri" pitchFamily="34" charset="0"/>
+                <a:ea typeface="Times New Roman"/>
+                <a:cs typeface="Calibri" pitchFamily="34" charset="0"/>
+                <a:sym typeface="Times New Roman"/>
+              </a:rPr>
+              <a:t>artifact folder </a:t>
+            </a:r>
+            <a:r>
+              <a:rPr lang="en-US" sz="2000" dirty="0">
+                <a:solidFill>
+                  <a:schemeClr val="tx1"/>
+                </a:solidFill>
+                <a:latin typeface="Calibri" pitchFamily="34" charset="0"/>
+                <a:ea typeface="Times New Roman"/>
+                <a:cs typeface="Calibri" pitchFamily="34" charset="0"/>
+                <a:sym typeface="Times New Roman"/>
+              </a:rPr>
+              <a:t>and a list of these files has been   </a:t>
+            </a:r>
+            <a:endParaRPr sz="2000">
+              <a:solidFill>
+                <a:schemeClr val="tx1"/>
+              </a:solidFill>
+              <a:latin typeface="Calibri" pitchFamily="34" charset="0"/>
+              <a:cs typeface="Calibri" pitchFamily="34" charset="0"/>
+            </a:endParaRPr>
+          </a:p>
+          <a:p>
+            <a:pPr marL="0" lvl="1" indent="0" algn="l" rtl="0">
+              <a:spcBef>
+                <a:spcPts val="960"/>
+              </a:spcBef>
+              <a:spcAft>
+                <a:spcPts val="0"/>
+              </a:spcAft>
+              <a:buSzPts val="1440"/>
+              <a:buNone/>
+            </a:pPr>
+            <a:r>
+              <a:rPr lang="en-US" sz="2000" dirty="0" smtClean="0">
+                <a:solidFill>
+                  <a:schemeClr val="tx1"/>
+                </a:solidFill>
+                <a:latin typeface="Calibri" pitchFamily="34" charset="0"/>
+                <a:ea typeface="Times New Roman"/>
+                <a:cs typeface="Calibri" pitchFamily="34" charset="0"/>
+                <a:sym typeface="Times New Roman"/>
+              </a:rPr>
+              <a:t>                shared </a:t>
+            </a:r>
+            <a:r>
+              <a:rPr lang="en-US" sz="2000" dirty="0">
+                <a:solidFill>
+                  <a:schemeClr val="tx1"/>
+                </a:solidFill>
+                <a:latin typeface="Calibri" pitchFamily="34" charset="0"/>
+                <a:ea typeface="Times New Roman"/>
+                <a:cs typeface="Calibri" pitchFamily="34" charset="0"/>
+                <a:sym typeface="Times New Roman"/>
+              </a:rPr>
+              <a:t>with the </a:t>
+            </a:r>
+            <a:r>
+              <a:rPr lang="en-US" sz="2000" dirty="0" smtClean="0">
+                <a:solidFill>
+                  <a:schemeClr val="tx1"/>
+                </a:solidFill>
+                <a:latin typeface="Calibri" pitchFamily="34" charset="0"/>
+                <a:ea typeface="Times New Roman"/>
+                <a:cs typeface="Calibri" pitchFamily="34" charset="0"/>
+                <a:sym typeface="Times New Roman"/>
+              </a:rPr>
+              <a:t>client.</a:t>
+            </a:r>
+            <a:endParaRPr sz="2000">
+              <a:solidFill>
+                <a:schemeClr val="tx1"/>
+              </a:solidFill>
+              <a:latin typeface="Calibri" pitchFamily="34" charset="0"/>
+              <a:cs typeface="Calibri" pitchFamily="34" charset="0"/>
+            </a:endParaRPr>
+          </a:p>
+          <a:p>
+            <a:pPr marL="0" lvl="1" indent="0" algn="l" rtl="0">
               <a:spcBef>
                 <a:spcPts val="1000"/>
               </a:spcBef>
@@ -8158,30 +7788,9 @@
               <a:buSzPts val="1600"/>
               <a:buNone/>
             </a:pPr>
-            <a:endParaRPr>
+            <a:endParaRPr sz="2000">
               <a:solidFill>
-                <a:schemeClr val="lt1"/>
-              </a:solidFill>
-              <a:latin typeface="Calibri" pitchFamily="34" charset="0"/>
-              <a:ea typeface="Times New Roman"/>
-              <a:cs typeface="Calibri" pitchFamily="34" charset="0"/>
-              <a:sym typeface="Times New Roman"/>
-            </a:endParaRPr>
-          </a:p>
-          <a:p>
-            <a:pPr marL="0" lvl="0" indent="0" algn="l" rtl="0">
-              <a:spcBef>
-                <a:spcPts val="1000"/>
-              </a:spcBef>
-              <a:spcAft>
-                <a:spcPts val="0"/>
-              </a:spcAft>
-              <a:buSzPts val="1600"/>
-              <a:buNone/>
-            </a:pPr>
-            <a:endParaRPr>
-              <a:solidFill>
-                <a:schemeClr val="lt1"/>
+                <a:schemeClr val="tx1"/>
               </a:solidFill>
               <a:latin typeface="Calibri" pitchFamily="34" charset="0"/>
               <a:ea typeface="Times New Roman"/>
@@ -8296,7 +7905,7 @@
         <p:spPr>
           <a:xfrm>
             <a:off x="684211" y="1071546"/>
-            <a:ext cx="11074199" cy="4214842"/>
+            <a:ext cx="11074199" cy="5500726"/>
           </a:xfrm>
           <a:prstGeom prst="rect">
             <a:avLst/>
@@ -8312,18 +7921,64 @@
           </a:bodyPr>
           <a:lstStyle/>
           <a:p>
-            <a:pPr marL="0" lvl="0" indent="0">
+            <a:pPr marL="0" lvl="0" indent="0" algn="l" rtl="0">
               <a:spcBef>
                 <a:spcPts val="0"/>
               </a:spcBef>
+              <a:spcAft>
+                <a:spcPts val="0"/>
+              </a:spcAft>
+              <a:buSzPts val="1600"/>
               <a:buNone/>
             </a:pPr>
-            <a:r>
-              <a:rPr lang="en-US" dirty="0" smtClean="0">
+            <a:endParaRPr lang="en-US" dirty="0" smtClean="0">
+              <a:solidFill>
+                <a:schemeClr val="tx1"/>
+              </a:solidFill>
+              <a:latin typeface="Calibri" pitchFamily="34" charset="0"/>
+              <a:ea typeface="Times New Roman"/>
+              <a:cs typeface="Calibri" pitchFamily="34" charset="0"/>
+              <a:sym typeface="Times New Roman"/>
+            </a:endParaRPr>
+          </a:p>
+          <a:p>
+            <a:pPr marL="0" lvl="0" indent="0" algn="l" rtl="0">
+              <a:spcBef>
+                <a:spcPts val="0"/>
+              </a:spcBef>
+              <a:spcAft>
+                <a:spcPts val="0"/>
+              </a:spcAft>
+              <a:buSzPts val="1600"/>
+              <a:buNone/>
+            </a:pPr>
+            <a:endParaRPr lang="en-US" dirty="0" smtClean="0">
+              <a:solidFill>
+                <a:schemeClr val="tx1"/>
+              </a:solidFill>
+              <a:latin typeface="Calibri" pitchFamily="34" charset="0"/>
+              <a:ea typeface="Times New Roman"/>
+              <a:cs typeface="Calibri" pitchFamily="34" charset="0"/>
+              <a:sym typeface="Times New Roman"/>
+            </a:endParaRPr>
+          </a:p>
+          <a:p>
+            <a:pPr marL="0" lvl="0" indent="0" algn="l" rtl="0">
+              <a:spcBef>
+                <a:spcPts val="0"/>
+              </a:spcBef>
+              <a:spcAft>
+                <a:spcPts val="0"/>
+              </a:spcAft>
+              <a:buSzPts val="1600"/>
+              <a:buNone/>
+            </a:pPr>
+            <a:r>
+              <a:rPr lang="en-US" sz="2000" dirty="0" smtClean="0">
                 <a:solidFill>
                   <a:schemeClr val="tx1"/>
                 </a:solidFill>
-                <a:latin typeface="Calibri" pitchFamily="34" charset="0"/>
+                <a:latin typeface="+mj-lt"/>
                 <a:ea typeface="Times New Roman"/>
                 <a:cs typeface="Calibri" pitchFamily="34" charset="0"/>
                 <a:sym typeface="Times New Roman"/>
@@ -8331,18 +7986,615 @@
               <a:t>Q </a:t>
             </a:r>
             <a:r>
-              <a:rPr lang="en-US" dirty="0" smtClean="0">
+              <a:rPr lang="en-US" sz="2000" dirty="0">
                 <a:solidFill>
                   <a:schemeClr val="tx1"/>
                 </a:solidFill>
-                <a:latin typeface="Calibri" pitchFamily="34" charset="0"/>
+                <a:latin typeface="+mj-lt"/>
                 <a:ea typeface="Times New Roman"/>
                 <a:cs typeface="Calibri" pitchFamily="34" charset="0"/>
                 <a:sym typeface="Times New Roman"/>
               </a:rPr>
-              <a:t>7) How training was done or what models were used?</a:t>
-            </a:r>
-            <a:endParaRPr lang="en-US" dirty="0" smtClean="0">
+              <a:t>5) How logs are managed?</a:t>
+            </a:r>
+            <a:endParaRPr sz="2000">
+              <a:solidFill>
+                <a:schemeClr val="tx1"/>
+              </a:solidFill>
+              <a:latin typeface="+mj-lt"/>
+              <a:cs typeface="Calibri" pitchFamily="34" charset="0"/>
+            </a:endParaRPr>
+          </a:p>
+          <a:p>
+            <a:pPr marL="0" lvl="0" indent="0" algn="l" rtl="0">
+              <a:spcBef>
+                <a:spcPts val="960"/>
+              </a:spcBef>
+              <a:spcAft>
+                <a:spcPts val="0"/>
+              </a:spcAft>
+              <a:buSzPts val="1440"/>
+              <a:buNone/>
+            </a:pPr>
+            <a:r>
+              <a:rPr lang="en-US" sz="2000" dirty="0">
+                <a:solidFill>
+                  <a:schemeClr val="tx1"/>
+                </a:solidFill>
+                <a:latin typeface="+mj-lt"/>
+                <a:ea typeface="Times New Roman"/>
+                <a:cs typeface="Calibri" pitchFamily="34" charset="0"/>
+                <a:sym typeface="Times New Roman"/>
+              </a:rPr>
+              <a:t>	We are using different logs as per the steps that we follow in   validation and  </a:t>
+            </a:r>
+            <a:endParaRPr sz="2000">
+              <a:solidFill>
+                <a:schemeClr val="tx1"/>
+              </a:solidFill>
+              <a:latin typeface="+mj-lt"/>
+              <a:cs typeface="Calibri" pitchFamily="34" charset="0"/>
+            </a:endParaRPr>
+          </a:p>
+          <a:p>
+            <a:pPr marL="0" lvl="0" indent="0" algn="l" rtl="0">
+              <a:spcBef>
+                <a:spcPts val="960"/>
+              </a:spcBef>
+              <a:spcAft>
+                <a:spcPts val="0"/>
+              </a:spcAft>
+              <a:buSzPts val="1440"/>
+              <a:buNone/>
+            </a:pPr>
+            <a:r>
+              <a:rPr lang="en-US" sz="2000" dirty="0">
+                <a:solidFill>
+                  <a:schemeClr val="tx1"/>
+                </a:solidFill>
+                <a:latin typeface="+mj-lt"/>
+                <a:ea typeface="Times New Roman"/>
+                <a:cs typeface="Calibri" pitchFamily="34" charset="0"/>
+                <a:sym typeface="Times New Roman"/>
+              </a:rPr>
+              <a:t>       </a:t>
+            </a:r>
+            <a:r>
+              <a:rPr lang="en-US" sz="2000" dirty="0" smtClean="0">
+                <a:solidFill>
+                  <a:schemeClr val="tx1"/>
+                </a:solidFill>
+                <a:latin typeface="+mj-lt"/>
+                <a:ea typeface="Times New Roman"/>
+                <a:cs typeface="Calibri" pitchFamily="34" charset="0"/>
+                <a:sym typeface="Times New Roman"/>
+              </a:rPr>
+              <a:t>         modeling </a:t>
+            </a:r>
+            <a:r>
+              <a:rPr lang="en-US" sz="2000" dirty="0">
+                <a:solidFill>
+                  <a:schemeClr val="tx1"/>
+                </a:solidFill>
+                <a:latin typeface="+mj-lt"/>
+                <a:ea typeface="Times New Roman"/>
+                <a:cs typeface="Calibri" pitchFamily="34" charset="0"/>
+                <a:sym typeface="Times New Roman"/>
+              </a:rPr>
+              <a:t>like File validation log , Data Insertion ,Model Training log , prediction log </a:t>
+            </a:r>
+            <a:r>
+              <a:rPr lang="en-US" sz="2000" dirty="0" smtClean="0">
+                <a:solidFill>
+                  <a:schemeClr val="tx1"/>
+                </a:solidFill>
+                <a:latin typeface="+mj-lt"/>
+                <a:ea typeface="Times New Roman"/>
+                <a:cs typeface="Calibri" pitchFamily="34" charset="0"/>
+                <a:sym typeface="Times New Roman"/>
+              </a:rPr>
+              <a:t>etc</a:t>
+            </a:r>
+            <a:r>
+              <a:rPr lang="en-US" sz="2000" dirty="0" smtClean="0">
+                <a:solidFill>
+                  <a:schemeClr val="tx1"/>
+                </a:solidFill>
+                <a:latin typeface="+mj-lt"/>
+                <a:ea typeface="Times New Roman"/>
+                <a:cs typeface="Calibri" pitchFamily="34" charset="0"/>
+                <a:sym typeface="Times New Roman"/>
+              </a:rPr>
+              <a:t>.</a:t>
+            </a:r>
+            <a:endParaRPr sz="2000">
+              <a:solidFill>
+                <a:schemeClr val="tx1"/>
+              </a:solidFill>
+              <a:latin typeface="+mj-lt"/>
+              <a:cs typeface="Calibri" pitchFamily="34" charset="0"/>
+            </a:endParaRPr>
+          </a:p>
+          <a:p>
+            <a:pPr marL="0" lvl="0" indent="0" algn="l" rtl="0">
+              <a:spcBef>
+                <a:spcPts val="960"/>
+              </a:spcBef>
+              <a:spcAft>
+                <a:spcPts val="0"/>
+              </a:spcAft>
+              <a:buSzPts val="1440"/>
+              <a:buNone/>
+            </a:pPr>
+            <a:r>
+              <a:rPr lang="en-US" sz="2000" dirty="0">
+                <a:solidFill>
+                  <a:schemeClr val="tx1"/>
+                </a:solidFill>
+                <a:latin typeface="+mj-lt"/>
+                <a:ea typeface="Times New Roman"/>
+                <a:cs typeface="Calibri" pitchFamily="34" charset="0"/>
+                <a:sym typeface="Times New Roman"/>
+              </a:rPr>
+              <a:t>Q 6) What techniques were you using for data </a:t>
+            </a:r>
+            <a:r>
+              <a:rPr lang="en-US" sz="2000" dirty="0" smtClean="0">
+                <a:solidFill>
+                  <a:schemeClr val="tx1"/>
+                </a:solidFill>
+                <a:latin typeface="+mj-lt"/>
+                <a:ea typeface="Times New Roman"/>
+                <a:cs typeface="Calibri" pitchFamily="34" charset="0"/>
+                <a:sym typeface="Times New Roman"/>
+              </a:rPr>
+              <a:t>pre-processing?</a:t>
+            </a:r>
+            <a:endParaRPr lang="en-US" sz="2000" dirty="0">
+              <a:solidFill>
+                <a:schemeClr val="tx1"/>
+              </a:solidFill>
+              <a:latin typeface="+mj-lt"/>
+              <a:ea typeface="Times New Roman"/>
+              <a:cs typeface="Calibri" pitchFamily="34" charset="0"/>
+              <a:sym typeface="Times New Roman"/>
+            </a:endParaRPr>
+          </a:p>
+          <a:p>
+            <a:pPr marL="0" indent="0">
+              <a:spcBef>
+                <a:spcPts val="960"/>
+              </a:spcBef>
+              <a:buNone/>
+            </a:pPr>
+            <a:r>
+              <a:rPr lang="en-US" sz="2000" dirty="0" smtClean="0">
+                <a:solidFill>
+                  <a:schemeClr val="tx1"/>
+                </a:solidFill>
+                <a:latin typeface="+mj-lt"/>
+                <a:ea typeface="Times New Roman"/>
+                <a:cs typeface="Calibri" pitchFamily="34" charset="0"/>
+                <a:sym typeface="Times New Roman"/>
+              </a:rPr>
+              <a:t>        1.Removing </a:t>
+            </a:r>
+            <a:r>
+              <a:rPr lang="en-US" sz="2000" dirty="0">
+                <a:solidFill>
+                  <a:schemeClr val="tx1"/>
+                </a:solidFill>
+                <a:latin typeface="+mj-lt"/>
+                <a:ea typeface="Times New Roman"/>
+                <a:cs typeface="Calibri" pitchFamily="34" charset="0"/>
+                <a:sym typeface="Times New Roman"/>
+              </a:rPr>
+              <a:t>unwanted </a:t>
+            </a:r>
+            <a:r>
+              <a:rPr lang="en-US" sz="2000" dirty="0" smtClean="0">
+                <a:solidFill>
+                  <a:schemeClr val="tx1"/>
+                </a:solidFill>
+                <a:latin typeface="+mj-lt"/>
+                <a:ea typeface="Times New Roman"/>
+                <a:cs typeface="Calibri" pitchFamily="34" charset="0"/>
+                <a:sym typeface="Times New Roman"/>
+              </a:rPr>
+              <a:t>attributes</a:t>
+            </a:r>
+            <a:endParaRPr lang="en-US" sz="2000" dirty="0">
+              <a:solidFill>
+                <a:schemeClr val="tx1"/>
+              </a:solidFill>
+              <a:latin typeface="+mj-lt"/>
+              <a:ea typeface="Times New Roman"/>
+              <a:cs typeface="Calibri" pitchFamily="34" charset="0"/>
+              <a:sym typeface="Times New Roman"/>
+            </a:endParaRPr>
+          </a:p>
+          <a:p>
+            <a:pPr marL="0" indent="0">
+              <a:spcBef>
+                <a:spcPts val="960"/>
+              </a:spcBef>
+              <a:buNone/>
+            </a:pPr>
+            <a:r>
+              <a:rPr lang="en-US" sz="2000" dirty="0" smtClean="0">
+                <a:solidFill>
+                  <a:schemeClr val="tx1"/>
+                </a:solidFill>
+                <a:latin typeface="+mj-lt"/>
+                <a:ea typeface="Times New Roman"/>
+                <a:cs typeface="Calibri" pitchFamily="34" charset="0"/>
+                <a:sym typeface="Times New Roman"/>
+              </a:rPr>
+              <a:t>        2.Visualizing  </a:t>
+            </a:r>
+            <a:r>
+              <a:rPr lang="en-US" sz="2000" dirty="0">
+                <a:solidFill>
+                  <a:schemeClr val="tx1"/>
+                </a:solidFill>
+                <a:latin typeface="+mj-lt"/>
+                <a:ea typeface="Times New Roman"/>
+                <a:cs typeface="Calibri" pitchFamily="34" charset="0"/>
+                <a:sym typeface="Times New Roman"/>
+              </a:rPr>
+              <a:t>relation of independent variables with each other and output variables</a:t>
+            </a:r>
+            <a:endParaRPr sz="2000">
+              <a:solidFill>
+                <a:schemeClr val="tx1"/>
+              </a:solidFill>
+              <a:latin typeface="+mj-lt"/>
+              <a:cs typeface="Calibri" pitchFamily="34" charset="0"/>
+            </a:endParaRPr>
+          </a:p>
+          <a:p>
+            <a:pPr marL="742950" lvl="1" indent="-285750">
+              <a:spcBef>
+                <a:spcPts val="960"/>
+              </a:spcBef>
+              <a:buNone/>
+            </a:pPr>
+            <a:r>
+              <a:rPr lang="en-US" sz="2000" dirty="0" smtClean="0">
+                <a:solidFill>
+                  <a:schemeClr val="tx1"/>
+                </a:solidFill>
+                <a:latin typeface="+mj-lt"/>
+                <a:ea typeface="Times New Roman"/>
+                <a:cs typeface="Calibri" pitchFamily="34" charset="0"/>
+                <a:sym typeface="Times New Roman"/>
+              </a:rPr>
+              <a:t>3.Checking </a:t>
+            </a:r>
+            <a:r>
+              <a:rPr lang="en-US" sz="2000" dirty="0">
+                <a:solidFill>
+                  <a:schemeClr val="tx1"/>
+                </a:solidFill>
+                <a:latin typeface="+mj-lt"/>
+                <a:ea typeface="Times New Roman"/>
+                <a:cs typeface="Calibri" pitchFamily="34" charset="0"/>
+                <a:sym typeface="Times New Roman"/>
+              </a:rPr>
+              <a:t>and changing Distribution of continuous values</a:t>
+            </a:r>
+            <a:endParaRPr sz="2000">
+              <a:solidFill>
+                <a:schemeClr val="tx1"/>
+              </a:solidFill>
+              <a:latin typeface="+mj-lt"/>
+              <a:cs typeface="Calibri" pitchFamily="34" charset="0"/>
+            </a:endParaRPr>
+          </a:p>
+          <a:p>
+            <a:pPr marL="742950" lvl="1" indent="-285750">
+              <a:spcBef>
+                <a:spcPts val="960"/>
+              </a:spcBef>
+              <a:buNone/>
+            </a:pPr>
+            <a:r>
+              <a:rPr lang="en-US" sz="2000" dirty="0" smtClean="0">
+                <a:solidFill>
+                  <a:schemeClr val="tx1"/>
+                </a:solidFill>
+                <a:latin typeface="+mj-lt"/>
+                <a:ea typeface="Times New Roman"/>
+                <a:cs typeface="Calibri" pitchFamily="34" charset="0"/>
+                <a:sym typeface="Times New Roman"/>
+              </a:rPr>
+              <a:t>4.Removing </a:t>
+            </a:r>
+            <a:r>
+              <a:rPr lang="en-US" sz="2000" dirty="0">
+                <a:solidFill>
+                  <a:schemeClr val="tx1"/>
+                </a:solidFill>
+                <a:latin typeface="+mj-lt"/>
+                <a:ea typeface="Times New Roman"/>
+                <a:cs typeface="Calibri" pitchFamily="34" charset="0"/>
+                <a:sym typeface="Times New Roman"/>
+              </a:rPr>
+              <a:t>outliers</a:t>
+            </a:r>
+            <a:endParaRPr sz="2000">
+              <a:solidFill>
+                <a:schemeClr val="tx1"/>
+              </a:solidFill>
+              <a:latin typeface="+mj-lt"/>
+              <a:cs typeface="Calibri" pitchFamily="34" charset="0"/>
+            </a:endParaRPr>
+          </a:p>
+          <a:p>
+            <a:pPr marL="742950" lvl="1" indent="-285750">
+              <a:spcBef>
+                <a:spcPts val="960"/>
+              </a:spcBef>
+              <a:buNone/>
+            </a:pPr>
+            <a:r>
+              <a:rPr lang="en-US" sz="2000" dirty="0" smtClean="0">
+                <a:solidFill>
+                  <a:schemeClr val="tx1"/>
+                </a:solidFill>
+                <a:latin typeface="+mj-lt"/>
+                <a:ea typeface="Times New Roman"/>
+                <a:cs typeface="Calibri" pitchFamily="34" charset="0"/>
+                <a:sym typeface="Times New Roman"/>
+              </a:rPr>
+              <a:t>5.Cleaning </a:t>
+            </a:r>
+            <a:r>
+              <a:rPr lang="en-US" sz="2000" dirty="0">
+                <a:solidFill>
+                  <a:schemeClr val="tx1"/>
+                </a:solidFill>
+                <a:latin typeface="+mj-lt"/>
+                <a:ea typeface="Times New Roman"/>
+                <a:cs typeface="Calibri" pitchFamily="34" charset="0"/>
+                <a:sym typeface="Times New Roman"/>
+              </a:rPr>
+              <a:t>data and imputing if null values are present. </a:t>
+            </a:r>
+            <a:endParaRPr sz="2000">
+              <a:solidFill>
+                <a:schemeClr val="tx1"/>
+              </a:solidFill>
+              <a:latin typeface="+mj-lt"/>
+              <a:cs typeface="Calibri" pitchFamily="34" charset="0"/>
+            </a:endParaRPr>
+          </a:p>
+          <a:p>
+            <a:pPr marL="742950" lvl="1" indent="-285750">
+              <a:spcBef>
+                <a:spcPts val="960"/>
+              </a:spcBef>
+              <a:buNone/>
+            </a:pPr>
+            <a:r>
+              <a:rPr lang="en-US" sz="2000" dirty="0" smtClean="0">
+                <a:solidFill>
+                  <a:schemeClr val="tx1"/>
+                </a:solidFill>
+                <a:latin typeface="+mj-lt"/>
+                <a:ea typeface="Times New Roman"/>
+                <a:cs typeface="Calibri" pitchFamily="34" charset="0"/>
+                <a:sym typeface="Times New Roman"/>
+              </a:rPr>
+              <a:t>6.Converting </a:t>
+            </a:r>
+            <a:r>
+              <a:rPr lang="en-US" sz="2000" dirty="0">
+                <a:solidFill>
+                  <a:schemeClr val="tx1"/>
+                </a:solidFill>
+                <a:latin typeface="+mj-lt"/>
+                <a:ea typeface="Times New Roman"/>
+                <a:cs typeface="Calibri" pitchFamily="34" charset="0"/>
+                <a:sym typeface="Times New Roman"/>
+              </a:rPr>
+              <a:t>categorical data into numeric values.</a:t>
+            </a:r>
+            <a:endParaRPr sz="2000">
+              <a:solidFill>
+                <a:schemeClr val="tx1"/>
+              </a:solidFill>
+              <a:latin typeface="+mj-lt"/>
+              <a:cs typeface="Calibri" pitchFamily="34" charset="0"/>
+            </a:endParaRPr>
+          </a:p>
+          <a:p>
+            <a:pPr marL="742950" lvl="1" indent="-285750">
+              <a:spcBef>
+                <a:spcPts val="960"/>
+              </a:spcBef>
+              <a:buNone/>
+            </a:pPr>
+            <a:r>
+              <a:rPr lang="en-US" sz="2000" dirty="0" smtClean="0">
+                <a:solidFill>
+                  <a:schemeClr val="tx1"/>
+                </a:solidFill>
+                <a:latin typeface="+mj-lt"/>
+                <a:ea typeface="Times New Roman"/>
+                <a:cs typeface="Calibri" pitchFamily="34" charset="0"/>
+                <a:sym typeface="Times New Roman"/>
+              </a:rPr>
+              <a:t>7.Scaling </a:t>
+            </a:r>
+            <a:r>
+              <a:rPr lang="en-US" sz="2000" dirty="0">
+                <a:solidFill>
+                  <a:schemeClr val="tx1"/>
+                </a:solidFill>
+                <a:latin typeface="+mj-lt"/>
+                <a:ea typeface="Times New Roman"/>
+                <a:cs typeface="Calibri" pitchFamily="34" charset="0"/>
+                <a:sym typeface="Times New Roman"/>
+              </a:rPr>
+              <a:t>the data</a:t>
+            </a:r>
+            <a:endParaRPr sz="2000">
+              <a:solidFill>
+                <a:schemeClr val="tx1"/>
+              </a:solidFill>
+              <a:latin typeface="+mj-lt"/>
+              <a:cs typeface="Calibri" pitchFamily="34" charset="0"/>
+            </a:endParaRPr>
+          </a:p>
+          <a:p>
+            <a:pPr marL="742950" lvl="1" indent="-194309" algn="l" rtl="0">
+              <a:spcBef>
+                <a:spcPts val="960"/>
+              </a:spcBef>
+              <a:spcAft>
+                <a:spcPts val="0"/>
+              </a:spcAft>
+              <a:buSzPts val="1440"/>
+              <a:buNone/>
+            </a:pPr>
+            <a:endParaRPr sz="2000">
+              <a:solidFill>
+                <a:schemeClr val="lt1"/>
+              </a:solidFill>
+              <a:latin typeface="Calibri" pitchFamily="34" charset="0"/>
+              <a:ea typeface="Times New Roman"/>
+              <a:cs typeface="Calibri" pitchFamily="34" charset="0"/>
+              <a:sym typeface="Times New Roman"/>
+            </a:endParaRPr>
+          </a:p>
+          <a:p>
+            <a:pPr marL="0" lvl="0" indent="0" algn="l" rtl="0">
+              <a:spcBef>
+                <a:spcPts val="1000"/>
+              </a:spcBef>
+              <a:spcAft>
+                <a:spcPts val="0"/>
+              </a:spcAft>
+              <a:buSzPts val="1600"/>
+              <a:buNone/>
+            </a:pPr>
+            <a:endParaRPr>
+              <a:solidFill>
+                <a:schemeClr val="lt1"/>
+              </a:solidFill>
+              <a:latin typeface="Calibri" pitchFamily="34" charset="0"/>
+              <a:ea typeface="Times New Roman"/>
+              <a:cs typeface="Calibri" pitchFamily="34" charset="0"/>
+              <a:sym typeface="Times New Roman"/>
+            </a:endParaRPr>
+          </a:p>
+          <a:p>
+            <a:pPr marL="0" lvl="0" indent="0" algn="l" rtl="0">
+              <a:spcBef>
+                <a:spcPts val="1000"/>
+              </a:spcBef>
+              <a:spcAft>
+                <a:spcPts val="0"/>
+              </a:spcAft>
+              <a:buSzPts val="1600"/>
+              <a:buNone/>
+            </a:pPr>
+            <a:endParaRPr>
+              <a:solidFill>
+                <a:schemeClr val="lt1"/>
+              </a:solidFill>
+              <a:latin typeface="Calibri" pitchFamily="34" charset="0"/>
+              <a:ea typeface="Times New Roman"/>
+              <a:cs typeface="Calibri" pitchFamily="34" charset="0"/>
+              <a:sym typeface="Times New Roman"/>
+            </a:endParaRPr>
+          </a:p>
+        </p:txBody>
+      </p:sp>
+    </p:spTree>
+  </p:cSld>
+  <p:clrMapOvr>
+    <a:masterClrMapping/>
+  </p:clrMapOvr>
+  <p:timing>
+    <p:tnLst>
+      <p:par>
+        <p:cTn id="1" dur="indefinite" restart="never" nodeType="tmRoot"/>
+      </p:par>
+    </p:tnLst>
+  </p:timing>
+</p:sld>
+</file>
+
+<file path=ppt/slides/slide15.xml><?xml version="1.0" encoding="utf-8"?>
+<p:sld xmlns:a="http://schemas.openxmlformats.org/drawingml/2006/main" xmlns:r="http://schemas.openxmlformats.org/officeDocument/2006/relationships" xmlns:p="http://schemas.openxmlformats.org/presentationml/2006/main">
+  <p:cSld>
+    <p:spTree>
+      <p:nvGrpSpPr>
+        <p:cNvPr id="1" name="Shape 143"/>
+        <p:cNvGrpSpPr/>
+        <p:nvPr/>
+      </p:nvGrpSpPr>
+      <p:grpSpPr>
+        <a:xfrm>
+          <a:off x="0" y="0"/>
+          <a:ext cx="0" cy="0"/>
+          <a:chOff x="0" y="0"/>
+          <a:chExt cx="0" cy="0"/>
+        </a:xfrm>
+      </p:grpSpPr>
+      <p:sp>
+        <p:nvSpPr>
+          <p:cNvPr id="3" name="TextBox 2"/>
+          <p:cNvSpPr txBox="1"/>
+          <p:nvPr/>
+        </p:nvSpPr>
+        <p:spPr>
+          <a:xfrm>
+            <a:off x="452398" y="642918"/>
+            <a:ext cx="6429420" cy="523220"/>
+          </a:xfrm>
+          <a:prstGeom prst="rect">
+            <a:avLst/>
+          </a:prstGeom>
+          <a:noFill/>
+        </p:spPr>
+        <p:txBody>
+          <a:bodyPr wrap="square" rtlCol="0">
+            <a:spAutoFit/>
+          </a:bodyPr>
+          <a:lstStyle/>
+          <a:p>
+            <a:pPr lvl="0">
+              <a:buFont typeface="Wingdings" pitchFamily="2" charset="2"/>
+              <a:buChar char="q"/>
+            </a:pPr>
+            <a:r>
+              <a:rPr lang="en-US" sz="2800" b="1" dirty="0" smtClean="0">
+                <a:solidFill>
+                  <a:schemeClr val="tx1"/>
+                </a:solidFill>
+                <a:latin typeface="Calibri" pitchFamily="34" charset="0"/>
+                <a:ea typeface="Times New Roman"/>
+                <a:cs typeface="Calibri" pitchFamily="34" charset="0"/>
+                <a:sym typeface="Times New Roman"/>
+              </a:rPr>
+              <a:t> </a:t>
+            </a:r>
+            <a:r>
+              <a:rPr lang="en-US" sz="2800" dirty="0" smtClean="0">
+                <a:solidFill>
+                  <a:schemeClr val="tx1"/>
+                </a:solidFill>
+                <a:latin typeface="Calibri" pitchFamily="34" charset="0"/>
+                <a:ea typeface="Times New Roman"/>
+                <a:cs typeface="Calibri" pitchFamily="34" charset="0"/>
+                <a:sym typeface="Times New Roman"/>
+              </a:rPr>
+              <a:t>Q &amp; A:</a:t>
+            </a:r>
+            <a:endParaRPr lang="en-US" sz="2800" b="1" dirty="0" smtClean="0">
               <a:solidFill>
                 <a:schemeClr val="tx1"/>
               </a:solidFill>
@@ -8350,15 +8602,45 @@
               <a:cs typeface="Calibri" pitchFamily="34" charset="0"/>
             </a:endParaRPr>
           </a:p>
-          <a:p>
-            <a:pPr marL="285750" lvl="0" indent="-285750">
+        </p:txBody>
+      </p:sp>
+      <p:sp>
+        <p:nvSpPr>
+          <p:cNvPr id="5" name="Google Shape;190;p11"/>
+          <p:cNvSpPr txBox="1">
+            <a:spLocks noGrp="1"/>
+          </p:cNvSpPr>
+          <p:nvPr>
+            <p:ph idx="1"/>
+          </p:nvPr>
+        </p:nvSpPr>
+        <p:spPr>
+          <a:xfrm>
+            <a:off x="684211" y="1071546"/>
+            <a:ext cx="11074199" cy="4643470"/>
+          </a:xfrm>
+          <a:prstGeom prst="rect">
+            <a:avLst/>
+          </a:prstGeom>
+          <a:noFill/>
+          <a:ln>
+            <a:noFill/>
+          </a:ln>
+        </p:spPr>
+        <p:txBody>
+          <a:bodyPr spcFirstLastPara="1" wrap="square" lIns="91425" tIns="45700" rIns="91425" bIns="45700" anchor="ctr" anchorCtr="0">
+            <a:noAutofit/>
+          </a:bodyPr>
+          <a:lstStyle/>
+          <a:p>
+            <a:pPr marL="0" lvl="0" indent="0">
               <a:spcBef>
-                <a:spcPts val="960"/>
+                <a:spcPts val="0"/>
               </a:spcBef>
               <a:buNone/>
             </a:pPr>
             <a:r>
-              <a:rPr lang="en-US" dirty="0" smtClean="0">
+              <a:rPr lang="en-US" sz="2000" dirty="0" smtClean="0">
                 <a:solidFill>
                   <a:schemeClr val="tx1"/>
                 </a:solidFill>
@@ -8367,69 +8649,9 @@
                 <a:cs typeface="Calibri" pitchFamily="34" charset="0"/>
                 <a:sym typeface="Times New Roman"/>
               </a:rPr>
-              <a:t> </a:t>
-            </a:r>
-            <a:r>
-              <a:rPr lang="en-US" dirty="0" smtClean="0">
-                <a:solidFill>
-                  <a:schemeClr val="tx1"/>
-                </a:solidFill>
-                <a:latin typeface="Calibri" pitchFamily="34" charset="0"/>
-                <a:ea typeface="Times New Roman"/>
-                <a:cs typeface="Calibri" pitchFamily="34" charset="0"/>
-                <a:sym typeface="Times New Roman"/>
-              </a:rPr>
-              <a:t>    Before model training data pre processing done and then model train on various ML algorithms </a:t>
-            </a:r>
-            <a:r>
-              <a:rPr lang="en-US" dirty="0" smtClean="0">
-                <a:solidFill>
-                  <a:schemeClr val="tx1"/>
-                </a:solidFill>
-                <a:latin typeface="Calibri" pitchFamily="34" charset="0"/>
-                <a:ea typeface="Times New Roman"/>
-                <a:cs typeface="Calibri" pitchFamily="34" charset="0"/>
-                <a:sym typeface="Times New Roman"/>
-              </a:rPr>
-              <a:t>like </a:t>
-            </a:r>
-            <a:r>
-              <a:rPr lang="en-US" dirty="0" smtClean="0">
-                <a:solidFill>
-                  <a:schemeClr val="tx1"/>
-                </a:solidFill>
-                <a:latin typeface="Calibri" pitchFamily="34" charset="0"/>
-                <a:ea typeface="Times New Roman"/>
-                <a:cs typeface="Calibri" pitchFamily="34" charset="0"/>
-                <a:sym typeface="Times New Roman"/>
-              </a:rPr>
-              <a:t>LR, SVM, Random Forest, </a:t>
-            </a:r>
-            <a:r>
-              <a:rPr lang="en-US" dirty="0" err="1" smtClean="0">
-                <a:solidFill>
-                  <a:schemeClr val="tx1"/>
-                </a:solidFill>
-                <a:latin typeface="Calibri" pitchFamily="34" charset="0"/>
-                <a:ea typeface="Times New Roman"/>
-                <a:cs typeface="Calibri" pitchFamily="34" charset="0"/>
-                <a:sym typeface="Times New Roman"/>
-              </a:rPr>
-              <a:t>Xg</a:t>
-            </a:r>
-            <a:r>
-              <a:rPr lang="en-US" dirty="0" smtClean="0">
-                <a:solidFill>
-                  <a:schemeClr val="tx1"/>
-                </a:solidFill>
-                <a:latin typeface="Calibri" pitchFamily="34" charset="0"/>
-                <a:ea typeface="Times New Roman"/>
-                <a:cs typeface="Calibri" pitchFamily="34" charset="0"/>
-                <a:sym typeface="Times New Roman"/>
-              </a:rPr>
-              <a:t> Boost, Gradient Boost, Decision Tree etc. Best best selected on the basis of accuracy score</a:t>
-            </a:r>
-            <a:endParaRPr lang="en-US" dirty="0" smtClean="0">
+              <a:t>Q 7) How training was done or what models were used?</a:t>
+            </a:r>
+            <a:endParaRPr lang="en-US" sz="2000" dirty="0" smtClean="0">
               <a:solidFill>
                 <a:schemeClr val="tx1"/>
               </a:solidFill>
@@ -8438,14 +8660,14 @@
             </a:endParaRPr>
           </a:p>
           <a:p>
-            <a:pPr marL="0" lvl="0" indent="0">
+            <a:pPr marL="285750" lvl="0" indent="-285750">
               <a:spcBef>
                 <a:spcPts val="960"/>
               </a:spcBef>
               <a:buNone/>
             </a:pPr>
             <a:r>
-              <a:rPr lang="en-US" dirty="0" smtClean="0">
+              <a:rPr lang="en-US" sz="2000" dirty="0" smtClean="0">
                 <a:solidFill>
                   <a:schemeClr val="tx1"/>
                 </a:solidFill>
@@ -8454,9 +8676,45 @@
                 <a:cs typeface="Calibri" pitchFamily="34" charset="0"/>
                 <a:sym typeface="Times New Roman"/>
               </a:rPr>
-              <a:t>Q 8) How Prediction was done?</a:t>
-            </a:r>
-            <a:endParaRPr lang="en-US" dirty="0" smtClean="0">
+              <a:t>     Before model training data pre processing done and then model train on various ML algorithms like LR, SVM, Random Forest, </a:t>
+            </a:r>
+            <a:r>
+              <a:rPr lang="en-US" sz="2000" dirty="0" err="1" smtClean="0">
+                <a:solidFill>
+                  <a:schemeClr val="tx1"/>
+                </a:solidFill>
+                <a:latin typeface="Calibri" pitchFamily="34" charset="0"/>
+                <a:ea typeface="Times New Roman"/>
+                <a:cs typeface="Calibri" pitchFamily="34" charset="0"/>
+                <a:sym typeface="Times New Roman"/>
+              </a:rPr>
+              <a:t>Xg</a:t>
+            </a:r>
+            <a:r>
+              <a:rPr lang="en-US" sz="2000" dirty="0" smtClean="0">
+                <a:solidFill>
+                  <a:schemeClr val="tx1"/>
+                </a:solidFill>
+                <a:latin typeface="Calibri" pitchFamily="34" charset="0"/>
+                <a:ea typeface="Times New Roman"/>
+                <a:cs typeface="Calibri" pitchFamily="34" charset="0"/>
+                <a:sym typeface="Times New Roman"/>
+              </a:rPr>
+              <a:t> Boost, Gradient Boost, Decision Tree etc. </a:t>
+            </a:r>
+            <a:r>
+              <a:rPr lang="en-US" sz="2000" dirty="0" smtClean="0">
+                <a:solidFill>
+                  <a:schemeClr val="tx1"/>
+                </a:solidFill>
+                <a:latin typeface="Calibri" pitchFamily="34" charset="0"/>
+                <a:ea typeface="Times New Roman"/>
+                <a:cs typeface="Calibri" pitchFamily="34" charset="0"/>
+                <a:sym typeface="Times New Roman"/>
+              </a:rPr>
+              <a:t>Based on accuracy Random forest mode is used for prediction.</a:t>
+            </a:r>
+            <a:endParaRPr lang="en-US" sz="2000" dirty="0" smtClean="0">
               <a:solidFill>
                 <a:schemeClr val="tx1"/>
               </a:solidFill>
@@ -8465,24 +8723,84 @@
             </a:endParaRPr>
           </a:p>
           <a:p>
+            <a:pPr marL="0" lvl="0" indent="0">
+              <a:spcBef>
+                <a:spcPts val="960"/>
+              </a:spcBef>
+              <a:buNone/>
+            </a:pPr>
+            <a:r>
+              <a:rPr lang="en-US" sz="2000" dirty="0" smtClean="0">
+                <a:solidFill>
+                  <a:schemeClr val="tx1"/>
+                </a:solidFill>
+                <a:latin typeface="Calibri" pitchFamily="34" charset="0"/>
+                <a:ea typeface="Times New Roman"/>
+                <a:cs typeface="Calibri" pitchFamily="34" charset="0"/>
+                <a:sym typeface="Times New Roman"/>
+              </a:rPr>
+              <a:t>Q 8) How Prediction was done</a:t>
+            </a:r>
+            <a:r>
+              <a:rPr lang="en-US" sz="2000" dirty="0" smtClean="0">
+                <a:solidFill>
+                  <a:schemeClr val="tx1"/>
+                </a:solidFill>
+                <a:latin typeface="Calibri" pitchFamily="34" charset="0"/>
+                <a:ea typeface="Times New Roman"/>
+                <a:cs typeface="Calibri" pitchFamily="34" charset="0"/>
+                <a:sym typeface="Times New Roman"/>
+              </a:rPr>
+              <a:t>?</a:t>
+            </a:r>
+          </a:p>
+          <a:p>
+            <a:pPr marL="0" lvl="0" indent="0">
+              <a:spcBef>
+                <a:spcPts val="960"/>
+              </a:spcBef>
+              <a:buNone/>
+            </a:pPr>
+            <a:r>
+              <a:rPr lang="en-IN" sz="2000" dirty="0" smtClean="0">
+                <a:latin typeface="Calibri" pitchFamily="34" charset="0"/>
+                <a:cs typeface="Calibri" pitchFamily="34" charset="0"/>
+                <a:sym typeface="Times New Roman"/>
+              </a:rPr>
+              <a:t> </a:t>
+            </a:r>
+            <a:r>
+              <a:rPr lang="en-IN" sz="2000" dirty="0" smtClean="0">
+                <a:latin typeface="Calibri" pitchFamily="34" charset="0"/>
+                <a:cs typeface="Calibri" pitchFamily="34" charset="0"/>
+                <a:sym typeface="Times New Roman"/>
+              </a:rPr>
+              <a:t>    Prediction was done using flask app.</a:t>
+            </a:r>
+            <a:endParaRPr lang="en-US" sz="2000" dirty="0" smtClean="0">
+              <a:solidFill>
+                <a:schemeClr val="tx1"/>
+              </a:solidFill>
+              <a:latin typeface="Calibri" pitchFamily="34" charset="0"/>
+              <a:cs typeface="Calibri" pitchFamily="34" charset="0"/>
+            </a:endParaRPr>
+          </a:p>
+          <a:p>
             <a:pPr marL="0" indent="0">
               <a:spcBef>
                 <a:spcPts val="960"/>
               </a:spcBef>
               <a:buNone/>
             </a:pPr>
-            <a:r>
-              <a:rPr lang="en-US" dirty="0" smtClean="0">
-                <a:solidFill>
-                  <a:schemeClr val="tx1"/>
-                </a:solidFill>
-                <a:latin typeface="Calibri" pitchFamily="34" charset="0"/>
-                <a:ea typeface="Times New Roman"/>
-                <a:cs typeface="Calibri" pitchFamily="34" charset="0"/>
-                <a:sym typeface="Times New Roman"/>
-              </a:rPr>
-              <a:t>Q 9) What are the different stages of deployment?</a:t>
-            </a:r>
+            <a:endParaRPr lang="en-US" sz="2000" dirty="0" smtClean="0">
+              <a:solidFill>
+                <a:schemeClr val="tx1"/>
+              </a:solidFill>
+              <a:latin typeface="Calibri" pitchFamily="34" charset="0"/>
+              <a:ea typeface="Times New Roman"/>
+              <a:cs typeface="Calibri" pitchFamily="34" charset="0"/>
+              <a:sym typeface="Times New Roman"/>
+            </a:endParaRPr>
           </a:p>
           <a:p>
             <a:pPr marL="742950" lvl="1" indent="-194309" algn="l" rtl="0">
@@ -8606,7 +8924,7 @@
         </p:spPr>
         <p:txBody>
           <a:bodyPr spcFirstLastPara="1" wrap="square" lIns="91425" tIns="45700" rIns="91425" bIns="45700" anchor="ctr" anchorCtr="0">
-            <a:normAutofit fontScale="92500" lnSpcReduction="20000"/>
+            <a:normAutofit lnSpcReduction="10000"/>
           </a:bodyPr>
           <a:lstStyle/>
           <a:p>
@@ -8645,145 +8963,73 @@
               <a:solidFill>
                 <a:schemeClr val="lt1"/>
               </a:solidFill>
-              <a:latin typeface="Calibri" pitchFamily="34" charset="0"/>
+              <a:latin typeface="+mj-lt"/>
               <a:ea typeface="Times New Roman"/>
               <a:cs typeface="Calibri" pitchFamily="34" charset="0"/>
               <a:sym typeface="Times New Roman"/>
             </a:endParaRPr>
           </a:p>
           <a:p>
-            <a:pPr marL="0" lvl="0" indent="0" algn="l" rtl="0">
+            <a:pPr marL="0" indent="0">
               <a:spcBef>
                 <a:spcPts val="0"/>
               </a:spcBef>
-              <a:spcAft>
-                <a:spcPts val="0"/>
-              </a:spcAft>
               <a:buSzPts val="1600"/>
               <a:buNone/>
             </a:pPr>
-            <a:endParaRPr lang="en-US" sz="2600" dirty="0" smtClean="0">
-              <a:solidFill>
-                <a:schemeClr val="tx1"/>
-              </a:solidFill>
-              <a:latin typeface="Calibri" pitchFamily="34" charset="0"/>
-              <a:ea typeface="Times New Roman"/>
-              <a:cs typeface="Calibri" pitchFamily="34" charset="0"/>
-              <a:sym typeface="Times New Roman"/>
-            </a:endParaRPr>
-          </a:p>
-          <a:p>
-            <a:pPr marL="0" lvl="0" indent="0" algn="l" rtl="0">
-              <a:spcBef>
-                <a:spcPts val="0"/>
-              </a:spcBef>
-              <a:spcAft>
-                <a:spcPts val="0"/>
-              </a:spcAft>
-              <a:buSzPts val="1600"/>
-              <a:buNone/>
-            </a:pPr>
-            <a:r>
-              <a:rPr lang="en-US" sz="2600" dirty="0" smtClean="0">
+            <a:r>
+              <a:rPr lang="en-IN" sz="2600" dirty="0" smtClean="0">
                 <a:solidFill>
                   <a:schemeClr val="tx1"/>
                 </a:solidFill>
-                <a:latin typeface="Calibri" pitchFamily="34" charset="0"/>
+                <a:latin typeface="+mj-lt"/>
                 <a:ea typeface="Times New Roman"/>
                 <a:cs typeface="Calibri" pitchFamily="34" charset="0"/>
                 <a:sym typeface="Times New Roman"/>
               </a:rPr>
-              <a:t>Development </a:t>
-            </a:r>
-            <a:r>
-              <a:rPr lang="en-US" sz="2600" dirty="0">
+              <a:t>To build a cloud web app/API using ML algorithms to predict insurance premium and </a:t>
+            </a:r>
+            <a:r>
+              <a:rPr lang="en-IN" sz="2600" dirty="0" smtClean="0">
                 <a:solidFill>
                   <a:schemeClr val="tx1"/>
                 </a:solidFill>
-                <a:latin typeface="Calibri" pitchFamily="34" charset="0"/>
+                <a:latin typeface="+mj-lt"/>
                 <a:ea typeface="Times New Roman"/>
                 <a:cs typeface="Calibri" pitchFamily="34" charset="0"/>
                 <a:sym typeface="Times New Roman"/>
               </a:rPr>
-              <a:t>of a predictive model for </a:t>
-            </a:r>
-            <a:r>
-              <a:rPr lang="en-US" sz="2600" dirty="0" smtClean="0">
-                <a:solidFill>
-                  <a:schemeClr val="tx1"/>
-                </a:solidFill>
-                <a:latin typeface="Calibri" pitchFamily="34" charset="0"/>
-                <a:ea typeface="Times New Roman"/>
+              <a:t>a</a:t>
+            </a:r>
+            <a:r>
+              <a:rPr lang="en-IN" dirty="0" smtClean="0">
+                <a:latin typeface="+mj-lt"/>
                 <a:cs typeface="Calibri" pitchFamily="34" charset="0"/>
                 <a:sym typeface="Times New Roman"/>
               </a:rPr>
-              <a:t> insurance premium prediction. </a:t>
-            </a:r>
-            <a:r>
-              <a:rPr lang="en-US" sz="2600" dirty="0">
-                <a:solidFill>
-                  <a:schemeClr val="tx1"/>
-                </a:solidFill>
-                <a:latin typeface="Calibri" pitchFamily="34" charset="0"/>
-                <a:ea typeface="Times New Roman"/>
+              <a:t>utomate </a:t>
+            </a:r>
+            <a:r>
+              <a:rPr lang="en-IN" sz="2400" dirty="0" smtClean="0">
+                <a:latin typeface="+mj-lt"/>
                 <a:cs typeface="Calibri" pitchFamily="34" charset="0"/>
                 <a:sym typeface="Times New Roman"/>
               </a:rPr>
-              <a:t>The model will </a:t>
-            </a:r>
-            <a:r>
-              <a:rPr lang="en-US" sz="2600" dirty="0" smtClean="0">
-                <a:solidFill>
-                  <a:schemeClr val="tx1"/>
-                </a:solidFill>
-                <a:latin typeface="Calibri" pitchFamily="34" charset="0"/>
-                <a:ea typeface="Times New Roman"/>
+              <a:t>it</a:t>
+            </a:r>
+            <a:r>
+              <a:rPr lang="en-IN" dirty="0" smtClean="0">
+                <a:latin typeface="+mj-lt"/>
                 <a:cs typeface="Calibri" pitchFamily="34" charset="0"/>
                 <a:sym typeface="Times New Roman"/>
               </a:rPr>
-              <a:t>determine insurance premium based on </a:t>
-            </a:r>
-            <a:r>
-              <a:rPr lang="en-US" sz="2600" dirty="0" smtClean="0">
-                <a:solidFill>
-                  <a:schemeClr val="tx1"/>
-                </a:solidFill>
-                <a:latin typeface="Calibri" pitchFamily="34" charset="0"/>
-                <a:ea typeface="Times New Roman"/>
-                <a:cs typeface="Calibri" pitchFamily="34" charset="0"/>
-                <a:sym typeface="Times New Roman"/>
-              </a:rPr>
-              <a:t>different features like gender, </a:t>
-            </a:r>
-            <a:r>
-              <a:rPr lang="en-US" sz="2600" dirty="0" err="1" smtClean="0">
-                <a:solidFill>
-                  <a:schemeClr val="tx1"/>
-                </a:solidFill>
-                <a:latin typeface="Calibri" pitchFamily="34" charset="0"/>
-                <a:ea typeface="Times New Roman"/>
-                <a:cs typeface="Calibri" pitchFamily="34" charset="0"/>
-                <a:sym typeface="Times New Roman"/>
-              </a:rPr>
-              <a:t>bmi</a:t>
-            </a:r>
-            <a:r>
-              <a:rPr lang="en-US" sz="2600" dirty="0" smtClean="0">
-                <a:solidFill>
-                  <a:schemeClr val="tx1"/>
-                </a:solidFill>
-                <a:latin typeface="Calibri" pitchFamily="34" charset="0"/>
-                <a:ea typeface="Times New Roman"/>
-                <a:cs typeface="Calibri" pitchFamily="34" charset="0"/>
-                <a:sym typeface="Times New Roman"/>
-              </a:rPr>
-              <a:t> etc</a:t>
+              <a:t> using AI Ops pipeline.</a:t>
             </a:r>
             <a:endParaRPr sz="2600">
               <a:solidFill>
                 <a:schemeClr val="tx1"/>
               </a:solidFill>
-              <a:latin typeface="Calibri" pitchFamily="34" charset="0"/>
+              <a:latin typeface="+mj-lt"/>
               <a:cs typeface="Calibri" pitchFamily="34" charset="0"/>
             </a:endParaRPr>
           </a:p>
@@ -8913,8 +9159,8 @@
         </p:nvSpPr>
         <p:spPr>
           <a:xfrm>
-            <a:off x="666712" y="1142984"/>
-            <a:ext cx="10912514" cy="2500330"/>
+            <a:off x="1238216" y="1571612"/>
+            <a:ext cx="10341010" cy="3929090"/>
           </a:xfrm>
           <a:prstGeom prst="rect">
             <a:avLst/>
@@ -8929,6 +9175,149 @@
             <a:normAutofit/>
           </a:bodyPr>
           <a:lstStyle/>
+          <a:p>
+            <a:pPr marL="0" indent="0">
+              <a:spcBef>
+                <a:spcPts val="1000"/>
+              </a:spcBef>
+              <a:buSzPts val="1600"/>
+              <a:buNone/>
+            </a:pPr>
+            <a:endParaRPr lang="en-IN" sz="2400" dirty="0" smtClean="0">
+              <a:latin typeface="+mj-lt"/>
+            </a:endParaRPr>
+          </a:p>
+          <a:p>
+            <a:pPr marL="0" indent="0">
+              <a:spcBef>
+                <a:spcPts val="1000"/>
+              </a:spcBef>
+              <a:buSzPts val="1600"/>
+              <a:buNone/>
+            </a:pPr>
+            <a:endParaRPr lang="en-IN" sz="2400" dirty="0" smtClean="0">
+              <a:latin typeface="+mj-lt"/>
+            </a:endParaRPr>
+          </a:p>
+          <a:p>
+            <a:pPr marL="0" indent="0">
+              <a:spcBef>
+                <a:spcPts val="1000"/>
+              </a:spcBef>
+              <a:buSzPts val="1600"/>
+              <a:buNone/>
+            </a:pPr>
+            <a:r>
+              <a:rPr lang="en-IN" dirty="0" smtClean="0">
+                <a:latin typeface="+mj-lt"/>
+              </a:rPr>
+              <a:t>Client need to upload prediction file in same manner shared for training.</a:t>
+            </a:r>
+          </a:p>
+          <a:p>
+            <a:pPr marL="0" indent="0">
+              <a:spcBef>
+                <a:spcPts val="1000"/>
+              </a:spcBef>
+              <a:buSzPts val="1600"/>
+              <a:buNone/>
+            </a:pPr>
+            <a:r>
+              <a:rPr lang="en-IN" dirty="0" smtClean="0">
+                <a:latin typeface="+mj-lt"/>
+              </a:rPr>
+              <a:t>Below are key points to ensure-</a:t>
+            </a:r>
+          </a:p>
+          <a:p>
+            <a:pPr lvl="1" indent="-457200">
+              <a:spcBef>
+                <a:spcPts val="960"/>
+              </a:spcBef>
+              <a:buClrTx/>
+              <a:buFont typeface="Arial" pitchFamily="34" charset="0"/>
+              <a:buChar char="•"/>
+            </a:pPr>
+            <a:r>
+              <a:rPr lang="en-US" sz="2600" dirty="0" smtClean="0">
+                <a:latin typeface="+mj-lt"/>
+                <a:ea typeface="Times New Roman"/>
+                <a:cs typeface="Calibri" pitchFamily="34" charset="0"/>
+                <a:sym typeface="Times New Roman"/>
+              </a:rPr>
+              <a:t>Number of Columns</a:t>
+            </a:r>
+            <a:endParaRPr lang="en-US" sz="2600" dirty="0" smtClean="0">
+              <a:latin typeface="+mj-lt"/>
+              <a:cs typeface="Calibri" pitchFamily="34" charset="0"/>
+            </a:endParaRPr>
+          </a:p>
+          <a:p>
+            <a:pPr lvl="1" indent="-457200">
+              <a:spcBef>
+                <a:spcPts val="960"/>
+              </a:spcBef>
+              <a:buClrTx/>
+              <a:buFont typeface="Arial" pitchFamily="34" charset="0"/>
+              <a:buChar char="•"/>
+            </a:pPr>
+            <a:r>
+              <a:rPr lang="en-US" sz="2600" dirty="0" smtClean="0">
+                <a:latin typeface="+mj-lt"/>
+                <a:ea typeface="Times New Roman"/>
+                <a:cs typeface="Calibri" pitchFamily="34" charset="0"/>
+                <a:sym typeface="Times New Roman"/>
+              </a:rPr>
+              <a:t>Column names </a:t>
+            </a:r>
+            <a:endParaRPr lang="en-US" sz="2600" dirty="0" smtClean="0">
+              <a:latin typeface="+mj-lt"/>
+              <a:cs typeface="Calibri" pitchFamily="34" charset="0"/>
+            </a:endParaRPr>
+          </a:p>
+          <a:p>
+            <a:pPr lvl="1" indent="-457200">
+              <a:spcBef>
+                <a:spcPts val="960"/>
+              </a:spcBef>
+              <a:buClrTx/>
+              <a:buFont typeface="Arial" pitchFamily="34" charset="0"/>
+              <a:buChar char="•"/>
+            </a:pPr>
+            <a:r>
+              <a:rPr lang="en-US" sz="2600" dirty="0" smtClean="0">
+                <a:latin typeface="+mj-lt"/>
+                <a:ea typeface="Times New Roman"/>
+                <a:cs typeface="Calibri" pitchFamily="34" charset="0"/>
+                <a:sym typeface="Times New Roman"/>
+              </a:rPr>
+              <a:t>Column data type</a:t>
+            </a:r>
+            <a:endParaRPr lang="en-US" sz="2600" dirty="0" smtClean="0">
+              <a:latin typeface="+mj-lt"/>
+              <a:cs typeface="Calibri" pitchFamily="34" charset="0"/>
+            </a:endParaRPr>
+          </a:p>
+          <a:p>
+            <a:pPr marL="0" indent="0">
+              <a:spcBef>
+                <a:spcPts val="1000"/>
+              </a:spcBef>
+              <a:buSzPts val="1600"/>
+              <a:buNone/>
+            </a:pPr>
+            <a:endParaRPr lang="en-IN" sz="2400" dirty="0" smtClean="0"/>
+          </a:p>
+          <a:p>
+            <a:pPr marL="0" indent="0">
+              <a:spcBef>
+                <a:spcPts val="1000"/>
+              </a:spcBef>
+              <a:buSzPts val="1600"/>
+              <a:buNone/>
+            </a:pPr>
+            <a:endParaRPr lang="en-IN" sz="2400" dirty="0" smtClean="0"/>
+          </a:p>
           <a:p>
             <a:pPr marL="0" indent="0">
               <a:spcBef>
@@ -9012,116 +9401,6 @@
               <a:latin typeface="Calibri" pitchFamily="34" charset="0"/>
               <a:cs typeface="Calibri" pitchFamily="34" charset="0"/>
             </a:endParaRPr>
-          </a:p>
-        </p:txBody>
-      </p:sp>
-      <p:sp>
-        <p:nvSpPr>
-          <p:cNvPr id="4" name="TextBox 3"/>
-          <p:cNvSpPr txBox="1"/>
-          <p:nvPr/>
-        </p:nvSpPr>
-        <p:spPr>
-          <a:xfrm>
-            <a:off x="1881158" y="1500174"/>
-            <a:ext cx="3786214" cy="1672253"/>
-          </a:xfrm>
-          <a:prstGeom prst="rect">
-            <a:avLst/>
-          </a:prstGeom>
-          <a:noFill/>
-        </p:spPr>
-        <p:txBody>
-          <a:bodyPr wrap="square" rtlCol="0">
-            <a:spAutoFit/>
-          </a:bodyPr>
-          <a:lstStyle/>
-          <a:p>
-            <a:pPr lvl="1" indent="-457200">
-              <a:spcBef>
-                <a:spcPts val="960"/>
-              </a:spcBef>
-              <a:buFont typeface="Arial" pitchFamily="34" charset="0"/>
-              <a:buChar char="•"/>
-            </a:pPr>
-            <a:r>
-              <a:rPr lang="en-US" sz="2400" dirty="0" smtClean="0">
-                <a:solidFill>
-                  <a:schemeClr val="tx1"/>
-                </a:solidFill>
-                <a:latin typeface="Calibri" pitchFamily="34" charset="0"/>
-                <a:ea typeface="Times New Roman"/>
-                <a:cs typeface="Calibri" pitchFamily="34" charset="0"/>
-                <a:sym typeface="Times New Roman"/>
-              </a:rPr>
-              <a:t>Number of Columns</a:t>
-            </a:r>
-            <a:endParaRPr lang="en-US" sz="2400" dirty="0" smtClean="0">
-              <a:solidFill>
-                <a:schemeClr val="tx1"/>
-              </a:solidFill>
-              <a:latin typeface="Calibri" pitchFamily="34" charset="0"/>
-              <a:cs typeface="Calibri" pitchFamily="34" charset="0"/>
-            </a:endParaRPr>
-          </a:p>
-          <a:p>
-            <a:pPr lvl="1" indent="-457200">
-              <a:spcBef>
-                <a:spcPts val="960"/>
-              </a:spcBef>
-              <a:buFont typeface="Arial" pitchFamily="34" charset="0"/>
-              <a:buChar char="•"/>
-            </a:pPr>
-            <a:r>
-              <a:rPr lang="en-US" sz="2400" dirty="0" smtClean="0">
-                <a:solidFill>
-                  <a:schemeClr val="tx1"/>
-                </a:solidFill>
-                <a:latin typeface="Calibri" pitchFamily="34" charset="0"/>
-                <a:ea typeface="Times New Roman"/>
-                <a:cs typeface="Calibri" pitchFamily="34" charset="0"/>
-                <a:sym typeface="Times New Roman"/>
-              </a:rPr>
-              <a:t>Column names </a:t>
-            </a:r>
-            <a:endParaRPr lang="en-US" sz="2400" dirty="0" smtClean="0">
-              <a:solidFill>
-                <a:schemeClr val="tx1"/>
-              </a:solidFill>
-              <a:latin typeface="Calibri" pitchFamily="34" charset="0"/>
-              <a:cs typeface="Calibri" pitchFamily="34" charset="0"/>
-            </a:endParaRPr>
-          </a:p>
-          <a:p>
-            <a:pPr lvl="1" indent="-457200">
-              <a:spcBef>
-                <a:spcPts val="960"/>
-              </a:spcBef>
-              <a:buFont typeface="Arial" pitchFamily="34" charset="0"/>
-              <a:buChar char="•"/>
-            </a:pPr>
-            <a:r>
-              <a:rPr lang="en-US" sz="2400" dirty="0" smtClean="0">
-                <a:solidFill>
-                  <a:schemeClr val="tx1"/>
-                </a:solidFill>
-                <a:latin typeface="Calibri" pitchFamily="34" charset="0"/>
-                <a:ea typeface="Times New Roman"/>
-                <a:cs typeface="Calibri" pitchFamily="34" charset="0"/>
-                <a:sym typeface="Times New Roman"/>
-              </a:rPr>
-              <a:t>Column data type</a:t>
-            </a:r>
-            <a:endParaRPr lang="en-US" sz="2400" dirty="0" smtClean="0">
-              <a:solidFill>
-                <a:schemeClr val="tx1"/>
-              </a:solidFill>
-              <a:latin typeface="Calibri" pitchFamily="34" charset="0"/>
-              <a:cs typeface="Calibri" pitchFamily="34" charset="0"/>
-            </a:endParaRPr>
-          </a:p>
-          <a:p>
-            <a:endParaRPr lang="en-US" dirty="0"/>
           </a:p>
         </p:txBody>
       </p:sp>
@@ -9193,6 +9472,7 @@
                 <a:solidFill>
                   <a:schemeClr val="tx1"/>
                 </a:solidFill>
+                <a:latin typeface="+mj-lt"/>
               </a:rPr>
               <a:t>Architecture</a:t>
             </a:r>
@@ -9200,7 +9480,7 @@
               <a:solidFill>
                 <a:schemeClr val="tx1"/>
               </a:solidFill>
-              <a:latin typeface="Aparajita"/>
+              <a:latin typeface="+mj-lt"/>
             </a:endParaRPr>
           </a:p>
         </p:txBody>
@@ -9298,7 +9578,7 @@
                 <a:solidFill>
                   <a:schemeClr val="lt1"/>
                 </a:solidFill>
-                <a:latin typeface="Aparajita"/>
+                <a:latin typeface="+mj-lt"/>
                 <a:ea typeface="Times New Roman"/>
                 <a:cs typeface="Times New Roman"/>
                 <a:sym typeface="Times New Roman"/>
@@ -9310,19 +9590,18 @@
                 <a:solidFill>
                   <a:schemeClr val="tx1"/>
                 </a:solidFill>
-                <a:latin typeface="Calibri" pitchFamily="34" charset="0"/>
+                <a:latin typeface="+mj-lt"/>
                 <a:ea typeface="Times New Roman"/>
-                <a:cs typeface="Calibri" pitchFamily="34" charset="0"/>
+                <a:cs typeface="Times New Roman"/>
                 <a:sym typeface="Times New Roman"/>
               </a:rPr>
-              <a:t>Training Pipeline</a:t>
+              <a:t>Data insertion into db</a:t>
             </a:r>
             <a:endParaRPr lang="en-US" sz="2800" b="1" dirty="0" smtClean="0">
               <a:solidFill>
                 <a:schemeClr val="tx1"/>
               </a:solidFill>
-              <a:latin typeface="Calibri" pitchFamily="34" charset="0"/>
-              <a:cs typeface="Calibri" pitchFamily="34" charset="0"/>
+              <a:latin typeface="+mj-lt"/>
             </a:endParaRPr>
           </a:p>
         </p:txBody>
@@ -9335,8 +9614,8 @@
         </p:nvSpPr>
         <p:spPr>
           <a:xfrm>
-            <a:off x="738150" y="1142984"/>
-            <a:ext cx="10787138" cy="3959305"/>
+            <a:off x="881026" y="1214422"/>
+            <a:ext cx="10429948" cy="3662541"/>
           </a:xfrm>
           <a:prstGeom prst="rect">
             <a:avLst/>
@@ -9349,307 +9628,153 @@
           </a:bodyPr>
           <a:lstStyle/>
           <a:p>
-            <a:pPr lvl="2"/>
-            <a:r>
-              <a:rPr lang="en-US" sz="2400" b="1" dirty="0" smtClean="0">
-                <a:solidFill>
-                  <a:schemeClr val="tx1"/>
-                </a:solidFill>
-              </a:rPr>
-              <a:t>1</a:t>
-            </a:r>
-            <a:r>
-              <a:rPr lang="en-US" sz="2400" b="1" dirty="0" smtClean="0">
-                <a:solidFill>
-                  <a:schemeClr val="tx1"/>
-                </a:solidFill>
-                <a:latin typeface="Calibri" pitchFamily="34" charset="0"/>
-                <a:cs typeface="Calibri" pitchFamily="34" charset="0"/>
-              </a:rPr>
-              <a:t>.</a:t>
-            </a:r>
-            <a:r>
-              <a:rPr lang="en-US" sz="2400" b="1" dirty="0" smtClean="0">
-                <a:solidFill>
-                  <a:schemeClr val="tx1"/>
-                </a:solidFill>
-                <a:latin typeface="Calibri" pitchFamily="34" charset="0"/>
-                <a:cs typeface="Calibri" pitchFamily="34" charset="0"/>
-              </a:rPr>
-              <a:t> </a:t>
-            </a:r>
-            <a:r>
-              <a:rPr lang="en-US" sz="2400" b="1" dirty="0" smtClean="0">
-                <a:solidFill>
-                  <a:schemeClr val="tx1"/>
-                </a:solidFill>
-                <a:latin typeface="Calibri" pitchFamily="34" charset="0"/>
-                <a:cs typeface="Calibri" pitchFamily="34" charset="0"/>
-              </a:rPr>
-              <a:t>Data Ingestion</a:t>
-            </a:r>
-          </a:p>
-          <a:p>
-            <a:pPr lvl="2"/>
-            <a:endParaRPr lang="en-US" sz="2400" dirty="0" smtClean="0">
-              <a:solidFill>
-                <a:schemeClr val="tx1"/>
-              </a:solidFill>
-              <a:latin typeface="Calibri" pitchFamily="34" charset="0"/>
-              <a:cs typeface="Calibri" pitchFamily="34" charset="0"/>
-            </a:endParaRPr>
-          </a:p>
-          <a:p>
-            <a:pPr lvl="0">
+            <a:pPr lvl="1">
               <a:buFont typeface="Arial" pitchFamily="34" charset="0"/>
               <a:buChar char="•"/>
             </a:pPr>
             <a:r>
-              <a:rPr lang="en-US" sz="2000" dirty="0" smtClean="0">
-                <a:solidFill>
-                  <a:schemeClr val="tx1"/>
-                </a:solidFill>
-                <a:latin typeface="Calibri" pitchFamily="34" charset="0"/>
-                <a:cs typeface="Calibri" pitchFamily="34" charset="0"/>
-              </a:rPr>
-              <a:t>   Import </a:t>
-            </a:r>
-            <a:r>
-              <a:rPr lang="en-US" sz="2000" dirty="0" smtClean="0">
-                <a:solidFill>
-                  <a:schemeClr val="tx1"/>
-                </a:solidFill>
-                <a:latin typeface="Calibri" pitchFamily="34" charset="0"/>
-                <a:cs typeface="Calibri" pitchFamily="34" charset="0"/>
-              </a:rPr>
-              <a:t>collection data as pandas </a:t>
-            </a:r>
-            <a:r>
-              <a:rPr lang="en-US" sz="2000" dirty="0" smtClean="0">
-                <a:solidFill>
-                  <a:schemeClr val="tx1"/>
-                </a:solidFill>
-                <a:latin typeface="Calibri" pitchFamily="34" charset="0"/>
-                <a:cs typeface="Calibri" pitchFamily="34" charset="0"/>
-              </a:rPr>
-              <a:t>data frame.</a:t>
-            </a:r>
-          </a:p>
-          <a:p>
-            <a:pPr lvl="0">
+              <a:rPr lang="en-IN" sz="2600" dirty="0" smtClean="0">
+                <a:latin typeface="+mj-lt"/>
+              </a:rPr>
+              <a:t>   </a:t>
+            </a:r>
+            <a:r>
+              <a:rPr lang="en-IN" sz="2400" dirty="0" smtClean="0">
+                <a:latin typeface="+mj-lt"/>
+              </a:rPr>
+              <a:t>Read the </a:t>
+            </a:r>
+            <a:r>
+              <a:rPr lang="en-IN" sz="2400" dirty="0" err="1" smtClean="0">
+                <a:latin typeface="+mj-lt"/>
+              </a:rPr>
+              <a:t>dataframe</a:t>
+            </a:r>
+            <a:r>
+              <a:rPr lang="en-IN" sz="2400" dirty="0" smtClean="0">
+                <a:latin typeface="+mj-lt"/>
+              </a:rPr>
+              <a:t> file and convert it to </a:t>
+            </a:r>
+            <a:r>
+              <a:rPr lang="en-IN" sz="2400" dirty="0" err="1" smtClean="0">
+                <a:latin typeface="+mj-lt"/>
+              </a:rPr>
+              <a:t>json</a:t>
+            </a:r>
+            <a:r>
+              <a:rPr lang="en-IN" sz="2400" dirty="0" smtClean="0">
+                <a:latin typeface="+mj-lt"/>
+              </a:rPr>
+              <a:t> format and then dumb it</a:t>
+            </a:r>
+          </a:p>
+          <a:p>
+            <a:pPr lvl="1"/>
+            <a:r>
+              <a:rPr lang="en-IN" sz="2400" dirty="0" smtClean="0">
+                <a:latin typeface="+mj-lt"/>
+              </a:rPr>
+              <a:t> </a:t>
+            </a:r>
+            <a:r>
+              <a:rPr lang="en-IN" sz="2400" dirty="0" smtClean="0">
+                <a:latin typeface="+mj-lt"/>
+              </a:rPr>
+              <a:t>    to </a:t>
+            </a:r>
+            <a:r>
+              <a:rPr lang="en-IN" sz="2400" dirty="0" err="1" smtClean="0">
+                <a:latin typeface="+mj-lt"/>
+              </a:rPr>
+              <a:t>Mongodb</a:t>
+            </a:r>
+            <a:r>
+              <a:rPr lang="en-IN" sz="2400" dirty="0" smtClean="0">
+                <a:latin typeface="+mj-lt"/>
+              </a:rPr>
+              <a:t> Atlas.</a:t>
+            </a:r>
+          </a:p>
+          <a:p>
+            <a:pPr lvl="1"/>
+            <a:endParaRPr lang="en-US" sz="2400" dirty="0" smtClean="0">
+              <a:latin typeface="+mj-lt"/>
+            </a:endParaRPr>
+          </a:p>
+          <a:p>
+            <a:pPr lvl="1">
               <a:buFont typeface="Arial" pitchFamily="34" charset="0"/>
               <a:buChar char="•"/>
             </a:pPr>
-            <a:endParaRPr lang="en-US" sz="2000" dirty="0" smtClean="0">
-              <a:solidFill>
-                <a:schemeClr val="tx1"/>
-              </a:solidFill>
-              <a:latin typeface="Calibri" pitchFamily="34" charset="0"/>
-              <a:cs typeface="Calibri" pitchFamily="34" charset="0"/>
+            <a:r>
+              <a:rPr lang="en-US" sz="2400" dirty="0" smtClean="0">
+                <a:latin typeface="+mj-lt"/>
+              </a:rPr>
+              <a:t>   Database Creation and connection –</a:t>
+            </a:r>
+          </a:p>
+          <a:p>
+            <a:r>
+              <a:rPr lang="en-US" sz="2400" dirty="0" smtClean="0">
+                <a:latin typeface="+mj-lt"/>
+              </a:rPr>
+              <a:t>    Create a database with the name “</a:t>
+            </a:r>
+            <a:r>
+              <a:rPr lang="en-US" sz="2400" dirty="0" err="1" smtClean="0">
+                <a:latin typeface="+mj-lt"/>
+              </a:rPr>
+              <a:t>ipp</a:t>
+            </a:r>
+            <a:r>
+              <a:rPr lang="en-US" sz="2400" dirty="0" smtClean="0">
+                <a:latin typeface="+mj-lt"/>
+              </a:rPr>
+              <a:t>” and collection name “insurance”. </a:t>
+            </a:r>
+          </a:p>
+          <a:p>
+            <a:r>
+              <a:rPr lang="en-US" sz="2400" dirty="0" smtClean="0">
+                <a:latin typeface="+mj-lt"/>
+              </a:rPr>
+              <a:t>    If the database and collection is already present then it will not created, </a:t>
+            </a:r>
+          </a:p>
+          <a:p>
+            <a:r>
+              <a:rPr lang="en-US" sz="2400" dirty="0" smtClean="0">
+                <a:latin typeface="+mj-lt"/>
+              </a:rPr>
+              <a:t> </a:t>
+            </a:r>
+            <a:r>
+              <a:rPr lang="en-US" sz="2400" dirty="0" smtClean="0">
+                <a:latin typeface="+mj-lt"/>
+              </a:rPr>
+              <a:t>   only new files are inserted into already present collection.</a:t>
+            </a:r>
+          </a:p>
+          <a:p>
+            <a:endParaRPr lang="en-US" sz="2400" dirty="0" smtClean="0">
+              <a:latin typeface="+mj-lt"/>
             </a:endParaRPr>
           </a:p>
           <a:p>
-            <a:pPr lvl="0">
+            <a:pPr>
               <a:buFont typeface="Arial" pitchFamily="34" charset="0"/>
               <a:buChar char="•"/>
             </a:pPr>
             <a:r>
-              <a:rPr lang="en-US" sz="2000" dirty="0" smtClean="0">
-                <a:solidFill>
-                  <a:schemeClr val="tx1"/>
-                </a:solidFill>
-                <a:latin typeface="Calibri" pitchFamily="34" charset="0"/>
-                <a:cs typeface="Calibri" pitchFamily="34" charset="0"/>
-              </a:rPr>
-              <a:t>   Replace </a:t>
-            </a:r>
-            <a:r>
-              <a:rPr lang="en-US" sz="2000" dirty="0" err="1" smtClean="0">
-                <a:solidFill>
-                  <a:schemeClr val="tx1"/>
-                </a:solidFill>
-                <a:latin typeface="Calibri" pitchFamily="34" charset="0"/>
-                <a:cs typeface="Calibri" pitchFamily="34" charset="0"/>
-              </a:rPr>
-              <a:t>na</a:t>
-            </a:r>
-            <a:r>
-              <a:rPr lang="en-US" sz="2000" dirty="0" smtClean="0">
-                <a:solidFill>
-                  <a:schemeClr val="tx1"/>
-                </a:solidFill>
-                <a:latin typeface="Calibri" pitchFamily="34" charset="0"/>
-                <a:cs typeface="Calibri" pitchFamily="34" charset="0"/>
-              </a:rPr>
-              <a:t> values with NAN if present in dataset</a:t>
-            </a:r>
-            <a:r>
-              <a:rPr lang="en-US" sz="2000" dirty="0" smtClean="0">
-                <a:solidFill>
-                  <a:schemeClr val="tx1"/>
-                </a:solidFill>
-                <a:latin typeface="Calibri" pitchFamily="34" charset="0"/>
-                <a:cs typeface="Calibri" pitchFamily="34" charset="0"/>
-              </a:rPr>
-              <a:t>.</a:t>
-            </a:r>
-          </a:p>
-          <a:p>
-            <a:pPr lvl="0">
-              <a:buFont typeface="Arial" pitchFamily="34" charset="0"/>
-              <a:buChar char="•"/>
-            </a:pPr>
-            <a:endParaRPr lang="en-US" sz="2000" dirty="0" smtClean="0">
-              <a:solidFill>
-                <a:schemeClr val="tx1"/>
-              </a:solidFill>
-              <a:latin typeface="Calibri" pitchFamily="34" charset="0"/>
-              <a:cs typeface="Calibri" pitchFamily="34" charset="0"/>
+              <a:rPr lang="en-IN" sz="2400" dirty="0" smtClean="0">
+                <a:latin typeface="+mj-lt"/>
+              </a:rPr>
+              <a:t>   Export this data for model training</a:t>
+            </a:r>
+            <a:endParaRPr lang="en-US" sz="2400" dirty="0" smtClean="0">
+              <a:latin typeface="+mj-lt"/>
             </a:endParaRPr>
-          </a:p>
-          <a:p>
-            <a:pPr lvl="0">
-              <a:buFont typeface="Arial" pitchFamily="34" charset="0"/>
-              <a:buChar char="•"/>
-            </a:pPr>
-            <a:r>
-              <a:rPr lang="en-US" sz="2000" dirty="0" smtClean="0">
-                <a:solidFill>
-                  <a:schemeClr val="tx1"/>
-                </a:solidFill>
-                <a:latin typeface="Calibri" pitchFamily="34" charset="0"/>
-                <a:cs typeface="Calibri" pitchFamily="34" charset="0"/>
-              </a:rPr>
-              <a:t>   Save </a:t>
-            </a:r>
-            <a:r>
-              <a:rPr lang="en-US" sz="2000" dirty="0" smtClean="0">
-                <a:solidFill>
-                  <a:schemeClr val="tx1"/>
-                </a:solidFill>
-                <a:latin typeface="Calibri" pitchFamily="34" charset="0"/>
-                <a:cs typeface="Calibri" pitchFamily="34" charset="0"/>
-              </a:rPr>
-              <a:t>updated dataset to ‘</a:t>
-            </a:r>
-            <a:r>
-              <a:rPr lang="en-US" sz="2000" dirty="0" err="1" smtClean="0">
-                <a:solidFill>
-                  <a:schemeClr val="tx1"/>
-                </a:solidFill>
-                <a:latin typeface="Calibri" pitchFamily="34" charset="0"/>
-                <a:cs typeface="Calibri" pitchFamily="34" charset="0"/>
-              </a:rPr>
-              <a:t>feature_store</a:t>
-            </a:r>
-            <a:r>
-              <a:rPr lang="en-US" sz="2000" dirty="0" smtClean="0">
-                <a:solidFill>
-                  <a:schemeClr val="tx1"/>
-                </a:solidFill>
-                <a:latin typeface="Calibri" pitchFamily="34" charset="0"/>
-                <a:cs typeface="Calibri" pitchFamily="34" charset="0"/>
-              </a:rPr>
-              <a:t> ’ folder</a:t>
-            </a:r>
-            <a:r>
-              <a:rPr lang="en-US" sz="2000" dirty="0" smtClean="0">
-                <a:solidFill>
-                  <a:schemeClr val="tx1"/>
-                </a:solidFill>
-                <a:latin typeface="Calibri" pitchFamily="34" charset="0"/>
-                <a:cs typeface="Calibri" pitchFamily="34" charset="0"/>
-              </a:rPr>
-              <a:t>.</a:t>
-            </a:r>
-          </a:p>
-          <a:p>
-            <a:pPr lvl="0">
-              <a:buFont typeface="Arial" pitchFamily="34" charset="0"/>
-              <a:buChar char="•"/>
-            </a:pPr>
-            <a:endParaRPr lang="en-US" sz="2000" dirty="0" smtClean="0">
-              <a:solidFill>
-                <a:schemeClr val="tx1"/>
-              </a:solidFill>
-              <a:latin typeface="Calibri" pitchFamily="34" charset="0"/>
-              <a:cs typeface="Calibri" pitchFamily="34" charset="0"/>
-            </a:endParaRPr>
-          </a:p>
-          <a:p>
-            <a:pPr lvl="0">
-              <a:buFont typeface="Arial" pitchFamily="34" charset="0"/>
-              <a:buChar char="•"/>
-            </a:pPr>
-            <a:r>
-              <a:rPr lang="en-US" sz="2000" dirty="0" smtClean="0">
-                <a:solidFill>
-                  <a:schemeClr val="tx1"/>
-                </a:solidFill>
-                <a:latin typeface="Calibri" pitchFamily="34" charset="0"/>
-                <a:cs typeface="Calibri" pitchFamily="34" charset="0"/>
-              </a:rPr>
-              <a:t>   Split </a:t>
-            </a:r>
-            <a:r>
-              <a:rPr lang="en-US" sz="2000" dirty="0" smtClean="0">
-                <a:solidFill>
-                  <a:schemeClr val="tx1"/>
-                </a:solidFill>
-                <a:latin typeface="Calibri" pitchFamily="34" charset="0"/>
-                <a:cs typeface="Calibri" pitchFamily="34" charset="0"/>
-              </a:rPr>
-              <a:t>dataset into train and test data and save it into ‘dataset’ folder</a:t>
-            </a:r>
-            <a:r>
-              <a:rPr lang="en-US" sz="2000" dirty="0" smtClean="0">
-                <a:solidFill>
-                  <a:schemeClr val="tx1"/>
-                </a:solidFill>
-                <a:latin typeface="Calibri" pitchFamily="34" charset="0"/>
-                <a:cs typeface="Calibri" pitchFamily="34" charset="0"/>
-              </a:rPr>
-              <a:t>.</a:t>
-            </a:r>
-          </a:p>
-          <a:p>
-            <a:pPr lvl="0">
-              <a:buFont typeface="Arial" pitchFamily="34" charset="0"/>
-              <a:buChar char="•"/>
-            </a:pPr>
-            <a:endParaRPr lang="en-US" sz="2000" dirty="0" smtClean="0">
-              <a:solidFill>
-                <a:schemeClr val="tx1"/>
-              </a:solidFill>
-              <a:latin typeface="Calibri" pitchFamily="34" charset="0"/>
-              <a:cs typeface="Calibri" pitchFamily="34" charset="0"/>
-            </a:endParaRPr>
-          </a:p>
-          <a:p>
-            <a:pPr lvl="0">
-              <a:buFont typeface="Arial" pitchFamily="34" charset="0"/>
-              <a:buChar char="•"/>
-            </a:pPr>
-            <a:r>
-              <a:rPr lang="en-US" sz="2000" dirty="0" smtClean="0">
-                <a:solidFill>
-                  <a:schemeClr val="tx1"/>
-                </a:solidFill>
-                <a:latin typeface="Calibri" pitchFamily="34" charset="0"/>
-                <a:cs typeface="Calibri" pitchFamily="34" charset="0"/>
-              </a:rPr>
-              <a:t>   Save </a:t>
-            </a:r>
-            <a:r>
-              <a:rPr lang="en-US" sz="2000" dirty="0" smtClean="0">
-                <a:solidFill>
-                  <a:schemeClr val="tx1"/>
-                </a:solidFill>
-                <a:latin typeface="Calibri" pitchFamily="34" charset="0"/>
-                <a:cs typeface="Calibri" pitchFamily="34" charset="0"/>
-              </a:rPr>
-              <a:t>these folders in ‘artifact’ folder.</a:t>
-            </a:r>
           </a:p>
           <a:p>
             <a:endParaRPr lang="en-US" dirty="0"/>
@@ -9696,7 +9821,7 @@
         </p:nvSpPr>
         <p:spPr>
           <a:xfrm>
-            <a:off x="523836" y="500042"/>
+            <a:off x="595274" y="500042"/>
             <a:ext cx="6429420" cy="523220"/>
           </a:xfrm>
           <a:prstGeom prst="rect">
@@ -9756,8 +9881,8 @@
         </p:nvSpPr>
         <p:spPr>
           <a:xfrm>
-            <a:off x="666712" y="1142984"/>
-            <a:ext cx="10787138" cy="3447098"/>
+            <a:off x="738150" y="1142984"/>
+            <a:ext cx="10787138" cy="4370427"/>
           </a:xfrm>
           <a:prstGeom prst="rect">
             <a:avLst/>
@@ -9776,10 +9901,8 @@
                 <a:solidFill>
                   <a:schemeClr val="tx1"/>
                 </a:solidFill>
-                <a:latin typeface="Calibri" pitchFamily="34" charset="0"/>
-                <a:cs typeface="Calibri" pitchFamily="34" charset="0"/>
-              </a:rPr>
-              <a:t>2. </a:t>
+              </a:rPr>
+              <a:t>1</a:t>
             </a:r>
             <a:r>
               <a:rPr lang="en-US" sz="2400" b="1" dirty="0" smtClean="0">
@@ -9789,22 +9912,12 @@
                 <a:latin typeface="Calibri" pitchFamily="34" charset="0"/>
                 <a:cs typeface="Calibri" pitchFamily="34" charset="0"/>
               </a:rPr>
-              <a:t>Data </a:t>
-            </a:r>
-            <a:r>
-              <a:rPr lang="en-US" sz="2400" b="1" dirty="0" smtClean="0">
-                <a:solidFill>
-                  <a:schemeClr val="tx1"/>
-                </a:solidFill>
-                <a:latin typeface="Calibri" pitchFamily="34" charset="0"/>
-                <a:cs typeface="Calibri" pitchFamily="34" charset="0"/>
-              </a:rPr>
-              <a:t>validation</a:t>
+              <a:t>. Data Ingestion</a:t>
             </a:r>
           </a:p>
           <a:p>
             <a:pPr lvl="2"/>
-            <a:endParaRPr lang="en-US" sz="2000" b="1" dirty="0" smtClean="0">
+            <a:endParaRPr lang="en-US" sz="2400" dirty="0" smtClean="0">
               <a:solidFill>
                 <a:schemeClr val="tx1"/>
               </a:solidFill>
@@ -9818,34 +9931,14 @@
               <a:buChar char="•"/>
             </a:pPr>
             <a:r>
-              <a:rPr lang="en-US" sz="2000" dirty="0" smtClean="0">
+              <a:rPr lang="en-US" sz="2400" dirty="0" smtClean="0">
                 <a:solidFill>
                   <a:schemeClr val="tx1"/>
                 </a:solidFill>
                 <a:latin typeface="Calibri" pitchFamily="34" charset="0"/>
                 <a:cs typeface="Calibri" pitchFamily="34" charset="0"/>
               </a:rPr>
-              <a:t>   Null </a:t>
-            </a:r>
-            <a:r>
-              <a:rPr lang="en-US" sz="2000" dirty="0" smtClean="0">
-                <a:solidFill>
-                  <a:schemeClr val="tx1"/>
-                </a:solidFill>
-                <a:latin typeface="Calibri" pitchFamily="34" charset="0"/>
-                <a:cs typeface="Calibri" pitchFamily="34" charset="0"/>
-              </a:rPr>
-              <a:t>values- Drop the columns which have missing values more than specified threshold</a:t>
-            </a:r>
-            <a:r>
-              <a:rPr lang="en-US" sz="2000" dirty="0" smtClean="0">
-                <a:solidFill>
-                  <a:schemeClr val="tx1"/>
-                </a:solidFill>
-                <a:latin typeface="Calibri" pitchFamily="34" charset="0"/>
-                <a:cs typeface="Calibri" pitchFamily="34" charset="0"/>
-              </a:rPr>
-              <a:t>.</a:t>
+              <a:t>   Import collection data as pandas data frame.</a:t>
             </a:r>
           </a:p>
           <a:p>
@@ -9853,7 +9946,7 @@
               <a:buFont typeface="Arial" pitchFamily="34" charset="0"/>
               <a:buChar char="•"/>
             </a:pPr>
-            <a:endParaRPr lang="en-US" sz="2000" dirty="0" smtClean="0">
+            <a:endParaRPr lang="en-US" sz="2400" dirty="0" smtClean="0">
               <a:solidFill>
                 <a:schemeClr val="tx1"/>
               </a:solidFill>
@@ -9867,34 +9960,34 @@
               <a:buChar char="•"/>
             </a:pPr>
             <a:r>
-              <a:rPr lang="en-US" sz="2000" dirty="0" smtClean="0">
+              <a:rPr lang="en-US" sz="2400" dirty="0" smtClean="0">
                 <a:solidFill>
                   <a:schemeClr val="tx1"/>
                 </a:solidFill>
                 <a:latin typeface="Calibri" pitchFamily="34" charset="0"/>
                 <a:cs typeface="Calibri" pitchFamily="34" charset="0"/>
               </a:rPr>
-              <a:t>   Data-type </a:t>
-            </a:r>
-            <a:r>
-              <a:rPr lang="en-US" sz="2000" dirty="0" smtClean="0">
+              <a:t>   Replace </a:t>
+            </a:r>
+            <a:r>
+              <a:rPr lang="en-US" sz="2400" dirty="0" err="1" smtClean="0">
                 <a:solidFill>
                   <a:schemeClr val="tx1"/>
                 </a:solidFill>
                 <a:latin typeface="Calibri" pitchFamily="34" charset="0"/>
                 <a:cs typeface="Calibri" pitchFamily="34" charset="0"/>
               </a:rPr>
-              <a:t>– If required change data type of columns</a:t>
-            </a:r>
-            <a:r>
-              <a:rPr lang="en-US" sz="2000" dirty="0" smtClean="0">
+              <a:t>na</a:t>
+            </a:r>
+            <a:r>
+              <a:rPr lang="en-US" sz="2400" dirty="0" smtClean="0">
                 <a:solidFill>
                   <a:schemeClr val="tx1"/>
                 </a:solidFill>
                 <a:latin typeface="Calibri" pitchFamily="34" charset="0"/>
                 <a:cs typeface="Calibri" pitchFamily="34" charset="0"/>
               </a:rPr>
-              <a:t>.</a:t>
+              <a:t> values with NAN if present in dataset.</a:t>
             </a:r>
           </a:p>
           <a:p>
@@ -9902,7 +9995,7 @@
               <a:buFont typeface="Arial" pitchFamily="34" charset="0"/>
               <a:buChar char="•"/>
             </a:pPr>
-            <a:endParaRPr lang="en-US" sz="2000" dirty="0" smtClean="0">
+            <a:endParaRPr lang="en-US" sz="2400" dirty="0" smtClean="0">
               <a:solidFill>
                 <a:schemeClr val="tx1"/>
               </a:solidFill>
@@ -9916,34 +10009,34 @@
               <a:buChar char="•"/>
             </a:pPr>
             <a:r>
-              <a:rPr lang="en-US" sz="2000" dirty="0" smtClean="0">
+              <a:rPr lang="en-US" sz="2400" dirty="0" smtClean="0">
                 <a:solidFill>
                   <a:schemeClr val="tx1"/>
                 </a:solidFill>
                 <a:latin typeface="Calibri" pitchFamily="34" charset="0"/>
                 <a:cs typeface="Calibri" pitchFamily="34" charset="0"/>
               </a:rPr>
-              <a:t>   No </a:t>
-            </a:r>
-            <a:r>
-              <a:rPr lang="en-US" sz="2000" dirty="0" smtClean="0">
+              <a:t>   Save updated dataset to ‘</a:t>
+            </a:r>
+            <a:r>
+              <a:rPr lang="en-US" sz="2400" dirty="0" err="1" smtClean="0">
                 <a:solidFill>
                   <a:schemeClr val="tx1"/>
                 </a:solidFill>
                 <a:latin typeface="Calibri" pitchFamily="34" charset="0"/>
                 <a:cs typeface="Calibri" pitchFamily="34" charset="0"/>
               </a:rPr>
-              <a:t>of columns -Validate the number of columns present in the files</a:t>
-            </a:r>
-            <a:r>
-              <a:rPr lang="en-US" sz="2000" dirty="0" smtClean="0">
+              <a:t>feature_store</a:t>
+            </a:r>
+            <a:r>
+              <a:rPr lang="en-US" sz="2400" dirty="0" smtClean="0">
                 <a:solidFill>
                   <a:schemeClr val="tx1"/>
                 </a:solidFill>
                 <a:latin typeface="Calibri" pitchFamily="34" charset="0"/>
                 <a:cs typeface="Calibri" pitchFamily="34" charset="0"/>
               </a:rPr>
-              <a:t>.</a:t>
+              <a:t> ’ folder.</a:t>
             </a:r>
           </a:p>
           <a:p>
@@ -9951,7 +10044,7 @@
               <a:buFont typeface="Arial" pitchFamily="34" charset="0"/>
               <a:buChar char="•"/>
             </a:pPr>
-            <a:endParaRPr lang="en-US" sz="2000" dirty="0" smtClean="0">
+            <a:endParaRPr lang="en-US" sz="2400" dirty="0" smtClean="0">
               <a:solidFill>
                 <a:schemeClr val="tx1"/>
               </a:solidFill>
@@ -9965,51 +10058,43 @@
               <a:buChar char="•"/>
             </a:pPr>
             <a:r>
-              <a:rPr lang="en-US" sz="2000" dirty="0" smtClean="0">
+              <a:rPr lang="en-US" sz="2400" dirty="0" smtClean="0">
                 <a:solidFill>
                   <a:schemeClr val="tx1"/>
                 </a:solidFill>
                 <a:latin typeface="Calibri" pitchFamily="34" charset="0"/>
                 <a:cs typeface="Calibri" pitchFamily="34" charset="0"/>
               </a:rPr>
-              <a:t>   Data </a:t>
-            </a:r>
-            <a:r>
-              <a:rPr lang="en-US" sz="2000" dirty="0" smtClean="0">
+              <a:t>   Split dataset into train and test data and save it into ‘dataset’ folder.</a:t>
+            </a:r>
+          </a:p>
+          <a:p>
+            <a:pPr lvl="0">
+              <a:buFont typeface="Arial" pitchFamily="34" charset="0"/>
+              <a:buChar char="•"/>
+            </a:pPr>
+            <a:endParaRPr lang="en-US" sz="2400" dirty="0" smtClean="0">
+              <a:solidFill>
+                <a:schemeClr val="tx1"/>
+              </a:solidFill>
+              <a:latin typeface="Calibri" pitchFamily="34" charset="0"/>
+              <a:cs typeface="Calibri" pitchFamily="34" charset="0"/>
+            </a:endParaRPr>
+          </a:p>
+          <a:p>
+            <a:pPr lvl="0">
+              <a:buFont typeface="Arial" pitchFamily="34" charset="0"/>
+              <a:buChar char="•"/>
+            </a:pPr>
+            <a:r>
+              <a:rPr lang="en-US" sz="2400" dirty="0" smtClean="0">
                 <a:solidFill>
                   <a:schemeClr val="tx1"/>
                 </a:solidFill>
                 <a:latin typeface="Calibri" pitchFamily="34" charset="0"/>
                 <a:cs typeface="Calibri" pitchFamily="34" charset="0"/>
               </a:rPr>
-              <a:t>Drift-Check whether new dataset is having major data drift or not. Save the report.yml in </a:t>
-            </a:r>
-            <a:r>
-              <a:rPr lang="en-US" sz="2000" dirty="0" smtClean="0">
-                <a:solidFill>
-                  <a:schemeClr val="tx1"/>
-                </a:solidFill>
-                <a:latin typeface="Calibri" pitchFamily="34" charset="0"/>
-                <a:cs typeface="Calibri" pitchFamily="34" charset="0"/>
-              </a:rPr>
-              <a:t>   artifact </a:t>
-            </a:r>
-            <a:r>
-              <a:rPr lang="en-US" sz="2000" dirty="0" smtClean="0">
-                <a:solidFill>
-                  <a:schemeClr val="tx1"/>
-                </a:solidFill>
-                <a:latin typeface="Calibri" pitchFamily="34" charset="0"/>
-                <a:cs typeface="Calibri" pitchFamily="34" charset="0"/>
-              </a:rPr>
-              <a:t>folder</a:t>
-            </a:r>
-            <a:r>
-              <a:rPr lang="en-US" sz="2000" dirty="0" smtClean="0">
-                <a:latin typeface="Calibri" pitchFamily="34" charset="0"/>
-                <a:cs typeface="Calibri" pitchFamily="34" charset="0"/>
-              </a:rPr>
-              <a:t>.</a:t>
+              <a:t>   Save these folders in ‘artifact’ folder.</a:t>
             </a:r>
           </a:p>
           <a:p>
@@ -10057,7 +10142,7 @@
         </p:nvSpPr>
         <p:spPr>
           <a:xfrm>
-            <a:off x="595274" y="428604"/>
+            <a:off x="523836" y="500042"/>
             <a:ext cx="6429420" cy="523220"/>
           </a:xfrm>
           <a:prstGeom prst="rect">
@@ -10080,9 +10165,9 @@
                 <a:solidFill>
                   <a:schemeClr val="lt1"/>
                 </a:solidFill>
-                <a:latin typeface="Calibri" pitchFamily="34" charset="0"/>
+                <a:latin typeface="Aparajita"/>
                 <a:ea typeface="Times New Roman"/>
-                <a:cs typeface="Calibri" pitchFamily="34" charset="0"/>
+                <a:cs typeface="Times New Roman"/>
                 <a:sym typeface="Times New Roman"/>
               </a:rPr>
               <a:t> </a:t>
@@ -10118,7 +10203,7 @@
         <p:spPr>
           <a:xfrm>
             <a:off x="666712" y="1142984"/>
-            <a:ext cx="10787138" cy="5293757"/>
+            <a:ext cx="10787138" cy="4308872"/>
           </a:xfrm>
           <a:prstGeom prst="rect">
             <a:avLst/>
@@ -10140,37 +10225,7 @@
                 <a:latin typeface="Calibri" pitchFamily="34" charset="0"/>
                 <a:cs typeface="Calibri" pitchFamily="34" charset="0"/>
               </a:rPr>
-              <a:t>3</a:t>
-            </a:r>
-            <a:r>
-              <a:rPr lang="en-US" sz="2400" b="1" dirty="0" smtClean="0">
-                <a:solidFill>
-                  <a:schemeClr val="tx1"/>
-                </a:solidFill>
-                <a:latin typeface="Calibri" pitchFamily="34" charset="0"/>
-                <a:cs typeface="Calibri" pitchFamily="34" charset="0"/>
-              </a:rPr>
-              <a:t>. </a:t>
-            </a:r>
-            <a:r>
-              <a:rPr lang="en-US" sz="2400" b="1" dirty="0" smtClean="0">
-                <a:solidFill>
-                  <a:schemeClr val="tx1"/>
-                </a:solidFill>
-                <a:latin typeface="Calibri" pitchFamily="34" charset="0"/>
-                <a:cs typeface="Calibri" pitchFamily="34" charset="0"/>
-              </a:rPr>
-              <a:t>Data </a:t>
-            </a:r>
-            <a:r>
-              <a:rPr lang="en-US" sz="2400" b="1" dirty="0" smtClean="0">
-                <a:solidFill>
-                  <a:schemeClr val="tx1"/>
-                </a:solidFill>
-                <a:latin typeface="Calibri" pitchFamily="34" charset="0"/>
-                <a:cs typeface="Calibri" pitchFamily="34" charset="0"/>
-              </a:rPr>
-              <a:t>Transformation</a:t>
+              <a:t>2. Data validation</a:t>
             </a:r>
           </a:p>
           <a:p>
@@ -10184,46 +10239,19 @@
             </a:endParaRPr>
           </a:p>
           <a:p>
-            <a:r>
-              <a:rPr lang="en-US" sz="2000" dirty="0" smtClean="0">
-                <a:latin typeface="Calibri" pitchFamily="34" charset="0"/>
-                <a:cs typeface="Calibri" pitchFamily="34" charset="0"/>
-              </a:rPr>
-              <a:t>Pipeline used for data pre processing. Create two pipelines for transforming input and target features.</a:t>
-            </a:r>
-          </a:p>
-          <a:p>
             <a:pPr lvl="0">
               <a:buFont typeface="Arial" pitchFamily="34" charset="0"/>
               <a:buChar char="•"/>
             </a:pPr>
             <a:r>
-              <a:rPr lang="en-US" sz="2000" b="1" dirty="0" smtClean="0">
-                <a:latin typeface="Calibri" pitchFamily="34" charset="0"/>
-                <a:cs typeface="Calibri" pitchFamily="34" charset="0"/>
-              </a:rPr>
-              <a:t>   One </a:t>
-            </a:r>
-            <a:r>
-              <a:rPr lang="en-US" sz="2000" b="1" dirty="0" smtClean="0">
-                <a:latin typeface="Calibri" pitchFamily="34" charset="0"/>
-                <a:cs typeface="Calibri" pitchFamily="34" charset="0"/>
-              </a:rPr>
-              <a:t>hot encoding – </a:t>
-            </a:r>
-            <a:r>
-              <a:rPr lang="en-US" sz="2000" dirty="0" smtClean="0">
-                <a:latin typeface="Calibri" pitchFamily="34" charset="0"/>
-                <a:cs typeface="Calibri" pitchFamily="34" charset="0"/>
-              </a:rPr>
-              <a:t>Encode categorical columns using one hot encoder</a:t>
-            </a:r>
-            <a:r>
-              <a:rPr lang="en-US" sz="2000" dirty="0" smtClean="0">
-                <a:latin typeface="Calibri" pitchFamily="34" charset="0"/>
-                <a:cs typeface="Calibri" pitchFamily="34" charset="0"/>
-              </a:rPr>
-              <a:t>.</a:t>
+              <a:rPr lang="en-US" sz="2400" dirty="0" smtClean="0">
+                <a:solidFill>
+                  <a:schemeClr val="tx1"/>
+                </a:solidFill>
+                <a:latin typeface="Calibri" pitchFamily="34" charset="0"/>
+                <a:cs typeface="Calibri" pitchFamily="34" charset="0"/>
+              </a:rPr>
+              <a:t>   Null values- Drop the columns which have missing values more than specified threshold.</a:t>
             </a:r>
           </a:p>
           <a:p>
@@ -10231,7 +10259,10 @@
               <a:buFont typeface="Arial" pitchFamily="34" charset="0"/>
               <a:buChar char="•"/>
             </a:pPr>
-            <a:endParaRPr lang="en-US" sz="2000" dirty="0" smtClean="0">
+            <a:endParaRPr lang="en-US" sz="2400" dirty="0" smtClean="0">
+              <a:solidFill>
+                <a:schemeClr val="tx1"/>
+              </a:solidFill>
               <a:latin typeface="Calibri" pitchFamily="34" charset="0"/>
               <a:cs typeface="Calibri" pitchFamily="34" charset="0"/>
             </a:endParaRPr>
@@ -10242,60 +10273,14 @@
               <a:buChar char="•"/>
             </a:pPr>
             <a:r>
-              <a:rPr lang="en-US" sz="2000" b="1" dirty="0" smtClean="0">
-                <a:latin typeface="Calibri" pitchFamily="34" charset="0"/>
-                <a:cs typeface="Calibri" pitchFamily="34" charset="0"/>
-              </a:rPr>
-              <a:t>   Handling </a:t>
-            </a:r>
-            <a:r>
-              <a:rPr lang="en-US" sz="2000" b="1" dirty="0" smtClean="0">
-                <a:latin typeface="Calibri" pitchFamily="34" charset="0"/>
-                <a:cs typeface="Calibri" pitchFamily="34" charset="0"/>
-              </a:rPr>
-              <a:t>missing values-</a:t>
-            </a:r>
-            <a:r>
-              <a:rPr lang="en-US" sz="2000" dirty="0" smtClean="0">
-                <a:latin typeface="Calibri" pitchFamily="34" charset="0"/>
-                <a:cs typeface="Calibri" pitchFamily="34" charset="0"/>
-              </a:rPr>
-              <a:t> Use imputation techniques to impute missing values in columns </a:t>
-            </a:r>
-            <a:r>
-              <a:rPr lang="en-US" sz="2000" dirty="0" err="1" smtClean="0">
-                <a:latin typeface="Calibri" pitchFamily="34" charset="0"/>
-                <a:cs typeface="Calibri" pitchFamily="34" charset="0"/>
-              </a:rPr>
-              <a:t>eg</a:t>
-            </a:r>
-            <a:r>
-              <a:rPr lang="en-US" sz="2000" dirty="0" smtClean="0">
-                <a:latin typeface="Calibri" pitchFamily="34" charset="0"/>
-                <a:cs typeface="Calibri" pitchFamily="34" charset="0"/>
-              </a:rPr>
-              <a:t>. </a:t>
-            </a:r>
-            <a:r>
-              <a:rPr lang="en-US" sz="2000" dirty="0" smtClean="0">
-                <a:latin typeface="Calibri" pitchFamily="34" charset="0"/>
-                <a:cs typeface="Calibri" pitchFamily="34" charset="0"/>
-              </a:rPr>
-              <a:t> Simple </a:t>
-            </a:r>
-            <a:r>
-              <a:rPr lang="en-US" sz="2000" dirty="0" smtClean="0">
-                <a:latin typeface="Calibri" pitchFamily="34" charset="0"/>
-                <a:cs typeface="Calibri" pitchFamily="34" charset="0"/>
-              </a:rPr>
-              <a:t>imputer, KNN imputer etc</a:t>
-            </a:r>
-            <a:r>
-              <a:rPr lang="en-US" sz="2000" dirty="0" smtClean="0">
-                <a:latin typeface="Calibri" pitchFamily="34" charset="0"/>
-                <a:cs typeface="Calibri" pitchFamily="34" charset="0"/>
-              </a:rPr>
-              <a:t>.</a:t>
+              <a:rPr lang="en-US" sz="2400" dirty="0" smtClean="0">
+                <a:solidFill>
+                  <a:schemeClr val="tx1"/>
+                </a:solidFill>
+                <a:latin typeface="Calibri" pitchFamily="34" charset="0"/>
+                <a:cs typeface="Calibri" pitchFamily="34" charset="0"/>
+              </a:rPr>
+              <a:t>   Data-type – If required change data type of columns.</a:t>
             </a:r>
           </a:p>
           <a:p>
@@ -10303,7 +10288,10 @@
               <a:buFont typeface="Arial" pitchFamily="34" charset="0"/>
               <a:buChar char="•"/>
             </a:pPr>
-            <a:endParaRPr lang="en-US" sz="2000" dirty="0" smtClean="0">
+            <a:endParaRPr lang="en-US" sz="2400" dirty="0" smtClean="0">
+              <a:solidFill>
+                <a:schemeClr val="tx1"/>
+              </a:solidFill>
               <a:latin typeface="Calibri" pitchFamily="34" charset="0"/>
               <a:cs typeface="Calibri" pitchFamily="34" charset="0"/>
             </a:endParaRPr>
@@ -10314,60 +10302,14 @@
               <a:buChar char="•"/>
             </a:pPr>
             <a:r>
-              <a:rPr lang="en-US" sz="2000" b="1" dirty="0" smtClean="0">
-                <a:latin typeface="Calibri" pitchFamily="34" charset="0"/>
-                <a:cs typeface="Calibri" pitchFamily="34" charset="0"/>
-              </a:rPr>
-              <a:t>  Feature </a:t>
-            </a:r>
-            <a:r>
-              <a:rPr lang="en-US" sz="2000" b="1" dirty="0" smtClean="0">
-                <a:latin typeface="Calibri" pitchFamily="34" charset="0"/>
-                <a:cs typeface="Calibri" pitchFamily="34" charset="0"/>
-              </a:rPr>
-              <a:t>Scaling-</a:t>
-            </a:r>
-            <a:r>
-              <a:rPr lang="en-US" sz="2000" dirty="0" smtClean="0">
-                <a:latin typeface="Calibri" pitchFamily="34" charset="0"/>
-                <a:cs typeface="Calibri" pitchFamily="34" charset="0"/>
-              </a:rPr>
-              <a:t> Try Standard </a:t>
-            </a:r>
-            <a:r>
-              <a:rPr lang="en-US" sz="2000" dirty="0" err="1" smtClean="0">
-                <a:latin typeface="Calibri" pitchFamily="34" charset="0"/>
-                <a:cs typeface="Calibri" pitchFamily="34" charset="0"/>
-              </a:rPr>
-              <a:t>scaler</a:t>
-            </a:r>
-            <a:r>
-              <a:rPr lang="en-US" sz="2000" dirty="0" smtClean="0">
-                <a:latin typeface="Calibri" pitchFamily="34" charset="0"/>
-                <a:cs typeface="Calibri" pitchFamily="34" charset="0"/>
-              </a:rPr>
-              <a:t>, min max scalar or robust </a:t>
-            </a:r>
-            <a:r>
-              <a:rPr lang="en-US" sz="2000" dirty="0" err="1" smtClean="0">
-                <a:latin typeface="Calibri" pitchFamily="34" charset="0"/>
-                <a:cs typeface="Calibri" pitchFamily="34" charset="0"/>
-              </a:rPr>
-              <a:t>scaler</a:t>
-            </a:r>
-            <a:r>
-              <a:rPr lang="en-US" sz="2000" dirty="0" smtClean="0">
-                <a:latin typeface="Calibri" pitchFamily="34" charset="0"/>
-                <a:cs typeface="Calibri" pitchFamily="34" charset="0"/>
-              </a:rPr>
-              <a:t> for scaling</a:t>
-            </a:r>
-            <a:r>
-              <a:rPr lang="en-US" sz="2000" dirty="0" smtClean="0">
-                <a:latin typeface="Calibri" pitchFamily="34" charset="0"/>
-                <a:cs typeface="Calibri" pitchFamily="34" charset="0"/>
-              </a:rPr>
-              <a:t>.</a:t>
+              <a:rPr lang="en-US" sz="2400" dirty="0" smtClean="0">
+                <a:solidFill>
+                  <a:schemeClr val="tx1"/>
+                </a:solidFill>
+                <a:latin typeface="Calibri" pitchFamily="34" charset="0"/>
+                <a:cs typeface="Calibri" pitchFamily="34" charset="0"/>
+              </a:rPr>
+              <a:t>   No of columns -Validate the number of columns present in the files.</a:t>
             </a:r>
           </a:p>
           <a:p>
@@ -10375,7 +10317,10 @@
               <a:buFont typeface="Arial" pitchFamily="34" charset="0"/>
               <a:buChar char="•"/>
             </a:pPr>
-            <a:endParaRPr lang="en-US" sz="2000" dirty="0" smtClean="0">
+            <a:endParaRPr lang="en-US" sz="2400" dirty="0" smtClean="0">
+              <a:solidFill>
+                <a:schemeClr val="tx1"/>
+              </a:solidFill>
               <a:latin typeface="Calibri" pitchFamily="34" charset="0"/>
               <a:cs typeface="Calibri" pitchFamily="34" charset="0"/>
             </a:endParaRPr>
@@ -10386,141 +10331,21 @@
               <a:buChar char="•"/>
             </a:pPr>
             <a:r>
-              <a:rPr lang="en-US" sz="2000" b="1" dirty="0" smtClean="0">
-                <a:latin typeface="Calibri" pitchFamily="34" charset="0"/>
-                <a:cs typeface="Calibri" pitchFamily="34" charset="0"/>
-              </a:rPr>
-              <a:t>  Outlier </a:t>
-            </a:r>
-            <a:r>
-              <a:rPr lang="en-US" sz="2000" b="1" dirty="0" smtClean="0">
-                <a:latin typeface="Calibri" pitchFamily="34" charset="0"/>
-                <a:cs typeface="Calibri" pitchFamily="34" charset="0"/>
-              </a:rPr>
-              <a:t>handling-</a:t>
-            </a:r>
-            <a:r>
-              <a:rPr lang="en-US" sz="2000" dirty="0" smtClean="0">
-                <a:latin typeface="Calibri" pitchFamily="34" charset="0"/>
-                <a:cs typeface="Calibri" pitchFamily="34" charset="0"/>
-              </a:rPr>
-              <a:t>Use inter-</a:t>
-            </a:r>
-            <a:r>
-              <a:rPr lang="en-US" sz="2000" dirty="0" err="1" smtClean="0">
-                <a:latin typeface="Calibri" pitchFamily="34" charset="0"/>
-                <a:cs typeface="Calibri" pitchFamily="34" charset="0"/>
-              </a:rPr>
-              <a:t>quantile</a:t>
-            </a:r>
-            <a:r>
-              <a:rPr lang="en-US" sz="2000" dirty="0" smtClean="0">
-                <a:latin typeface="Calibri" pitchFamily="34" charset="0"/>
-                <a:cs typeface="Calibri" pitchFamily="34" charset="0"/>
-              </a:rPr>
-              <a:t> range method to handle outlier/robust </a:t>
-            </a:r>
-            <a:r>
-              <a:rPr lang="en-US" sz="2000" dirty="0" err="1" smtClean="0">
-                <a:latin typeface="Calibri" pitchFamily="34" charset="0"/>
-                <a:cs typeface="Calibri" pitchFamily="34" charset="0"/>
-              </a:rPr>
-              <a:t>scaler</a:t>
-            </a:r>
-            <a:r>
-              <a:rPr lang="en-US" sz="2000" dirty="0" smtClean="0">
+              <a:rPr lang="en-US" sz="2400" dirty="0" smtClean="0">
+                <a:solidFill>
+                  <a:schemeClr val="tx1"/>
+                </a:solidFill>
+                <a:latin typeface="Calibri" pitchFamily="34" charset="0"/>
+                <a:cs typeface="Calibri" pitchFamily="34" charset="0"/>
+              </a:rPr>
+              <a:t>   Data Drift-Check whether new dataset is having major data drift or not. Save the report.yml in    artifact folder</a:t>
+            </a:r>
+            <a:r>
+              <a:rPr lang="en-US" sz="2400" dirty="0" smtClean="0">
                 <a:latin typeface="Calibri" pitchFamily="34" charset="0"/>
                 <a:cs typeface="Calibri" pitchFamily="34" charset="0"/>
               </a:rPr>
               <a:t>.</a:t>
-            </a:r>
-          </a:p>
-          <a:p>
-            <a:pPr lvl="0">
-              <a:buFont typeface="Arial" pitchFamily="34" charset="0"/>
-              <a:buChar char="•"/>
-            </a:pPr>
-            <a:endParaRPr lang="en-US" sz="2000" dirty="0" smtClean="0">
-              <a:latin typeface="Calibri" pitchFamily="34" charset="0"/>
-              <a:cs typeface="Calibri" pitchFamily="34" charset="0"/>
-            </a:endParaRPr>
-          </a:p>
-          <a:p>
-            <a:pPr lvl="0">
-              <a:buFont typeface="Arial" pitchFamily="34" charset="0"/>
-              <a:buChar char="•"/>
-            </a:pPr>
-            <a:r>
-              <a:rPr lang="en-US" sz="2000" b="1" dirty="0" smtClean="0">
-                <a:latin typeface="Calibri" pitchFamily="34" charset="0"/>
-                <a:cs typeface="Calibri" pitchFamily="34" charset="0"/>
-              </a:rPr>
-              <a:t>  Imbalanced </a:t>
-            </a:r>
-            <a:r>
-              <a:rPr lang="en-US" sz="2000" b="1" dirty="0" smtClean="0">
-                <a:latin typeface="Calibri" pitchFamily="34" charset="0"/>
-                <a:cs typeface="Calibri" pitchFamily="34" charset="0"/>
-              </a:rPr>
-              <a:t>data-</a:t>
-            </a:r>
-            <a:r>
-              <a:rPr lang="en-US" sz="2000" dirty="0" smtClean="0">
-                <a:latin typeface="Calibri" pitchFamily="34" charset="0"/>
-                <a:cs typeface="Calibri" pitchFamily="34" charset="0"/>
-              </a:rPr>
-              <a:t> Use </a:t>
-            </a:r>
-            <a:r>
-              <a:rPr lang="en-US" sz="2000" dirty="0" err="1" smtClean="0">
-                <a:latin typeface="Calibri" pitchFamily="34" charset="0"/>
-                <a:cs typeface="Calibri" pitchFamily="34" charset="0"/>
-              </a:rPr>
-              <a:t>SMOTETomek</a:t>
-            </a:r>
-            <a:r>
-              <a:rPr lang="en-US" sz="2000" dirty="0" smtClean="0">
-                <a:latin typeface="Calibri" pitchFamily="34" charset="0"/>
-                <a:cs typeface="Calibri" pitchFamily="34" charset="0"/>
-              </a:rPr>
-              <a:t> technique to handle imbalanced data</a:t>
-            </a:r>
-            <a:r>
-              <a:rPr lang="en-US" sz="2000" dirty="0" smtClean="0">
-                <a:latin typeface="Calibri" pitchFamily="34" charset="0"/>
-                <a:cs typeface="Calibri" pitchFamily="34" charset="0"/>
-              </a:rPr>
-              <a:t>.</a:t>
-            </a:r>
-          </a:p>
-          <a:p>
-            <a:pPr lvl="0">
-              <a:buFont typeface="Arial" pitchFamily="34" charset="0"/>
-              <a:buChar char="•"/>
-            </a:pPr>
-            <a:endParaRPr lang="en-US" sz="2000" dirty="0" smtClean="0">
-              <a:latin typeface="Calibri" pitchFamily="34" charset="0"/>
-              <a:cs typeface="Calibri" pitchFamily="34" charset="0"/>
-            </a:endParaRPr>
-          </a:p>
-          <a:p>
-            <a:pPr lvl="0">
-              <a:buFont typeface="Arial" pitchFamily="34" charset="0"/>
-              <a:buChar char="•"/>
-            </a:pPr>
-            <a:r>
-              <a:rPr lang="en-US" sz="2000" dirty="0" smtClean="0">
-                <a:latin typeface="Calibri" pitchFamily="34" charset="0"/>
-                <a:cs typeface="Calibri" pitchFamily="34" charset="0"/>
-              </a:rPr>
-              <a:t>   Save </a:t>
-            </a:r>
-            <a:r>
-              <a:rPr lang="en-US" sz="2000" dirty="0" smtClean="0">
-                <a:latin typeface="Calibri" pitchFamily="34" charset="0"/>
-                <a:cs typeface="Calibri" pitchFamily="34" charset="0"/>
-              </a:rPr>
-              <a:t>input feature transformation as transformer.pkl, target feature as transformer_target.pkl, train data as train.npz and test data as test.npz in artifact folder.</a:t>
             </a:r>
           </a:p>
           <a:p>
@@ -10568,7 +10393,7 @@
         </p:nvSpPr>
         <p:spPr>
           <a:xfrm>
-            <a:off x="595274" y="642918"/>
+            <a:off x="595274" y="428604"/>
             <a:ext cx="6429420" cy="523220"/>
           </a:xfrm>
           <a:prstGeom prst="rect">
@@ -10628,8 +10453,8 @@
         </p:nvSpPr>
         <p:spPr>
           <a:xfrm>
-            <a:off x="738150" y="1214422"/>
-            <a:ext cx="10787138" cy="4678204"/>
+            <a:off x="666712" y="1142984"/>
+            <a:ext cx="10787138" cy="5293757"/>
           </a:xfrm>
           <a:prstGeom prst="rect">
             <a:avLst/>
@@ -10651,85 +10476,212 @@
                 <a:latin typeface="Calibri" pitchFamily="34" charset="0"/>
                 <a:cs typeface="Calibri" pitchFamily="34" charset="0"/>
               </a:rPr>
-              <a:t>4. </a:t>
-            </a:r>
-            <a:r>
-              <a:rPr lang="en-US" sz="2400" b="1" dirty="0" smtClean="0">
-                <a:latin typeface="Calibri" pitchFamily="34" charset="0"/>
-                <a:cs typeface="Calibri" pitchFamily="34" charset="0"/>
-              </a:rPr>
-              <a:t>Model Training</a:t>
-            </a:r>
-            <a:endParaRPr lang="en-US" sz="2400" dirty="0" smtClean="0">
+              <a:t>3. Data Transformation</a:t>
+            </a:r>
+          </a:p>
+          <a:p>
+            <a:pPr lvl="2"/>
+            <a:endParaRPr lang="en-US" sz="2000" b="1" dirty="0" smtClean="0">
+              <a:solidFill>
+                <a:schemeClr val="tx1"/>
+              </a:solidFill>
               <a:latin typeface="Calibri" pitchFamily="34" charset="0"/>
               <a:cs typeface="Calibri" pitchFamily="34" charset="0"/>
             </a:endParaRPr>
           </a:p>
           <a:p>
+            <a:r>
+              <a:rPr lang="en-US" sz="2000" dirty="0" smtClean="0">
+                <a:latin typeface="Calibri" pitchFamily="34" charset="0"/>
+                <a:cs typeface="Calibri" pitchFamily="34" charset="0"/>
+              </a:rPr>
+              <a:t>Pipeline used for data pre processing. Create two pipelines for transforming input and target features.</a:t>
+            </a:r>
+          </a:p>
+          <a:p>
             <a:pPr lvl="0">
               <a:buFont typeface="Arial" pitchFamily="34" charset="0"/>
               <a:buChar char="•"/>
             </a:pPr>
             <a:r>
+              <a:rPr lang="en-US" sz="2000" b="1" dirty="0" smtClean="0">
+                <a:latin typeface="Calibri" pitchFamily="34" charset="0"/>
+                <a:cs typeface="Calibri" pitchFamily="34" charset="0"/>
+              </a:rPr>
+              <a:t>   One hot encoding – </a:t>
+            </a:r>
+            <a:r>
               <a:rPr lang="en-US" sz="2000" dirty="0" smtClean="0">
                 <a:latin typeface="Calibri" pitchFamily="34" charset="0"/>
                 <a:cs typeface="Calibri" pitchFamily="34" charset="0"/>
               </a:rPr>
-              <a:t>   There </a:t>
-            </a:r>
-            <a:r>
-              <a:rPr lang="en-US" sz="2000" dirty="0" smtClean="0">
-                <a:latin typeface="Calibri" pitchFamily="34" charset="0"/>
-                <a:cs typeface="Calibri" pitchFamily="34" charset="0"/>
-              </a:rPr>
-              <a:t>are two approaches for model training </a:t>
-            </a:r>
+              <a:t>Encode categorical columns using one hot encoder.</a:t>
+            </a:r>
+          </a:p>
+          <a:p>
+            <a:pPr lvl="0">
+              <a:buFont typeface="Arial" pitchFamily="34" charset="0"/>
+              <a:buChar char="•"/>
+            </a:pPr>
             <a:endParaRPr lang="en-US" sz="2000" dirty="0" smtClean="0">
               <a:latin typeface="Calibri" pitchFamily="34" charset="0"/>
               <a:cs typeface="Calibri" pitchFamily="34" charset="0"/>
             </a:endParaRPr>
           </a:p>
           <a:p>
-            <a:pPr lvl="0"/>
+            <a:pPr lvl="0">
+              <a:buFont typeface="Arial" pitchFamily="34" charset="0"/>
+              <a:buChar char="•"/>
+            </a:pPr>
+            <a:r>
+              <a:rPr lang="en-US" sz="2000" b="1" dirty="0" smtClean="0">
+                <a:latin typeface="Calibri" pitchFamily="34" charset="0"/>
+                <a:cs typeface="Calibri" pitchFamily="34" charset="0"/>
+              </a:rPr>
+              <a:t>   Handling missing values-</a:t>
+            </a:r>
+            <a:r>
+              <a:rPr lang="en-US" sz="2000" dirty="0" smtClean="0">
+                <a:latin typeface="Calibri" pitchFamily="34" charset="0"/>
+                <a:cs typeface="Calibri" pitchFamily="34" charset="0"/>
+              </a:rPr>
+              <a:t> Use imputation techniques to impute missing values in columns </a:t>
+            </a:r>
+            <a:r>
+              <a:rPr lang="en-US" sz="2000" dirty="0" err="1" smtClean="0">
+                <a:latin typeface="Calibri" pitchFamily="34" charset="0"/>
+                <a:cs typeface="Calibri" pitchFamily="34" charset="0"/>
+              </a:rPr>
+              <a:t>eg</a:t>
+            </a:r>
+            <a:r>
+              <a:rPr lang="en-US" sz="2000" dirty="0" smtClean="0">
+                <a:latin typeface="Calibri" pitchFamily="34" charset="0"/>
+                <a:cs typeface="Calibri" pitchFamily="34" charset="0"/>
+              </a:rPr>
+              <a:t>.  Simple imputer, KNN imputer etc.</a:t>
+            </a:r>
+          </a:p>
+          <a:p>
+            <a:pPr lvl="0">
+              <a:buFont typeface="Arial" pitchFamily="34" charset="0"/>
+              <a:buChar char="•"/>
+            </a:pPr>
             <a:endParaRPr lang="en-US" sz="2000" dirty="0" smtClean="0">
               <a:latin typeface="Calibri" pitchFamily="34" charset="0"/>
               <a:cs typeface="Calibri" pitchFamily="34" charset="0"/>
             </a:endParaRPr>
           </a:p>
           <a:p>
-            <a:pPr marL="457200" lvl="0" indent="-457200">
-              <a:buFont typeface="+mj-lt"/>
-              <a:buAutoNum type="arabicPeriod"/>
-            </a:pPr>
+            <a:pPr lvl="0">
+              <a:buFont typeface="Arial" pitchFamily="34" charset="0"/>
+              <a:buChar char="•"/>
+            </a:pPr>
+            <a:r>
+              <a:rPr lang="en-US" sz="2000" b="1" dirty="0" smtClean="0">
+                <a:latin typeface="Calibri" pitchFamily="34" charset="0"/>
+                <a:cs typeface="Calibri" pitchFamily="34" charset="0"/>
+              </a:rPr>
+              <a:t>  Feature Scaling-</a:t>
+            </a:r>
             <a:r>
               <a:rPr lang="en-US" sz="2000" dirty="0" smtClean="0">
                 <a:latin typeface="Calibri" pitchFamily="34" charset="0"/>
                 <a:cs typeface="Calibri" pitchFamily="34" charset="0"/>
               </a:rPr>
-              <a:t>Using single algorithm </a:t>
-            </a:r>
-          </a:p>
-          <a:p>
-            <a:pPr marL="457200" lvl="0" indent="-457200">
-              <a:buFont typeface="+mj-lt"/>
-              <a:buAutoNum type="arabicPeriod"/>
-            </a:pPr>
+              <a:t> Try Standard </a:t>
+            </a:r>
+            <a:r>
+              <a:rPr lang="en-US" sz="2000" dirty="0" err="1" smtClean="0">
+                <a:latin typeface="Calibri" pitchFamily="34" charset="0"/>
+                <a:cs typeface="Calibri" pitchFamily="34" charset="0"/>
+              </a:rPr>
+              <a:t>scaler</a:t>
+            </a:r>
             <a:r>
               <a:rPr lang="en-US" sz="2000" dirty="0" smtClean="0">
                 <a:latin typeface="Calibri" pitchFamily="34" charset="0"/>
                 <a:cs typeface="Calibri" pitchFamily="34" charset="0"/>
               </a:rPr>
-              <a:t>Multimodal system </a:t>
-            </a:r>
+              <a:t>, min max scalar or robust </a:t>
+            </a:r>
+            <a:r>
+              <a:rPr lang="en-US" sz="2000" dirty="0" err="1" smtClean="0">
+                <a:latin typeface="Calibri" pitchFamily="34" charset="0"/>
+                <a:cs typeface="Calibri" pitchFamily="34" charset="0"/>
+              </a:rPr>
+              <a:t>scaler</a:t>
+            </a:r>
+            <a:r>
+              <a:rPr lang="en-US" sz="2000" dirty="0" smtClean="0">
+                <a:latin typeface="Calibri" pitchFamily="34" charset="0"/>
+                <a:cs typeface="Calibri" pitchFamily="34" charset="0"/>
+              </a:rPr>
+              <a:t> for scaling.</a:t>
+            </a:r>
+          </a:p>
+          <a:p>
+            <a:pPr lvl="0">
+              <a:buFont typeface="Arial" pitchFamily="34" charset="0"/>
+              <a:buChar char="•"/>
+            </a:pPr>
             <a:endParaRPr lang="en-US" sz="2000" dirty="0" smtClean="0">
               <a:latin typeface="Calibri" pitchFamily="34" charset="0"/>
               <a:cs typeface="Calibri" pitchFamily="34" charset="0"/>
             </a:endParaRPr>
           </a:p>
           <a:p>
-            <a:pPr marL="457200" lvl="0" indent="-457200">
-              <a:buFont typeface="+mj-lt"/>
-              <a:buAutoNum type="arabicPeriod"/>
+            <a:pPr lvl="0">
+              <a:buFont typeface="Arial" pitchFamily="34" charset="0"/>
+              <a:buChar char="•"/>
+            </a:pPr>
+            <a:r>
+              <a:rPr lang="en-US" sz="2000" b="1" dirty="0" smtClean="0">
+                <a:latin typeface="Calibri" pitchFamily="34" charset="0"/>
+                <a:cs typeface="Calibri" pitchFamily="34" charset="0"/>
+              </a:rPr>
+              <a:t>  Outlier handling-</a:t>
+            </a:r>
+            <a:r>
+              <a:rPr lang="en-US" sz="2000" dirty="0" smtClean="0">
+                <a:latin typeface="Calibri" pitchFamily="34" charset="0"/>
+                <a:cs typeface="Calibri" pitchFamily="34" charset="0"/>
+              </a:rPr>
+              <a:t>Use inter-</a:t>
+            </a:r>
+            <a:r>
+              <a:rPr lang="en-US" sz="2000" dirty="0" err="1" smtClean="0">
+                <a:latin typeface="Calibri" pitchFamily="34" charset="0"/>
+                <a:cs typeface="Calibri" pitchFamily="34" charset="0"/>
+              </a:rPr>
+              <a:t>quantile</a:t>
+            </a:r>
+            <a:r>
+              <a:rPr lang="en-US" sz="2000" dirty="0" smtClean="0">
+                <a:latin typeface="Calibri" pitchFamily="34" charset="0"/>
+                <a:cs typeface="Calibri" pitchFamily="34" charset="0"/>
+              </a:rPr>
+              <a:t> range method to handle outlier/robust </a:t>
+            </a:r>
+            <a:r>
+              <a:rPr lang="en-US" sz="2000" dirty="0" err="1" smtClean="0">
+                <a:latin typeface="Calibri" pitchFamily="34" charset="0"/>
+                <a:cs typeface="Calibri" pitchFamily="34" charset="0"/>
+              </a:rPr>
+              <a:t>scaler</a:t>
+            </a:r>
+            <a:r>
+              <a:rPr lang="en-US" sz="2000" dirty="0" smtClean="0">
+                <a:latin typeface="Calibri" pitchFamily="34" charset="0"/>
+                <a:cs typeface="Calibri" pitchFamily="34" charset="0"/>
+              </a:rPr>
+              <a:t>.</a:t>
+            </a:r>
+          </a:p>
+          <a:p>
+            <a:pPr lvl="0">
+              <a:buFont typeface="Arial" pitchFamily="34" charset="0"/>
+              <a:buChar char="•"/>
             </a:pPr>
             <a:endParaRPr lang="en-US" sz="2000" dirty="0" smtClean="0">
               <a:latin typeface="Calibri" pitchFamily="34" charset="0"/>
@@ -10742,32 +10694,32 @@
               <a:buChar char="•"/>
             </a:pPr>
             <a:r>
+              <a:rPr lang="en-US" sz="2000" b="1" dirty="0" smtClean="0">
+                <a:latin typeface="Calibri" pitchFamily="34" charset="0"/>
+                <a:cs typeface="Calibri" pitchFamily="34" charset="0"/>
+              </a:rPr>
+              <a:t>  Imbalanced data-</a:t>
+            </a:r>
+            <a:r>
               <a:rPr lang="en-US" sz="2000" dirty="0" smtClean="0">
                 <a:latin typeface="Calibri" pitchFamily="34" charset="0"/>
                 <a:cs typeface="Calibri" pitchFamily="34" charset="0"/>
               </a:rPr>
-              <a:t>   We </a:t>
+              <a:t> Use </a:t>
+            </a:r>
+            <a:r>
+              <a:rPr lang="en-US" sz="2000" dirty="0" err="1" smtClean="0">
+                <a:latin typeface="Calibri" pitchFamily="34" charset="0"/>
+                <a:cs typeface="Calibri" pitchFamily="34" charset="0"/>
+              </a:rPr>
+              <a:t>SMOTETomek</a:t>
             </a:r>
             <a:r>
               <a:rPr lang="en-US" sz="2000" dirty="0" smtClean="0">
                 <a:latin typeface="Calibri" pitchFamily="34" charset="0"/>
                 <a:cs typeface="Calibri" pitchFamily="34" charset="0"/>
               </a:rPr>
-              <a:t>adapted multimodal approach where model is being trained on multiple algorithms and </a:t>
-            </a:r>
-            <a:r>
-              <a:rPr lang="en-US" sz="2000" dirty="0" smtClean="0">
-                <a:latin typeface="Calibri" pitchFamily="34" charset="0"/>
-                <a:cs typeface="Calibri" pitchFamily="34" charset="0"/>
-              </a:rPr>
-              <a:t>  selected </a:t>
-            </a:r>
-            <a:r>
-              <a:rPr lang="en-US" sz="2000" dirty="0" smtClean="0">
-                <a:latin typeface="Calibri" pitchFamily="34" charset="0"/>
-                <a:cs typeface="Calibri" pitchFamily="34" charset="0"/>
-              </a:rPr>
-              <a:t>one which gives high accuracy after hyper parameter tuning.</a:t>
+              <a:t> technique to handle imbalanced data.</a:t>
             </a:r>
           </a:p>
           <a:p>
@@ -10775,55 +10727,12 @@
               <a:buFont typeface="Arial" pitchFamily="34" charset="0"/>
               <a:buChar char="•"/>
             </a:pPr>
-            <a:r>
-              <a:rPr lang="en-US" sz="2000" b="1" dirty="0" smtClean="0">
-                <a:latin typeface="Calibri" pitchFamily="34" charset="0"/>
-                <a:cs typeface="Calibri" pitchFamily="34" charset="0"/>
-              </a:rPr>
-              <a:t>   Hyper </a:t>
-            </a:r>
-            <a:r>
-              <a:rPr lang="en-US" sz="2000" b="1" dirty="0" smtClean="0">
-                <a:latin typeface="Calibri" pitchFamily="34" charset="0"/>
-                <a:cs typeface="Calibri" pitchFamily="34" charset="0"/>
-              </a:rPr>
-              <a:t>parameter tuning:</a:t>
-            </a:r>
             <a:endParaRPr lang="en-US" sz="2000" dirty="0" smtClean="0">
               <a:latin typeface="Calibri" pitchFamily="34" charset="0"/>
               <a:cs typeface="Calibri" pitchFamily="34" charset="0"/>
             </a:endParaRPr>
           </a:p>
           <a:p>
-            <a:r>
-              <a:rPr lang="en-US" sz="2000" dirty="0" smtClean="0">
-                <a:latin typeface="Calibri" pitchFamily="34" charset="0"/>
-                <a:cs typeface="Calibri" pitchFamily="34" charset="0"/>
-              </a:rPr>
-              <a:t>    Hyper </a:t>
-            </a:r>
-            <a:r>
-              <a:rPr lang="en-US" sz="2000" dirty="0" smtClean="0">
-                <a:latin typeface="Calibri" pitchFamily="34" charset="0"/>
-                <a:cs typeface="Calibri" pitchFamily="34" charset="0"/>
-              </a:rPr>
-              <a:t>parameter tuning was done by using Grid search algorithm</a:t>
-            </a:r>
-            <a:r>
-              <a:rPr lang="en-US" sz="2000" dirty="0" smtClean="0">
-                <a:latin typeface="Calibri" pitchFamily="34" charset="0"/>
-                <a:cs typeface="Calibri" pitchFamily="34" charset="0"/>
-              </a:rPr>
-              <a:t>.</a:t>
-            </a:r>
-          </a:p>
-          <a:p>
-            <a:endParaRPr lang="en-US" sz="2000" dirty="0" smtClean="0">
-              <a:latin typeface="Calibri" pitchFamily="34" charset="0"/>
-              <a:cs typeface="Calibri" pitchFamily="34" charset="0"/>
-            </a:endParaRPr>
-          </a:p>
-          <a:p>
             <a:pPr lvl="0">
               <a:buFont typeface="Arial" pitchFamily="34" charset="0"/>
               <a:buChar char="•"/>
@@ -10833,48 +10742,7 @@
                 <a:latin typeface="Calibri" pitchFamily="34" charset="0"/>
                 <a:cs typeface="Calibri" pitchFamily="34" charset="0"/>
               </a:rPr>
-              <a:t>    Test </a:t>
-            </a:r>
-            <a:r>
-              <a:rPr lang="en-US" sz="2000" dirty="0" smtClean="0">
-                <a:latin typeface="Calibri" pitchFamily="34" charset="0"/>
-                <a:cs typeface="Calibri" pitchFamily="34" charset="0"/>
-              </a:rPr>
-              <a:t>model for under fitting or over fitting</a:t>
-            </a:r>
-            <a:r>
-              <a:rPr lang="en-US" sz="2000" dirty="0" smtClean="0">
-                <a:latin typeface="Calibri" pitchFamily="34" charset="0"/>
-                <a:cs typeface="Calibri" pitchFamily="34" charset="0"/>
-              </a:rPr>
-              <a:t>.</a:t>
-            </a:r>
-          </a:p>
-          <a:p>
-            <a:pPr lvl="0"/>
-            <a:endParaRPr lang="en-US" sz="2000" dirty="0" smtClean="0">
-              <a:latin typeface="Calibri" pitchFamily="34" charset="0"/>
-              <a:cs typeface="Calibri" pitchFamily="34" charset="0"/>
-            </a:endParaRPr>
-          </a:p>
-          <a:p>
-            <a:pPr lvl="0">
-              <a:buFont typeface="Arial" pitchFamily="34" charset="0"/>
-              <a:buChar char="•"/>
-            </a:pPr>
-            <a:r>
-              <a:rPr lang="en-US" sz="2000" dirty="0" smtClean="0">
-                <a:latin typeface="Calibri" pitchFamily="34" charset="0"/>
-                <a:cs typeface="Calibri" pitchFamily="34" charset="0"/>
-              </a:rPr>
-              <a:t>    Save </a:t>
-            </a:r>
-            <a:r>
-              <a:rPr lang="en-US" sz="2000" dirty="0" smtClean="0">
-                <a:latin typeface="Calibri" pitchFamily="34" charset="0"/>
-                <a:cs typeface="Calibri" pitchFamily="34" charset="0"/>
-              </a:rPr>
-              <a:t>in best trained model in pickle format artifact folder as model.pkl.</a:t>
+              <a:t>   Save input feature transformation as transformer.pkl, target feature as transformer_target.pkl, train data as train.npz and test data as test.npz in artifact folder.</a:t>
             </a:r>
           </a:p>
           <a:p>
@@ -10983,7 +10851,7 @@
         <p:spPr>
           <a:xfrm>
             <a:off x="738150" y="1214422"/>
-            <a:ext cx="10787138" cy="1661993"/>
+            <a:ext cx="10787138" cy="4678204"/>
           </a:xfrm>
           <a:prstGeom prst="rect">
             <a:avLst/>
@@ -11005,43 +10873,32 @@
                 <a:latin typeface="Calibri" pitchFamily="34" charset="0"/>
                 <a:cs typeface="Calibri" pitchFamily="34" charset="0"/>
               </a:rPr>
-              <a:t>5. </a:t>
+              <a:t>4. </a:t>
             </a:r>
             <a:r>
               <a:rPr lang="en-US" sz="2400" b="1" dirty="0" smtClean="0">
                 <a:latin typeface="Calibri" pitchFamily="34" charset="0"/>
                 <a:cs typeface="Calibri" pitchFamily="34" charset="0"/>
               </a:rPr>
-              <a:t>Model </a:t>
-            </a:r>
-            <a:r>
-              <a:rPr lang="en-US" sz="2400" b="1" dirty="0" smtClean="0">
-                <a:latin typeface="Calibri" pitchFamily="34" charset="0"/>
-                <a:cs typeface="Calibri" pitchFamily="34" charset="0"/>
-              </a:rPr>
-              <a:t>Evaluation</a:t>
-            </a:r>
-          </a:p>
-          <a:p>
-            <a:pPr lvl="2"/>
+              <a:t>Model Training</a:t>
+            </a:r>
             <a:endParaRPr lang="en-US" sz="2400" dirty="0" smtClean="0">
               <a:latin typeface="Calibri" pitchFamily="34" charset="0"/>
               <a:cs typeface="Calibri" pitchFamily="34" charset="0"/>
             </a:endParaRPr>
           </a:p>
           <a:p>
+            <a:pPr lvl="0">
+              <a:buFont typeface="Arial" pitchFamily="34" charset="0"/>
+              <a:buChar char="•"/>
+            </a:pPr>
             <a:r>
               <a:rPr lang="en-US" sz="2000" dirty="0" smtClean="0">
                 <a:latin typeface="Calibri" pitchFamily="34" charset="0"/>
                 <a:cs typeface="Calibri" pitchFamily="34" charset="0"/>
               </a:rPr>
-              <a:t>While re-training check whether current model performance with previous model</a:t>
-            </a:r>
-            <a:r>
-              <a:rPr lang="en-US" dirty="0" smtClean="0"/>
-              <a:t>.</a:t>
-            </a:r>
-            <a:endParaRPr lang="en-US" sz="1100" dirty="0" smtClean="0"/>
+              <a:t>   There are two approaches for model training </a:t>
+            </a:r>
           </a:p>
           <a:p>
             <a:pPr lvl="0"/>
@@ -11051,104 +10908,98 @@
             </a:endParaRPr>
           </a:p>
           <a:p>
-            <a:endParaRPr lang="en-US" dirty="0"/>
-          </a:p>
-        </p:txBody>
-      </p:sp>
-      <p:sp>
-        <p:nvSpPr>
-          <p:cNvPr id="5" name="TextBox 4"/>
-          <p:cNvSpPr txBox="1"/>
-          <p:nvPr/>
-        </p:nvSpPr>
-        <p:spPr>
-          <a:xfrm>
-            <a:off x="738150" y="3052891"/>
-            <a:ext cx="10787138" cy="2185214"/>
-          </a:xfrm>
-          <a:prstGeom prst="rect">
-            <a:avLst/>
-          </a:prstGeom>
-          <a:noFill/>
-        </p:spPr>
-        <p:txBody>
-          <a:bodyPr wrap="square" rtlCol="0">
-            <a:spAutoFit/>
-          </a:bodyPr>
-          <a:lstStyle/>
-          <a:p>
-            <a:pPr lvl="2"/>
-            <a:r>
-              <a:rPr lang="en-US" sz="2400" b="1" dirty="0" smtClean="0">
-                <a:solidFill>
-                  <a:schemeClr val="tx1"/>
-                </a:solidFill>
-                <a:latin typeface="Calibri" pitchFamily="34" charset="0"/>
-                <a:cs typeface="Calibri" pitchFamily="34" charset="0"/>
-              </a:rPr>
-              <a:t>6</a:t>
-            </a:r>
-            <a:r>
-              <a:rPr lang="en-US" sz="2400" b="1" dirty="0" smtClean="0">
-                <a:solidFill>
-                  <a:schemeClr val="tx1"/>
-                </a:solidFill>
-                <a:latin typeface="Calibri" pitchFamily="34" charset="0"/>
-                <a:cs typeface="Calibri" pitchFamily="34" charset="0"/>
-              </a:rPr>
-              <a:t>. </a:t>
-            </a:r>
-            <a:r>
-              <a:rPr lang="en-US" sz="2400" b="1" dirty="0" smtClean="0">
-                <a:latin typeface="Calibri" pitchFamily="34" charset="0"/>
-                <a:cs typeface="Calibri" pitchFamily="34" charset="0"/>
-              </a:rPr>
-              <a:t>Model </a:t>
-            </a:r>
-            <a:r>
-              <a:rPr lang="en-US" sz="2400" b="1" dirty="0" smtClean="0">
-                <a:latin typeface="Calibri" pitchFamily="34" charset="0"/>
-                <a:cs typeface="Calibri" pitchFamily="34" charset="0"/>
-              </a:rPr>
-              <a:t>Pusher</a:t>
-            </a:r>
-          </a:p>
-          <a:p>
-            <a:pPr lvl="2"/>
-            <a:endParaRPr lang="en-US" sz="2400" dirty="0" smtClean="0">
+            <a:pPr marL="457200" lvl="0" indent="-457200">
+              <a:buFont typeface="+mj-lt"/>
+              <a:buAutoNum type="arabicPeriod"/>
+            </a:pPr>
+            <a:r>
+              <a:rPr lang="en-US" sz="2000" dirty="0" smtClean="0">
+                <a:latin typeface="Calibri" pitchFamily="34" charset="0"/>
+                <a:cs typeface="Calibri" pitchFamily="34" charset="0"/>
+              </a:rPr>
+              <a:t>Using single algorithm </a:t>
+            </a:r>
+          </a:p>
+          <a:p>
+            <a:pPr marL="457200" lvl="0" indent="-457200">
+              <a:buFont typeface="+mj-lt"/>
+              <a:buAutoNum type="arabicPeriod"/>
+            </a:pPr>
+            <a:r>
+              <a:rPr lang="en-US" sz="2000" dirty="0" smtClean="0">
+                <a:latin typeface="Calibri" pitchFamily="34" charset="0"/>
+                <a:cs typeface="Calibri" pitchFamily="34" charset="0"/>
+              </a:rPr>
+              <a:t>Multimodal system </a:t>
+            </a:r>
+          </a:p>
+          <a:p>
+            <a:pPr marL="457200" lvl="0" indent="-457200">
+              <a:buFont typeface="+mj-lt"/>
+              <a:buAutoNum type="arabicPeriod"/>
+            </a:pPr>
+            <a:endParaRPr lang="en-US" sz="2000" dirty="0" smtClean="0">
               <a:latin typeface="Calibri" pitchFamily="34" charset="0"/>
               <a:cs typeface="Calibri" pitchFamily="34" charset="0"/>
             </a:endParaRPr>
           </a:p>
           <a:p>
+            <a:pPr lvl="0">
+              <a:buFont typeface="Arial" pitchFamily="34" charset="0"/>
+              <a:buChar char="•"/>
+            </a:pPr>
             <a:r>
               <a:rPr lang="en-US" sz="2000" dirty="0" smtClean="0">
                 <a:latin typeface="Calibri" pitchFamily="34" charset="0"/>
                 <a:cs typeface="Calibri" pitchFamily="34" charset="0"/>
               </a:rPr>
-              <a:t>Save trained model and transformed feature files in </a:t>
-            </a:r>
-            <a:r>
-              <a:rPr lang="en-US" sz="2000" dirty="0" err="1" smtClean="0">
-                <a:latin typeface="Calibri" pitchFamily="34" charset="0"/>
-                <a:cs typeface="Calibri" pitchFamily="34" charset="0"/>
-              </a:rPr>
-              <a:t>saved_models</a:t>
-            </a:r>
+              <a:t>   We adapted multimodal approach where model is being trained on multiple algorithms and   selected one which gives high accuracy after hyper parameter tuning.</a:t>
+            </a:r>
+          </a:p>
+          <a:p>
+            <a:pPr lvl="0">
+              <a:buFont typeface="Arial" pitchFamily="34" charset="0"/>
+              <a:buChar char="•"/>
+            </a:pPr>
+            <a:r>
+              <a:rPr lang="en-US" sz="2000" b="1" dirty="0" smtClean="0">
+                <a:latin typeface="Calibri" pitchFamily="34" charset="0"/>
+                <a:cs typeface="Calibri" pitchFamily="34" charset="0"/>
+              </a:rPr>
+              <a:t>   Hyper parameter tuning:</a:t>
+            </a:r>
+            <a:endParaRPr lang="en-US" sz="2000" dirty="0" smtClean="0">
+              <a:latin typeface="Calibri" pitchFamily="34" charset="0"/>
+              <a:cs typeface="Calibri" pitchFamily="34" charset="0"/>
+            </a:endParaRPr>
+          </a:p>
+          <a:p>
             <a:r>
               <a:rPr lang="en-US" sz="2000" dirty="0" smtClean="0">
                 <a:latin typeface="Calibri" pitchFamily="34" charset="0"/>
                 <a:cs typeface="Calibri" pitchFamily="34" charset="0"/>
               </a:rPr>
-              <a:t> directory which will used during model evaluation.</a:t>
-            </a:r>
-          </a:p>
-          <a:p>
-            <a:r>
-              <a:rPr lang="en-US" dirty="0" smtClean="0"/>
-              <a:t>.</a:t>
-            </a:r>
-            <a:endParaRPr lang="en-US" sz="1100" dirty="0" smtClean="0"/>
+              <a:t>    Hyper parameter tuning was done by using Grid search algorithm.</a:t>
+            </a:r>
+          </a:p>
+          <a:p>
+            <a:endParaRPr lang="en-US" sz="2000" dirty="0" smtClean="0">
+              <a:latin typeface="Calibri" pitchFamily="34" charset="0"/>
+              <a:cs typeface="Calibri" pitchFamily="34" charset="0"/>
+            </a:endParaRPr>
+          </a:p>
+          <a:p>
+            <a:pPr lvl="0">
+              <a:buFont typeface="Arial" pitchFamily="34" charset="0"/>
+              <a:buChar char="•"/>
+            </a:pPr>
+            <a:r>
+              <a:rPr lang="en-US" sz="2000" dirty="0" smtClean="0">
+                <a:latin typeface="Calibri" pitchFamily="34" charset="0"/>
+                <a:cs typeface="Calibri" pitchFamily="34" charset="0"/>
+              </a:rPr>
+              <a:t>    Test model for under fitting or over fitting.</a:t>
+            </a:r>
           </a:p>
           <a:p>
             <a:pPr lvl="0"/>
@@ -11156,6 +11007,19 @@
               <a:latin typeface="Calibri" pitchFamily="34" charset="0"/>
               <a:cs typeface="Calibri" pitchFamily="34" charset="0"/>
             </a:endParaRPr>
+          </a:p>
+          <a:p>
+            <a:pPr lvl="0">
+              <a:buFont typeface="Arial" pitchFamily="34" charset="0"/>
+              <a:buChar char="•"/>
+            </a:pPr>
+            <a:r>
+              <a:rPr lang="en-US" sz="2000" dirty="0" smtClean="0">
+                <a:latin typeface="Calibri" pitchFamily="34" charset="0"/>
+                <a:cs typeface="Calibri" pitchFamily="34" charset="0"/>
+              </a:rPr>
+              <a:t>    Save in best trained model in pickle format artifact folder as model.pkl.</a:t>
+            </a:r>
           </a:p>
           <a:p>
             <a:endParaRPr lang="en-US" dirty="0"/>
